--- a/Presentation2-2-1.pptx
+++ b/Presentation2-2-1.pptx
@@ -5,22 +5,26 @@
     <p:sldMasterId id="2147483648" r:id="rId1"/>
   </p:sldMasterIdLst>
   <p:notesMasterIdLst>
-    <p:notesMasterId r:id="rId15"/>
+    <p:notesMasterId r:id="rId19"/>
   </p:notesMasterIdLst>
   <p:sldIdLst>
     <p:sldId id="256" r:id="rId2"/>
     <p:sldId id="257" r:id="rId3"/>
-    <p:sldId id="259" r:id="rId4"/>
-    <p:sldId id="258" r:id="rId5"/>
-    <p:sldId id="261" r:id="rId6"/>
-    <p:sldId id="262" r:id="rId7"/>
-    <p:sldId id="263" r:id="rId8"/>
-    <p:sldId id="268" r:id="rId9"/>
-    <p:sldId id="264" r:id="rId10"/>
-    <p:sldId id="267" r:id="rId11"/>
+    <p:sldId id="269" r:id="rId4"/>
+    <p:sldId id="270" r:id="rId5"/>
+    <p:sldId id="259" r:id="rId6"/>
+    <p:sldId id="258" r:id="rId7"/>
+    <p:sldId id="261" r:id="rId8"/>
+    <p:sldId id="262" r:id="rId9"/>
+    <p:sldId id="263" r:id="rId10"/>
+    <p:sldId id="268" r:id="rId11"/>
     <p:sldId id="265" r:id="rId12"/>
     <p:sldId id="260" r:id="rId13"/>
     <p:sldId id="266" r:id="rId14"/>
+    <p:sldId id="271" r:id="rId15"/>
+    <p:sldId id="272" r:id="rId16"/>
+    <p:sldId id="264" r:id="rId17"/>
+    <p:sldId id="267" r:id="rId18"/>
   </p:sldIdLst>
   <p:sldSz cx="12192000" cy="6858000"/>
   <p:notesSz cx="6858000" cy="9144000"/>
@@ -119,6 +123,11 @@
       </a:defRPr>
     </a:lvl9pPr>
   </p:defaultTextStyle>
+  <p:extLst>
+    <p:ext uri="{EFAFB233-063F-42B5-8137-9DF3F51BA10A}">
+      <p15:sldGuideLst xmlns:p15="http://schemas.microsoft.com/office/powerpoint/2012/main"/>
+    </p:ext>
+  </p:extLst>
 </p:presentation>
 </file>
 
@@ -785,11 +794,11 @@
         </c:dLbls>
         <c:gapWidth val="219"/>
         <c:overlap val="-27"/>
-        <c:axId val="443985960"/>
-        <c:axId val="443988256"/>
+        <c:axId val="-1714796480"/>
+        <c:axId val="-1682483600"/>
       </c:barChart>
       <c:catAx>
-        <c:axId val="443985960"/>
+        <c:axId val="-1714796480"/>
         <c:scaling>
           <c:orientation val="minMax"/>
         </c:scaling>
@@ -832,7 +841,7 @@
             <a:endParaRPr lang="en-US"/>
           </a:p>
         </c:txPr>
-        <c:crossAx val="443988256"/>
+        <c:crossAx val="-1682483600"/>
         <c:crosses val="autoZero"/>
         <c:auto val="1"/>
         <c:lblAlgn val="ctr"/>
@@ -840,7 +849,7 @@
         <c:noMultiLvlLbl val="0"/>
       </c:catAx>
       <c:valAx>
-        <c:axId val="443988256"/>
+        <c:axId val="-1682483600"/>
         <c:scaling>
           <c:logBase val="10"/>
           <c:orientation val="minMax"/>
@@ -892,7 +901,7 @@
             <a:endParaRPr lang="en-US"/>
           </a:p>
         </c:txPr>
-        <c:crossAx val="443985960"/>
+        <c:crossAx val="-1714796480"/>
         <c:crosses val="autoZero"/>
         <c:crossBetween val="between"/>
       </c:valAx>
@@ -1930,7 +1939,7 @@
           <a:p>
             <a:fld id="{409ABD16-BFF6-4249-9F1B-BFE1F810FBAC}" type="slidenum">
               <a:rPr lang="en-US" smtClean="0"/>
-              <a:t>9</a:t>
+              <a:t>16</a:t>
             </a:fld>
             <a:endParaRPr lang="en-US"/>
           </a:p>
@@ -4905,6 +4914,4181 @@
           <a:p>
             <a:r>
               <a:rPr lang="en-US" dirty="0"/>
+              <a:t>Gained and lost PAM sites due to SNPs</a:t>
+            </a:r>
+          </a:p>
+        </p:txBody>
+      </p:sp>
+      <p:graphicFrame>
+        <p:nvGraphicFramePr>
+          <p:cNvPr id="4" name="Content Placeholder 3"/>
+          <p:cNvGraphicFramePr>
+            <a:graphicFrameLocks noGrp="1"/>
+          </p:cNvGraphicFramePr>
+          <p:nvPr>
+            <p:ph idx="1"/>
+            <p:extLst>
+              <p:ext uri="{D42A27DB-BD31-4B8C-83A1-F6EECF244321}">
+                <p14:modId xmlns:p14="http://schemas.microsoft.com/office/powerpoint/2010/main" val="2760010416"/>
+              </p:ext>
+            </p:extLst>
+          </p:nvPr>
+        </p:nvGraphicFramePr>
+        <p:xfrm>
+          <a:off x="838200" y="1825625"/>
+          <a:ext cx="10515600" cy="3708400"/>
+        </p:xfrm>
+        <a:graphic>
+          <a:graphicData uri="http://schemas.openxmlformats.org/drawingml/2006/table">
+            <a:tbl>
+              <a:tblPr firstRow="1" bandRow="1">
+                <a:tableStyleId>{7E9639D4-E3E2-4D34-9284-5A2195B3D0D7}</a:tableStyleId>
+              </a:tblPr>
+              <a:tblGrid>
+                <a:gridCol w="1752600">
+                  <a:extLst>
+                    <a:ext uri="{9D8B030D-6E8A-4147-A177-3AD203B41FA5}">
+                      <a16:colId xmlns:a16="http://schemas.microsoft.com/office/drawing/2014/main" val="3518739994"/>
+                    </a:ext>
+                  </a:extLst>
+                </a:gridCol>
+                <a:gridCol w="1752600">
+                  <a:extLst>
+                    <a:ext uri="{9D8B030D-6E8A-4147-A177-3AD203B41FA5}">
+                      <a16:colId xmlns:a16="http://schemas.microsoft.com/office/drawing/2014/main" val="924848717"/>
+                    </a:ext>
+                  </a:extLst>
+                </a:gridCol>
+                <a:gridCol w="1752600">
+                  <a:extLst>
+                    <a:ext uri="{9D8B030D-6E8A-4147-A177-3AD203B41FA5}">
+                      <a16:colId xmlns:a16="http://schemas.microsoft.com/office/drawing/2014/main" val="920929006"/>
+                    </a:ext>
+                  </a:extLst>
+                </a:gridCol>
+                <a:gridCol w="1752600">
+                  <a:extLst>
+                    <a:ext uri="{9D8B030D-6E8A-4147-A177-3AD203B41FA5}">
+                      <a16:colId xmlns:a16="http://schemas.microsoft.com/office/drawing/2014/main" val="2907751264"/>
+                    </a:ext>
+                  </a:extLst>
+                </a:gridCol>
+                <a:gridCol w="1752600">
+                  <a:extLst>
+                    <a:ext uri="{9D8B030D-6E8A-4147-A177-3AD203B41FA5}">
+                      <a16:colId xmlns:a16="http://schemas.microsoft.com/office/drawing/2014/main" val="1517323258"/>
+                    </a:ext>
+                  </a:extLst>
+                </a:gridCol>
+                <a:gridCol w="1752600">
+                  <a:extLst>
+                    <a:ext uri="{9D8B030D-6E8A-4147-A177-3AD203B41FA5}">
+                      <a16:colId xmlns:a16="http://schemas.microsoft.com/office/drawing/2014/main" val="974522605"/>
+                    </a:ext>
+                  </a:extLst>
+                </a:gridCol>
+              </a:tblGrid>
+              <a:tr h="370840">
+                <a:tc>
+                  <a:txBody>
+                    <a:bodyPr/>
+                    <a:lstStyle/>
+                    <a:p>
+                      <a:pPr algn="ctr" fontAlgn="b"/>
+                      <a:r>
+                        <a:rPr lang="en-US" sz="2000" u="none" strike="noStrike" dirty="0">
+                          <a:effectLst/>
+                        </a:rPr>
+                        <a:t>#</a:t>
+                      </a:r>
+                      <a:r>
+                        <a:rPr lang="en-US" sz="2000" u="none" strike="noStrike" dirty="0" err="1">
+                          <a:effectLst/>
+                        </a:rPr>
+                        <a:t>chrom</a:t>
+                      </a:r>
+                      <a:endParaRPr lang="en-US" sz="2000" b="0" i="0" u="none" strike="noStrike" dirty="0">
+                        <a:solidFill>
+                          <a:srgbClr val="000000"/>
+                        </a:solidFill>
+                        <a:effectLst/>
+                        <a:latin typeface="Calibri" panose="020F0502020204030204" pitchFamily="34" charset="0"/>
+                      </a:endParaRPr>
+                    </a:p>
+                  </a:txBody>
+                  <a:tcPr marL="6350" marR="6350" marT="6350" anchor="ctr"/>
+                </a:tc>
+                <a:tc>
+                  <a:txBody>
+                    <a:bodyPr/>
+                    <a:lstStyle/>
+                    <a:p>
+                      <a:pPr algn="ctr" fontAlgn="b"/>
+                      <a:r>
+                        <a:rPr lang="en-US" sz="2000" u="none" strike="noStrike">
+                          <a:effectLst/>
+                        </a:rPr>
+                        <a:t>pos</a:t>
+                      </a:r>
+                      <a:endParaRPr lang="en-US" sz="2000" b="0" i="0" u="none" strike="noStrike">
+                        <a:solidFill>
+                          <a:srgbClr val="000000"/>
+                        </a:solidFill>
+                        <a:effectLst/>
+                        <a:latin typeface="Calibri" panose="020F0502020204030204" pitchFamily="34" charset="0"/>
+                      </a:endParaRPr>
+                    </a:p>
+                  </a:txBody>
+                  <a:tcPr marL="6350" marR="6350" marT="6350" anchor="ctr"/>
+                </a:tc>
+                <a:tc>
+                  <a:txBody>
+                    <a:bodyPr/>
+                    <a:lstStyle/>
+                    <a:p>
+                      <a:pPr algn="ctr" fontAlgn="b"/>
+                      <a:r>
+                        <a:rPr lang="en-US" sz="2000" u="none" strike="noStrike" dirty="0">
+                          <a:effectLst/>
+                        </a:rPr>
+                        <a:t>change</a:t>
+                      </a:r>
+                      <a:endParaRPr lang="en-US" sz="2000" b="0" i="0" u="none" strike="noStrike" dirty="0">
+                        <a:solidFill>
+                          <a:srgbClr val="000000"/>
+                        </a:solidFill>
+                        <a:effectLst/>
+                        <a:latin typeface="Calibri" panose="020F0502020204030204" pitchFamily="34" charset="0"/>
+                      </a:endParaRPr>
+                    </a:p>
+                  </a:txBody>
+                  <a:tcPr marL="6350" marR="6350" marT="6350" anchor="ctr"/>
+                </a:tc>
+                <a:tc>
+                  <a:txBody>
+                    <a:bodyPr/>
+                    <a:lstStyle/>
+                    <a:p>
+                      <a:pPr algn="ctr" fontAlgn="b"/>
+                      <a:r>
+                        <a:rPr lang="en-US" sz="2000" u="none" strike="noStrike" dirty="0">
+                          <a:effectLst/>
+                        </a:rPr>
+                        <a:t>#</a:t>
+                      </a:r>
+                      <a:r>
+                        <a:rPr lang="en-US" sz="2000" u="none" strike="noStrike" dirty="0" err="1">
+                          <a:effectLst/>
+                        </a:rPr>
+                        <a:t>chrom</a:t>
+                      </a:r>
+                      <a:endParaRPr lang="en-US" sz="2000" b="0" i="0" u="none" strike="noStrike" dirty="0">
+                        <a:solidFill>
+                          <a:srgbClr val="000000"/>
+                        </a:solidFill>
+                        <a:effectLst/>
+                        <a:latin typeface="Calibri" panose="020F0502020204030204" pitchFamily="34" charset="0"/>
+                      </a:endParaRPr>
+                    </a:p>
+                  </a:txBody>
+                  <a:tcPr marL="6350" marR="6350" marT="6350" anchor="ctr"/>
+                </a:tc>
+                <a:tc>
+                  <a:txBody>
+                    <a:bodyPr/>
+                    <a:lstStyle/>
+                    <a:p>
+                      <a:pPr algn="ctr" fontAlgn="b"/>
+                      <a:r>
+                        <a:rPr lang="en-US" sz="2000" u="none" strike="noStrike">
+                          <a:effectLst/>
+                        </a:rPr>
+                        <a:t>pos</a:t>
+                      </a:r>
+                      <a:endParaRPr lang="en-US" sz="2000" b="0" i="0" u="none" strike="noStrike">
+                        <a:solidFill>
+                          <a:srgbClr val="000000"/>
+                        </a:solidFill>
+                        <a:effectLst/>
+                        <a:latin typeface="Calibri" panose="020F0502020204030204" pitchFamily="34" charset="0"/>
+                      </a:endParaRPr>
+                    </a:p>
+                  </a:txBody>
+                  <a:tcPr marL="6350" marR="6350" marT="6350" anchor="ctr"/>
+                </a:tc>
+                <a:tc>
+                  <a:txBody>
+                    <a:bodyPr/>
+                    <a:lstStyle/>
+                    <a:p>
+                      <a:pPr algn="ctr" fontAlgn="b"/>
+                      <a:r>
+                        <a:rPr lang="en-US" sz="2000" u="none" strike="noStrike" dirty="0">
+                          <a:effectLst/>
+                        </a:rPr>
+                        <a:t>change</a:t>
+                      </a:r>
+                      <a:endParaRPr lang="en-US" sz="2000" b="0" i="0" u="none" strike="noStrike" dirty="0">
+                        <a:solidFill>
+                          <a:srgbClr val="000000"/>
+                        </a:solidFill>
+                        <a:effectLst/>
+                        <a:latin typeface="Calibri" panose="020F0502020204030204" pitchFamily="34" charset="0"/>
+                      </a:endParaRPr>
+                    </a:p>
+                  </a:txBody>
+                  <a:tcPr marL="6350" marR="6350" marT="6350" anchor="ctr"/>
+                </a:tc>
+                <a:extLst>
+                  <a:ext uri="{0D108BD9-81ED-4DB2-BD59-A6C34878D82A}">
+                    <a16:rowId xmlns:a16="http://schemas.microsoft.com/office/drawing/2014/main" val="983309287"/>
+                  </a:ext>
+                </a:extLst>
+              </a:tr>
+              <a:tr h="370840">
+                <a:tc>
+                  <a:txBody>
+                    <a:bodyPr/>
+                    <a:lstStyle/>
+                    <a:p>
+                      <a:pPr algn="ctr" fontAlgn="b"/>
+                      <a:r>
+                        <a:rPr lang="en-US" sz="2000" b="0" i="0" u="none" strike="noStrike">
+                          <a:solidFill>
+                            <a:srgbClr val="000000"/>
+                          </a:solidFill>
+                          <a:effectLst/>
+                          <a:latin typeface="Calibri" panose="020F0502020204030204" pitchFamily="34" charset="0"/>
+                        </a:rPr>
+                        <a:t>1</a:t>
+                      </a:r>
+                    </a:p>
+                  </a:txBody>
+                  <a:tcPr marL="6350" marR="6350" marT="6350" anchor="ctr"/>
+                </a:tc>
+                <a:tc>
+                  <a:txBody>
+                    <a:bodyPr/>
+                    <a:lstStyle/>
+                    <a:p>
+                      <a:pPr algn="ctr" fontAlgn="b"/>
+                      <a:r>
+                        <a:rPr lang="en-US" sz="2000" b="0" i="0" u="none" strike="noStrike">
+                          <a:solidFill>
+                            <a:srgbClr val="000000"/>
+                          </a:solidFill>
+                          <a:effectLst/>
+                          <a:latin typeface="Calibri" panose="020F0502020204030204" pitchFamily="34" charset="0"/>
+                        </a:rPr>
+                        <a:t>58209</a:t>
+                      </a:r>
+                    </a:p>
+                  </a:txBody>
+                  <a:tcPr marL="6350" marR="6350" marT="6350" anchor="ctr"/>
+                </a:tc>
+                <a:tc>
+                  <a:txBody>
+                    <a:bodyPr/>
+                    <a:lstStyle/>
+                    <a:p>
+                      <a:pPr algn="ctr" fontAlgn="b"/>
+                      <a:r>
+                        <a:rPr lang="en-US" sz="2000" b="0" i="0" u="none" strike="noStrike">
+                          <a:solidFill>
+                            <a:srgbClr val="000000"/>
+                          </a:solidFill>
+                          <a:effectLst/>
+                          <a:latin typeface="Calibri" panose="020F0502020204030204" pitchFamily="34" charset="0"/>
+                        </a:rPr>
+                        <a:t>gained</a:t>
+                      </a:r>
+                    </a:p>
+                  </a:txBody>
+                  <a:tcPr marL="6350" marR="6350" marT="6350" anchor="ctr"/>
+                </a:tc>
+                <a:tc>
+                  <a:txBody>
+                    <a:bodyPr/>
+                    <a:lstStyle/>
+                    <a:p>
+                      <a:pPr algn="ctr" fontAlgn="b"/>
+                      <a:r>
+                        <a:rPr lang="en-US" sz="2000" b="0" i="0" u="none" strike="noStrike" dirty="0">
+                          <a:solidFill>
+                            <a:srgbClr val="000000"/>
+                          </a:solidFill>
+                          <a:effectLst/>
+                          <a:latin typeface="Calibri" panose="020F0502020204030204" pitchFamily="34" charset="0"/>
+                        </a:rPr>
+                        <a:t>1</a:t>
+                      </a:r>
+                    </a:p>
+                  </a:txBody>
+                  <a:tcPr marL="6350" marR="6350" marT="6350" anchor="ctr"/>
+                </a:tc>
+                <a:tc>
+                  <a:txBody>
+                    <a:bodyPr/>
+                    <a:lstStyle/>
+                    <a:p>
+                      <a:pPr algn="ctr" fontAlgn="b"/>
+                      <a:r>
+                        <a:rPr lang="en-US" sz="2000" b="0" i="0" u="none" strike="noStrike">
+                          <a:solidFill>
+                            <a:srgbClr val="000000"/>
+                          </a:solidFill>
+                          <a:effectLst/>
+                          <a:latin typeface="Calibri" panose="020F0502020204030204" pitchFamily="34" charset="0"/>
+                        </a:rPr>
+                        <a:t>79049</a:t>
+                      </a:r>
+                    </a:p>
+                  </a:txBody>
+                  <a:tcPr marL="6350" marR="6350" marT="6350" anchor="ctr"/>
+                </a:tc>
+                <a:tc>
+                  <a:txBody>
+                    <a:bodyPr/>
+                    <a:lstStyle/>
+                    <a:p>
+                      <a:pPr algn="ctr" fontAlgn="b"/>
+                      <a:r>
+                        <a:rPr lang="en-US" sz="2000" b="0" i="0" u="none" strike="noStrike">
+                          <a:solidFill>
+                            <a:srgbClr val="000000"/>
+                          </a:solidFill>
+                          <a:effectLst/>
+                          <a:latin typeface="Calibri" panose="020F0502020204030204" pitchFamily="34" charset="0"/>
+                        </a:rPr>
+                        <a:t>lost</a:t>
+                      </a:r>
+                    </a:p>
+                  </a:txBody>
+                  <a:tcPr marL="6350" marR="6350" marT="6350" anchor="ctr"/>
+                </a:tc>
+                <a:extLst>
+                  <a:ext uri="{0D108BD9-81ED-4DB2-BD59-A6C34878D82A}">
+                    <a16:rowId xmlns:a16="http://schemas.microsoft.com/office/drawing/2014/main" val="69182184"/>
+                  </a:ext>
+                </a:extLst>
+              </a:tr>
+              <a:tr h="370840">
+                <a:tc>
+                  <a:txBody>
+                    <a:bodyPr/>
+                    <a:lstStyle/>
+                    <a:p>
+                      <a:pPr algn="ctr" fontAlgn="b"/>
+                      <a:r>
+                        <a:rPr lang="en-US" sz="2000" b="0" i="0" u="none" strike="noStrike">
+                          <a:solidFill>
+                            <a:srgbClr val="000000"/>
+                          </a:solidFill>
+                          <a:effectLst/>
+                          <a:latin typeface="Calibri" panose="020F0502020204030204" pitchFamily="34" charset="0"/>
+                        </a:rPr>
+                        <a:t>1</a:t>
+                      </a:r>
+                    </a:p>
+                  </a:txBody>
+                  <a:tcPr marL="6350" marR="6350" marT="6350" anchor="ctr"/>
+                </a:tc>
+                <a:tc>
+                  <a:txBody>
+                    <a:bodyPr/>
+                    <a:lstStyle/>
+                    <a:p>
+                      <a:pPr algn="ctr" fontAlgn="b"/>
+                      <a:r>
+                        <a:rPr lang="en-US" sz="2000" b="0" i="0" u="none" strike="noStrike">
+                          <a:solidFill>
+                            <a:srgbClr val="000000"/>
+                          </a:solidFill>
+                          <a:effectLst/>
+                          <a:latin typeface="Calibri" panose="020F0502020204030204" pitchFamily="34" charset="0"/>
+                        </a:rPr>
+                        <a:t>65743</a:t>
+                      </a:r>
+                    </a:p>
+                  </a:txBody>
+                  <a:tcPr marL="6350" marR="6350" marT="6350" anchor="ctr"/>
+                </a:tc>
+                <a:tc>
+                  <a:txBody>
+                    <a:bodyPr/>
+                    <a:lstStyle/>
+                    <a:p>
+                      <a:pPr algn="ctr" fontAlgn="b"/>
+                      <a:r>
+                        <a:rPr lang="en-US" sz="2000" b="0" i="0" u="none" strike="noStrike">
+                          <a:solidFill>
+                            <a:srgbClr val="000000"/>
+                          </a:solidFill>
+                          <a:effectLst/>
+                          <a:latin typeface="Calibri" panose="020F0502020204030204" pitchFamily="34" charset="0"/>
+                        </a:rPr>
+                        <a:t>gained</a:t>
+                      </a:r>
+                    </a:p>
+                  </a:txBody>
+                  <a:tcPr marL="6350" marR="6350" marT="6350" anchor="ctr"/>
+                </a:tc>
+                <a:tc>
+                  <a:txBody>
+                    <a:bodyPr/>
+                    <a:lstStyle/>
+                    <a:p>
+                      <a:pPr algn="ctr" fontAlgn="b"/>
+                      <a:r>
+                        <a:rPr lang="en-US" sz="2000" b="0" i="0" u="none" strike="noStrike">
+                          <a:solidFill>
+                            <a:srgbClr val="000000"/>
+                          </a:solidFill>
+                          <a:effectLst/>
+                          <a:latin typeface="Calibri" panose="020F0502020204030204" pitchFamily="34" charset="0"/>
+                        </a:rPr>
+                        <a:t>1</a:t>
+                      </a:r>
+                    </a:p>
+                  </a:txBody>
+                  <a:tcPr marL="6350" marR="6350" marT="6350" anchor="ctr"/>
+                </a:tc>
+                <a:tc>
+                  <a:txBody>
+                    <a:bodyPr/>
+                    <a:lstStyle/>
+                    <a:p>
+                      <a:pPr algn="ctr" fontAlgn="b"/>
+                      <a:r>
+                        <a:rPr lang="en-US" sz="2000" b="0" i="0" u="none" strike="noStrike">
+                          <a:solidFill>
+                            <a:srgbClr val="000000"/>
+                          </a:solidFill>
+                          <a:effectLst/>
+                          <a:latin typeface="Calibri" panose="020F0502020204030204" pitchFamily="34" charset="0"/>
+                        </a:rPr>
+                        <a:t>88176</a:t>
+                      </a:r>
+                    </a:p>
+                  </a:txBody>
+                  <a:tcPr marL="6350" marR="6350" marT="6350" anchor="ctr"/>
+                </a:tc>
+                <a:tc>
+                  <a:txBody>
+                    <a:bodyPr/>
+                    <a:lstStyle/>
+                    <a:p>
+                      <a:pPr algn="ctr" fontAlgn="b"/>
+                      <a:r>
+                        <a:rPr lang="en-US" sz="2000" b="0" i="0" u="none" strike="noStrike">
+                          <a:solidFill>
+                            <a:srgbClr val="000000"/>
+                          </a:solidFill>
+                          <a:effectLst/>
+                          <a:latin typeface="Calibri" panose="020F0502020204030204" pitchFamily="34" charset="0"/>
+                        </a:rPr>
+                        <a:t>lost</a:t>
+                      </a:r>
+                    </a:p>
+                  </a:txBody>
+                  <a:tcPr marL="6350" marR="6350" marT="6350" anchor="ctr"/>
+                </a:tc>
+                <a:extLst>
+                  <a:ext uri="{0D108BD9-81ED-4DB2-BD59-A6C34878D82A}">
+                    <a16:rowId xmlns:a16="http://schemas.microsoft.com/office/drawing/2014/main" val="330693263"/>
+                  </a:ext>
+                </a:extLst>
+              </a:tr>
+              <a:tr h="370840">
+                <a:tc>
+                  <a:txBody>
+                    <a:bodyPr/>
+                    <a:lstStyle/>
+                    <a:p>
+                      <a:pPr algn="ctr" fontAlgn="b"/>
+                      <a:r>
+                        <a:rPr lang="en-US" sz="2000" b="0" i="0" u="none" strike="noStrike">
+                          <a:solidFill>
+                            <a:srgbClr val="000000"/>
+                          </a:solidFill>
+                          <a:effectLst/>
+                          <a:latin typeface="Calibri" panose="020F0502020204030204" pitchFamily="34" charset="0"/>
+                        </a:rPr>
+                        <a:t>1</a:t>
+                      </a:r>
+                    </a:p>
+                  </a:txBody>
+                  <a:tcPr marL="6350" marR="6350" marT="6350" anchor="ctr"/>
+                </a:tc>
+                <a:tc>
+                  <a:txBody>
+                    <a:bodyPr/>
+                    <a:lstStyle/>
+                    <a:p>
+                      <a:pPr algn="ctr" fontAlgn="b"/>
+                      <a:r>
+                        <a:rPr lang="en-US" sz="2000" b="0" i="0" u="none" strike="noStrike">
+                          <a:solidFill>
+                            <a:srgbClr val="000000"/>
+                          </a:solidFill>
+                          <a:effectLst/>
+                          <a:latin typeface="Calibri" panose="020F0502020204030204" pitchFamily="34" charset="0"/>
+                        </a:rPr>
+                        <a:t>74553</a:t>
+                      </a:r>
+                    </a:p>
+                  </a:txBody>
+                  <a:tcPr marL="6350" marR="6350" marT="6350" anchor="ctr"/>
+                </a:tc>
+                <a:tc>
+                  <a:txBody>
+                    <a:bodyPr/>
+                    <a:lstStyle/>
+                    <a:p>
+                      <a:pPr algn="ctr" fontAlgn="b"/>
+                      <a:r>
+                        <a:rPr lang="en-US" sz="2000" b="0" i="0" u="none" strike="noStrike">
+                          <a:solidFill>
+                            <a:srgbClr val="000000"/>
+                          </a:solidFill>
+                          <a:effectLst/>
+                          <a:latin typeface="Calibri" panose="020F0502020204030204" pitchFamily="34" charset="0"/>
+                        </a:rPr>
+                        <a:t>gained</a:t>
+                      </a:r>
+                    </a:p>
+                  </a:txBody>
+                  <a:tcPr marL="6350" marR="6350" marT="6350" anchor="ctr"/>
+                </a:tc>
+                <a:tc>
+                  <a:txBody>
+                    <a:bodyPr/>
+                    <a:lstStyle/>
+                    <a:p>
+                      <a:pPr algn="ctr" fontAlgn="b"/>
+                      <a:r>
+                        <a:rPr lang="en-US" sz="2000" b="0" i="0" u="none" strike="noStrike">
+                          <a:solidFill>
+                            <a:srgbClr val="000000"/>
+                          </a:solidFill>
+                          <a:effectLst/>
+                          <a:latin typeface="Calibri" panose="020F0502020204030204" pitchFamily="34" charset="0"/>
+                        </a:rPr>
+                        <a:t>1</a:t>
+                      </a:r>
+                    </a:p>
+                  </a:txBody>
+                  <a:tcPr marL="6350" marR="6350" marT="6350" anchor="ctr"/>
+                </a:tc>
+                <a:tc>
+                  <a:txBody>
+                    <a:bodyPr/>
+                    <a:lstStyle/>
+                    <a:p>
+                      <a:pPr algn="ctr" fontAlgn="b"/>
+                      <a:r>
+                        <a:rPr lang="en-US" sz="2000" b="0" i="0" u="none" strike="noStrike">
+                          <a:solidFill>
+                            <a:srgbClr val="000000"/>
+                          </a:solidFill>
+                          <a:effectLst/>
+                          <a:latin typeface="Calibri" panose="020F0502020204030204" pitchFamily="34" charset="0"/>
+                        </a:rPr>
+                        <a:t>91473</a:t>
+                      </a:r>
+                    </a:p>
+                  </a:txBody>
+                  <a:tcPr marL="6350" marR="6350" marT="6350" anchor="ctr"/>
+                </a:tc>
+                <a:tc>
+                  <a:txBody>
+                    <a:bodyPr/>
+                    <a:lstStyle/>
+                    <a:p>
+                      <a:pPr algn="ctr" fontAlgn="b"/>
+                      <a:r>
+                        <a:rPr lang="en-US" sz="2000" b="0" i="0" u="none" strike="noStrike">
+                          <a:solidFill>
+                            <a:srgbClr val="000000"/>
+                          </a:solidFill>
+                          <a:effectLst/>
+                          <a:latin typeface="Calibri" panose="020F0502020204030204" pitchFamily="34" charset="0"/>
+                        </a:rPr>
+                        <a:t>lost</a:t>
+                      </a:r>
+                    </a:p>
+                  </a:txBody>
+                  <a:tcPr marL="6350" marR="6350" marT="6350" anchor="ctr"/>
+                </a:tc>
+                <a:extLst>
+                  <a:ext uri="{0D108BD9-81ED-4DB2-BD59-A6C34878D82A}">
+                    <a16:rowId xmlns:a16="http://schemas.microsoft.com/office/drawing/2014/main" val="1878148851"/>
+                  </a:ext>
+                </a:extLst>
+              </a:tr>
+              <a:tr h="370840">
+                <a:tc>
+                  <a:txBody>
+                    <a:bodyPr/>
+                    <a:lstStyle/>
+                    <a:p>
+                      <a:pPr algn="ctr" fontAlgn="b"/>
+                      <a:r>
+                        <a:rPr lang="en-US" sz="2000" b="0" i="0" u="none" strike="noStrike">
+                          <a:solidFill>
+                            <a:srgbClr val="000000"/>
+                          </a:solidFill>
+                          <a:effectLst/>
+                          <a:latin typeface="Calibri" panose="020F0502020204030204" pitchFamily="34" charset="0"/>
+                        </a:rPr>
+                        <a:t>1</a:t>
+                      </a:r>
+                    </a:p>
+                  </a:txBody>
+                  <a:tcPr marL="6350" marR="6350" marT="6350" anchor="ctr"/>
+                </a:tc>
+                <a:tc>
+                  <a:txBody>
+                    <a:bodyPr/>
+                    <a:lstStyle/>
+                    <a:p>
+                      <a:pPr algn="ctr" fontAlgn="b"/>
+                      <a:r>
+                        <a:rPr lang="en-US" sz="2000" b="0" i="0" u="none" strike="noStrike">
+                          <a:solidFill>
+                            <a:srgbClr val="000000"/>
+                          </a:solidFill>
+                          <a:effectLst/>
+                          <a:latin typeface="Calibri" panose="020F0502020204030204" pitchFamily="34" charset="0"/>
+                        </a:rPr>
+                        <a:t>122813</a:t>
+                      </a:r>
+                    </a:p>
+                  </a:txBody>
+                  <a:tcPr marL="6350" marR="6350" marT="6350" anchor="ctr"/>
+                </a:tc>
+                <a:tc>
+                  <a:txBody>
+                    <a:bodyPr/>
+                    <a:lstStyle/>
+                    <a:p>
+                      <a:pPr algn="ctr" fontAlgn="b"/>
+                      <a:r>
+                        <a:rPr lang="en-US" sz="2000" b="0" i="0" u="none" strike="noStrike">
+                          <a:solidFill>
+                            <a:srgbClr val="000000"/>
+                          </a:solidFill>
+                          <a:effectLst/>
+                          <a:latin typeface="Calibri" panose="020F0502020204030204" pitchFamily="34" charset="0"/>
+                        </a:rPr>
+                        <a:t>gained</a:t>
+                      </a:r>
+                    </a:p>
+                  </a:txBody>
+                  <a:tcPr marL="6350" marR="6350" marT="6350" anchor="ctr"/>
+                </a:tc>
+                <a:tc>
+                  <a:txBody>
+                    <a:bodyPr/>
+                    <a:lstStyle/>
+                    <a:p>
+                      <a:pPr algn="ctr" fontAlgn="b"/>
+                      <a:r>
+                        <a:rPr lang="en-US" sz="2000" b="0" i="0" u="none" strike="noStrike">
+                          <a:solidFill>
+                            <a:srgbClr val="000000"/>
+                          </a:solidFill>
+                          <a:effectLst/>
+                          <a:latin typeface="Calibri" panose="020F0502020204030204" pitchFamily="34" charset="0"/>
+                        </a:rPr>
+                        <a:t>1</a:t>
+                      </a:r>
+                    </a:p>
+                  </a:txBody>
+                  <a:tcPr marL="6350" marR="6350" marT="6350" anchor="ctr"/>
+                </a:tc>
+                <a:tc>
+                  <a:txBody>
+                    <a:bodyPr/>
+                    <a:lstStyle/>
+                    <a:p>
+                      <a:pPr algn="ctr" fontAlgn="b"/>
+                      <a:r>
+                        <a:rPr lang="en-US" sz="2000" b="0" i="0" u="none" strike="noStrike">
+                          <a:solidFill>
+                            <a:srgbClr val="000000"/>
+                          </a:solidFill>
+                          <a:effectLst/>
+                          <a:latin typeface="Calibri" panose="020F0502020204030204" pitchFamily="34" charset="0"/>
+                        </a:rPr>
+                        <a:t>91474</a:t>
+                      </a:r>
+                    </a:p>
+                  </a:txBody>
+                  <a:tcPr marL="6350" marR="6350" marT="6350" anchor="ctr"/>
+                </a:tc>
+                <a:tc>
+                  <a:txBody>
+                    <a:bodyPr/>
+                    <a:lstStyle/>
+                    <a:p>
+                      <a:pPr algn="ctr" fontAlgn="b"/>
+                      <a:r>
+                        <a:rPr lang="en-US" sz="2000" b="0" i="0" u="none" strike="noStrike">
+                          <a:solidFill>
+                            <a:srgbClr val="000000"/>
+                          </a:solidFill>
+                          <a:effectLst/>
+                          <a:latin typeface="Calibri" panose="020F0502020204030204" pitchFamily="34" charset="0"/>
+                        </a:rPr>
+                        <a:t>lost</a:t>
+                      </a:r>
+                    </a:p>
+                  </a:txBody>
+                  <a:tcPr marL="6350" marR="6350" marT="6350" anchor="ctr"/>
+                </a:tc>
+                <a:extLst>
+                  <a:ext uri="{0D108BD9-81ED-4DB2-BD59-A6C34878D82A}">
+                    <a16:rowId xmlns:a16="http://schemas.microsoft.com/office/drawing/2014/main" val="3652647779"/>
+                  </a:ext>
+                </a:extLst>
+              </a:tr>
+              <a:tr h="370840">
+                <a:tc>
+                  <a:txBody>
+                    <a:bodyPr/>
+                    <a:lstStyle/>
+                    <a:p>
+                      <a:pPr algn="ctr" fontAlgn="b"/>
+                      <a:r>
+                        <a:rPr lang="en-US" sz="2000" b="0" i="0" u="none" strike="noStrike">
+                          <a:solidFill>
+                            <a:srgbClr val="000000"/>
+                          </a:solidFill>
+                          <a:effectLst/>
+                          <a:latin typeface="Calibri" panose="020F0502020204030204" pitchFamily="34" charset="0"/>
+                        </a:rPr>
+                        <a:t>1</a:t>
+                      </a:r>
+                    </a:p>
+                  </a:txBody>
+                  <a:tcPr marL="6350" marR="6350" marT="6350" anchor="ctr"/>
+                </a:tc>
+                <a:tc>
+                  <a:txBody>
+                    <a:bodyPr/>
+                    <a:lstStyle/>
+                    <a:p>
+                      <a:pPr algn="ctr" fontAlgn="b"/>
+                      <a:r>
+                        <a:rPr lang="en-US" sz="2000" b="0" i="0" u="none" strike="noStrike">
+                          <a:solidFill>
+                            <a:srgbClr val="000000"/>
+                          </a:solidFill>
+                          <a:effectLst/>
+                          <a:latin typeface="Calibri" panose="020F0502020204030204" pitchFamily="34" charset="0"/>
+                        </a:rPr>
+                        <a:t>127489</a:t>
+                      </a:r>
+                    </a:p>
+                  </a:txBody>
+                  <a:tcPr marL="6350" marR="6350" marT="6350" anchor="ctr"/>
+                </a:tc>
+                <a:tc>
+                  <a:txBody>
+                    <a:bodyPr/>
+                    <a:lstStyle/>
+                    <a:p>
+                      <a:pPr algn="ctr" fontAlgn="b"/>
+                      <a:r>
+                        <a:rPr lang="en-US" sz="2000" b="0" i="0" u="none" strike="noStrike">
+                          <a:solidFill>
+                            <a:srgbClr val="000000"/>
+                          </a:solidFill>
+                          <a:effectLst/>
+                          <a:latin typeface="Calibri" panose="020F0502020204030204" pitchFamily="34" charset="0"/>
+                        </a:rPr>
+                        <a:t>gained</a:t>
+                      </a:r>
+                    </a:p>
+                  </a:txBody>
+                  <a:tcPr marL="6350" marR="6350" marT="6350" anchor="ctr"/>
+                </a:tc>
+                <a:tc>
+                  <a:txBody>
+                    <a:bodyPr/>
+                    <a:lstStyle/>
+                    <a:p>
+                      <a:pPr algn="ctr" fontAlgn="b"/>
+                      <a:r>
+                        <a:rPr lang="en-US" sz="2000" b="0" i="0" u="none" strike="noStrike">
+                          <a:solidFill>
+                            <a:srgbClr val="000000"/>
+                          </a:solidFill>
+                          <a:effectLst/>
+                          <a:latin typeface="Calibri" panose="020F0502020204030204" pitchFamily="34" charset="0"/>
+                        </a:rPr>
+                        <a:t>1</a:t>
+                      </a:r>
+                    </a:p>
+                  </a:txBody>
+                  <a:tcPr marL="6350" marR="6350" marT="6350" anchor="ctr"/>
+                </a:tc>
+                <a:tc>
+                  <a:txBody>
+                    <a:bodyPr/>
+                    <a:lstStyle/>
+                    <a:p>
+                      <a:pPr algn="ctr" fontAlgn="b"/>
+                      <a:r>
+                        <a:rPr lang="en-US" sz="2000" b="0" i="0" u="none" strike="noStrike">
+                          <a:solidFill>
+                            <a:srgbClr val="000000"/>
+                          </a:solidFill>
+                          <a:effectLst/>
+                          <a:latin typeface="Calibri" panose="020F0502020204030204" pitchFamily="34" charset="0"/>
+                        </a:rPr>
+                        <a:t>101266</a:t>
+                      </a:r>
+                    </a:p>
+                  </a:txBody>
+                  <a:tcPr marL="6350" marR="6350" marT="6350" anchor="ctr"/>
+                </a:tc>
+                <a:tc>
+                  <a:txBody>
+                    <a:bodyPr/>
+                    <a:lstStyle/>
+                    <a:p>
+                      <a:pPr algn="ctr" fontAlgn="b"/>
+                      <a:r>
+                        <a:rPr lang="en-US" sz="2000" b="0" i="0" u="none" strike="noStrike">
+                          <a:solidFill>
+                            <a:srgbClr val="000000"/>
+                          </a:solidFill>
+                          <a:effectLst/>
+                          <a:latin typeface="Calibri" panose="020F0502020204030204" pitchFamily="34" charset="0"/>
+                        </a:rPr>
+                        <a:t>lost</a:t>
+                      </a:r>
+                    </a:p>
+                  </a:txBody>
+                  <a:tcPr marL="6350" marR="6350" marT="6350" anchor="ctr"/>
+                </a:tc>
+                <a:extLst>
+                  <a:ext uri="{0D108BD9-81ED-4DB2-BD59-A6C34878D82A}">
+                    <a16:rowId xmlns:a16="http://schemas.microsoft.com/office/drawing/2014/main" val="1996098709"/>
+                  </a:ext>
+                </a:extLst>
+              </a:tr>
+              <a:tr h="370840">
+                <a:tc>
+                  <a:txBody>
+                    <a:bodyPr/>
+                    <a:lstStyle/>
+                    <a:p>
+                      <a:pPr algn="ctr" fontAlgn="b"/>
+                      <a:r>
+                        <a:rPr lang="en-US" sz="2000" b="0" i="0" u="none" strike="noStrike">
+                          <a:solidFill>
+                            <a:srgbClr val="000000"/>
+                          </a:solidFill>
+                          <a:effectLst/>
+                          <a:latin typeface="Calibri" panose="020F0502020204030204" pitchFamily="34" charset="0"/>
+                        </a:rPr>
+                        <a:t>1</a:t>
+                      </a:r>
+                    </a:p>
+                  </a:txBody>
+                  <a:tcPr marL="6350" marR="6350" marT="6350" anchor="ctr"/>
+                </a:tc>
+                <a:tc>
+                  <a:txBody>
+                    <a:bodyPr/>
+                    <a:lstStyle/>
+                    <a:p>
+                      <a:pPr algn="ctr" fontAlgn="b"/>
+                      <a:r>
+                        <a:rPr lang="en-US" sz="2000" b="0" i="0" u="none" strike="noStrike">
+                          <a:solidFill>
+                            <a:srgbClr val="000000"/>
+                          </a:solidFill>
+                          <a:effectLst/>
+                          <a:latin typeface="Calibri" panose="020F0502020204030204" pitchFamily="34" charset="0"/>
+                        </a:rPr>
+                        <a:t>230057</a:t>
+                      </a:r>
+                    </a:p>
+                  </a:txBody>
+                  <a:tcPr marL="6350" marR="6350" marT="6350" anchor="ctr"/>
+                </a:tc>
+                <a:tc>
+                  <a:txBody>
+                    <a:bodyPr/>
+                    <a:lstStyle/>
+                    <a:p>
+                      <a:pPr algn="ctr" fontAlgn="b"/>
+                      <a:r>
+                        <a:rPr lang="en-US" sz="2000" b="0" i="0" u="none" strike="noStrike">
+                          <a:solidFill>
+                            <a:srgbClr val="000000"/>
+                          </a:solidFill>
+                          <a:effectLst/>
+                          <a:latin typeface="Calibri" panose="020F0502020204030204" pitchFamily="34" charset="0"/>
+                        </a:rPr>
+                        <a:t>gained</a:t>
+                      </a:r>
+                    </a:p>
+                  </a:txBody>
+                  <a:tcPr marL="6350" marR="6350" marT="6350" anchor="ctr"/>
+                </a:tc>
+                <a:tc>
+                  <a:txBody>
+                    <a:bodyPr/>
+                    <a:lstStyle/>
+                    <a:p>
+                      <a:pPr algn="ctr" fontAlgn="b"/>
+                      <a:r>
+                        <a:rPr lang="en-US" sz="2000" b="0" i="0" u="none" strike="noStrike">
+                          <a:solidFill>
+                            <a:srgbClr val="000000"/>
+                          </a:solidFill>
+                          <a:effectLst/>
+                          <a:latin typeface="Calibri" panose="020F0502020204030204" pitchFamily="34" charset="0"/>
+                        </a:rPr>
+                        <a:t>1</a:t>
+                      </a:r>
+                    </a:p>
+                  </a:txBody>
+                  <a:tcPr marL="6350" marR="6350" marT="6350" anchor="ctr"/>
+                </a:tc>
+                <a:tc>
+                  <a:txBody>
+                    <a:bodyPr/>
+                    <a:lstStyle/>
+                    <a:p>
+                      <a:pPr algn="ctr" fontAlgn="b"/>
+                      <a:r>
+                        <a:rPr lang="en-US" sz="2000" b="0" i="0" u="none" strike="noStrike">
+                          <a:solidFill>
+                            <a:srgbClr val="000000"/>
+                          </a:solidFill>
+                          <a:effectLst/>
+                          <a:latin typeface="Calibri" panose="020F0502020204030204" pitchFamily="34" charset="0"/>
+                        </a:rPr>
+                        <a:t>133482</a:t>
+                      </a:r>
+                    </a:p>
+                  </a:txBody>
+                  <a:tcPr marL="6350" marR="6350" marT="6350" anchor="ctr"/>
+                </a:tc>
+                <a:tc>
+                  <a:txBody>
+                    <a:bodyPr/>
+                    <a:lstStyle/>
+                    <a:p>
+                      <a:pPr algn="ctr" fontAlgn="b"/>
+                      <a:r>
+                        <a:rPr lang="en-US" sz="2000" b="0" i="0" u="none" strike="noStrike">
+                          <a:solidFill>
+                            <a:srgbClr val="000000"/>
+                          </a:solidFill>
+                          <a:effectLst/>
+                          <a:latin typeface="Calibri" panose="020F0502020204030204" pitchFamily="34" charset="0"/>
+                        </a:rPr>
+                        <a:t>lost</a:t>
+                      </a:r>
+                    </a:p>
+                  </a:txBody>
+                  <a:tcPr marL="6350" marR="6350" marT="6350" anchor="ctr"/>
+                </a:tc>
+                <a:extLst>
+                  <a:ext uri="{0D108BD9-81ED-4DB2-BD59-A6C34878D82A}">
+                    <a16:rowId xmlns:a16="http://schemas.microsoft.com/office/drawing/2014/main" val="750388046"/>
+                  </a:ext>
+                </a:extLst>
+              </a:tr>
+              <a:tr h="370840">
+                <a:tc>
+                  <a:txBody>
+                    <a:bodyPr/>
+                    <a:lstStyle/>
+                    <a:p>
+                      <a:pPr algn="ctr" fontAlgn="b"/>
+                      <a:r>
+                        <a:rPr lang="en-US" sz="2000" b="0" i="0" u="none" strike="noStrike">
+                          <a:solidFill>
+                            <a:srgbClr val="000000"/>
+                          </a:solidFill>
+                          <a:effectLst/>
+                          <a:latin typeface="Calibri" panose="020F0502020204030204" pitchFamily="34" charset="0"/>
+                        </a:rPr>
+                        <a:t>1</a:t>
+                      </a:r>
+                    </a:p>
+                  </a:txBody>
+                  <a:tcPr marL="6350" marR="6350" marT="6350" anchor="ctr"/>
+                </a:tc>
+                <a:tc>
+                  <a:txBody>
+                    <a:bodyPr/>
+                    <a:lstStyle/>
+                    <a:p>
+                      <a:pPr algn="ctr" fontAlgn="b"/>
+                      <a:r>
+                        <a:rPr lang="en-US" sz="2000" b="0" i="0" u="none" strike="noStrike">
+                          <a:solidFill>
+                            <a:srgbClr val="000000"/>
+                          </a:solidFill>
+                          <a:effectLst/>
+                          <a:latin typeface="Calibri" panose="020F0502020204030204" pitchFamily="34" charset="0"/>
+                        </a:rPr>
+                        <a:t>250232</a:t>
+                      </a:r>
+                    </a:p>
+                  </a:txBody>
+                  <a:tcPr marL="6350" marR="6350" marT="6350" anchor="ctr"/>
+                </a:tc>
+                <a:tc>
+                  <a:txBody>
+                    <a:bodyPr/>
+                    <a:lstStyle/>
+                    <a:p>
+                      <a:pPr algn="ctr" fontAlgn="b"/>
+                      <a:r>
+                        <a:rPr lang="en-US" sz="2000" b="0" i="0" u="none" strike="noStrike">
+                          <a:solidFill>
+                            <a:srgbClr val="000000"/>
+                          </a:solidFill>
+                          <a:effectLst/>
+                          <a:latin typeface="Calibri" panose="020F0502020204030204" pitchFamily="34" charset="0"/>
+                        </a:rPr>
+                        <a:t>gained</a:t>
+                      </a:r>
+                    </a:p>
+                  </a:txBody>
+                  <a:tcPr marL="6350" marR="6350" marT="6350" anchor="ctr"/>
+                </a:tc>
+                <a:tc>
+                  <a:txBody>
+                    <a:bodyPr/>
+                    <a:lstStyle/>
+                    <a:p>
+                      <a:pPr algn="ctr" fontAlgn="b"/>
+                      <a:r>
+                        <a:rPr lang="en-US" sz="2000" b="0" i="0" u="none" strike="noStrike">
+                          <a:solidFill>
+                            <a:srgbClr val="000000"/>
+                          </a:solidFill>
+                          <a:effectLst/>
+                          <a:latin typeface="Calibri" panose="020F0502020204030204" pitchFamily="34" charset="0"/>
+                        </a:rPr>
+                        <a:t>1</a:t>
+                      </a:r>
+                    </a:p>
+                  </a:txBody>
+                  <a:tcPr marL="6350" marR="6350" marT="6350" anchor="ctr"/>
+                </a:tc>
+                <a:tc>
+                  <a:txBody>
+                    <a:bodyPr/>
+                    <a:lstStyle/>
+                    <a:p>
+                      <a:pPr algn="ctr" fontAlgn="b"/>
+                      <a:r>
+                        <a:rPr lang="en-US" sz="2000" b="0" i="0" u="none" strike="noStrike">
+                          <a:solidFill>
+                            <a:srgbClr val="000000"/>
+                          </a:solidFill>
+                          <a:effectLst/>
+                          <a:latin typeface="Calibri" panose="020F0502020204030204" pitchFamily="34" charset="0"/>
+                        </a:rPr>
+                        <a:t>239162</a:t>
+                      </a:r>
+                    </a:p>
+                  </a:txBody>
+                  <a:tcPr marL="6350" marR="6350" marT="6350" anchor="ctr"/>
+                </a:tc>
+                <a:tc>
+                  <a:txBody>
+                    <a:bodyPr/>
+                    <a:lstStyle/>
+                    <a:p>
+                      <a:pPr algn="ctr" fontAlgn="b"/>
+                      <a:r>
+                        <a:rPr lang="en-US" sz="2000" b="0" i="0" u="none" strike="noStrike" dirty="0">
+                          <a:solidFill>
+                            <a:srgbClr val="000000"/>
+                          </a:solidFill>
+                          <a:effectLst/>
+                          <a:latin typeface="Calibri" panose="020F0502020204030204" pitchFamily="34" charset="0"/>
+                        </a:rPr>
+                        <a:t>lost</a:t>
+                      </a:r>
+                    </a:p>
+                  </a:txBody>
+                  <a:tcPr marL="6350" marR="6350" marT="6350" anchor="ctr"/>
+                </a:tc>
+                <a:extLst>
+                  <a:ext uri="{0D108BD9-81ED-4DB2-BD59-A6C34878D82A}">
+                    <a16:rowId xmlns:a16="http://schemas.microsoft.com/office/drawing/2014/main" val="217637448"/>
+                  </a:ext>
+                </a:extLst>
+              </a:tr>
+              <a:tr h="370840">
+                <a:tc>
+                  <a:txBody>
+                    <a:bodyPr/>
+                    <a:lstStyle/>
+                    <a:p>
+                      <a:pPr algn="ctr" fontAlgn="b"/>
+                      <a:r>
+                        <a:rPr lang="en-US" sz="2000" b="0" i="0" u="none" strike="noStrike">
+                          <a:solidFill>
+                            <a:srgbClr val="000000"/>
+                          </a:solidFill>
+                          <a:effectLst/>
+                          <a:latin typeface="Calibri" panose="020F0502020204030204" pitchFamily="34" charset="0"/>
+                        </a:rPr>
+                        <a:t>1</a:t>
+                      </a:r>
+                    </a:p>
+                  </a:txBody>
+                  <a:tcPr marL="6350" marR="6350" marT="6350" anchor="ctr"/>
+                </a:tc>
+                <a:tc>
+                  <a:txBody>
+                    <a:bodyPr/>
+                    <a:lstStyle/>
+                    <a:p>
+                      <a:pPr algn="ctr" fontAlgn="b"/>
+                      <a:r>
+                        <a:rPr lang="en-US" sz="2000" b="0" i="0" u="none" strike="noStrike">
+                          <a:solidFill>
+                            <a:srgbClr val="000000"/>
+                          </a:solidFill>
+                          <a:effectLst/>
+                          <a:latin typeface="Calibri" panose="020F0502020204030204" pitchFamily="34" charset="0"/>
+                        </a:rPr>
+                        <a:t>537535</a:t>
+                      </a:r>
+                    </a:p>
+                  </a:txBody>
+                  <a:tcPr marL="6350" marR="6350" marT="6350" anchor="ctr"/>
+                </a:tc>
+                <a:tc>
+                  <a:txBody>
+                    <a:bodyPr/>
+                    <a:lstStyle/>
+                    <a:p>
+                      <a:pPr algn="ctr" fontAlgn="b"/>
+                      <a:r>
+                        <a:rPr lang="en-US" sz="2000" b="0" i="0" u="none" strike="noStrike">
+                          <a:solidFill>
+                            <a:srgbClr val="000000"/>
+                          </a:solidFill>
+                          <a:effectLst/>
+                          <a:latin typeface="Calibri" panose="020F0502020204030204" pitchFamily="34" charset="0"/>
+                        </a:rPr>
+                        <a:t>gained</a:t>
+                      </a:r>
+                    </a:p>
+                  </a:txBody>
+                  <a:tcPr marL="6350" marR="6350" marT="6350" anchor="ctr"/>
+                </a:tc>
+                <a:tc>
+                  <a:txBody>
+                    <a:bodyPr/>
+                    <a:lstStyle/>
+                    <a:p>
+                      <a:pPr algn="ctr" fontAlgn="b"/>
+                      <a:r>
+                        <a:rPr lang="en-US" sz="2000" b="0" i="0" u="none" strike="noStrike">
+                          <a:solidFill>
+                            <a:srgbClr val="000000"/>
+                          </a:solidFill>
+                          <a:effectLst/>
+                          <a:latin typeface="Calibri" panose="020F0502020204030204" pitchFamily="34" charset="0"/>
+                        </a:rPr>
+                        <a:t>1</a:t>
+                      </a:r>
+                    </a:p>
+                  </a:txBody>
+                  <a:tcPr marL="6350" marR="6350" marT="6350" anchor="ctr"/>
+                </a:tc>
+                <a:tc>
+                  <a:txBody>
+                    <a:bodyPr/>
+                    <a:lstStyle/>
+                    <a:p>
+                      <a:pPr algn="ctr" fontAlgn="b"/>
+                      <a:r>
+                        <a:rPr lang="en-US" sz="2000" b="0" i="0" u="none" strike="noStrike">
+                          <a:solidFill>
+                            <a:srgbClr val="000000"/>
+                          </a:solidFill>
+                          <a:effectLst/>
+                          <a:latin typeface="Calibri" panose="020F0502020204030204" pitchFamily="34" charset="0"/>
+                        </a:rPr>
+                        <a:t>239163</a:t>
+                      </a:r>
+                    </a:p>
+                  </a:txBody>
+                  <a:tcPr marL="6350" marR="6350" marT="6350" anchor="ctr"/>
+                </a:tc>
+                <a:tc>
+                  <a:txBody>
+                    <a:bodyPr/>
+                    <a:lstStyle/>
+                    <a:p>
+                      <a:pPr algn="ctr" fontAlgn="b"/>
+                      <a:r>
+                        <a:rPr lang="en-US" sz="2000" b="0" i="0" u="none" strike="noStrike">
+                          <a:solidFill>
+                            <a:srgbClr val="000000"/>
+                          </a:solidFill>
+                          <a:effectLst/>
+                          <a:latin typeface="Calibri" panose="020F0502020204030204" pitchFamily="34" charset="0"/>
+                        </a:rPr>
+                        <a:t>lost</a:t>
+                      </a:r>
+                    </a:p>
+                  </a:txBody>
+                  <a:tcPr marL="6350" marR="6350" marT="6350" anchor="ctr"/>
+                </a:tc>
+                <a:extLst>
+                  <a:ext uri="{0D108BD9-81ED-4DB2-BD59-A6C34878D82A}">
+                    <a16:rowId xmlns:a16="http://schemas.microsoft.com/office/drawing/2014/main" val="3143308900"/>
+                  </a:ext>
+                </a:extLst>
+              </a:tr>
+              <a:tr h="370840">
+                <a:tc>
+                  <a:txBody>
+                    <a:bodyPr/>
+                    <a:lstStyle/>
+                    <a:p>
+                      <a:pPr algn="ctr" fontAlgn="b"/>
+                      <a:r>
+                        <a:rPr lang="en-US" sz="2000" b="0" i="0" u="none" strike="noStrike">
+                          <a:solidFill>
+                            <a:srgbClr val="000000"/>
+                          </a:solidFill>
+                          <a:effectLst/>
+                          <a:latin typeface="Calibri" panose="020F0502020204030204" pitchFamily="34" charset="0"/>
+                        </a:rPr>
+                        <a:t>1</a:t>
+                      </a:r>
+                    </a:p>
+                  </a:txBody>
+                  <a:tcPr marL="6350" marR="6350" marT="6350" anchor="ctr"/>
+                </a:tc>
+                <a:tc>
+                  <a:txBody>
+                    <a:bodyPr/>
+                    <a:lstStyle/>
+                    <a:p>
+                      <a:pPr algn="ctr" fontAlgn="b"/>
+                      <a:r>
+                        <a:rPr lang="en-US" sz="2000" b="0" i="0" u="none" strike="noStrike">
+                          <a:solidFill>
+                            <a:srgbClr val="000000"/>
+                          </a:solidFill>
+                          <a:effectLst/>
+                          <a:latin typeface="Calibri" panose="020F0502020204030204" pitchFamily="34" charset="0"/>
+                        </a:rPr>
+                        <a:t>537536</a:t>
+                      </a:r>
+                    </a:p>
+                  </a:txBody>
+                  <a:tcPr marL="6350" marR="6350" marT="6350" anchor="ctr"/>
+                </a:tc>
+                <a:tc>
+                  <a:txBody>
+                    <a:bodyPr/>
+                    <a:lstStyle/>
+                    <a:p>
+                      <a:pPr algn="ctr" fontAlgn="b"/>
+                      <a:r>
+                        <a:rPr lang="en-US" sz="2000" b="0" i="0" u="none" strike="noStrike" dirty="0">
+                          <a:solidFill>
+                            <a:srgbClr val="000000"/>
+                          </a:solidFill>
+                          <a:effectLst/>
+                          <a:latin typeface="Calibri" panose="020F0502020204030204" pitchFamily="34" charset="0"/>
+                        </a:rPr>
+                        <a:t>gained</a:t>
+                      </a:r>
+                    </a:p>
+                  </a:txBody>
+                  <a:tcPr marL="6350" marR="6350" marT="6350" anchor="ctr"/>
+                </a:tc>
+                <a:tc>
+                  <a:txBody>
+                    <a:bodyPr/>
+                    <a:lstStyle/>
+                    <a:p>
+                      <a:pPr algn="ctr" fontAlgn="b"/>
+                      <a:r>
+                        <a:rPr lang="en-US" sz="2000" b="0" i="0" u="none" strike="noStrike">
+                          <a:solidFill>
+                            <a:srgbClr val="000000"/>
+                          </a:solidFill>
+                          <a:effectLst/>
+                          <a:latin typeface="Calibri" panose="020F0502020204030204" pitchFamily="34" charset="0"/>
+                        </a:rPr>
+                        <a:t>1</a:t>
+                      </a:r>
+                    </a:p>
+                  </a:txBody>
+                  <a:tcPr marL="6350" marR="6350" marT="6350" anchor="ctr"/>
+                </a:tc>
+                <a:tc>
+                  <a:txBody>
+                    <a:bodyPr/>
+                    <a:lstStyle/>
+                    <a:p>
+                      <a:pPr algn="ctr" fontAlgn="b"/>
+                      <a:r>
+                        <a:rPr lang="en-US" sz="2000" b="0" i="0" u="none" strike="noStrike">
+                          <a:solidFill>
+                            <a:srgbClr val="000000"/>
+                          </a:solidFill>
+                          <a:effectLst/>
+                          <a:latin typeface="Calibri" panose="020F0502020204030204" pitchFamily="34" charset="0"/>
+                        </a:rPr>
+                        <a:t>242424</a:t>
+                      </a:r>
+                    </a:p>
+                  </a:txBody>
+                  <a:tcPr marL="6350" marR="6350" marT="6350" anchor="ctr"/>
+                </a:tc>
+                <a:tc>
+                  <a:txBody>
+                    <a:bodyPr/>
+                    <a:lstStyle/>
+                    <a:p>
+                      <a:pPr algn="ctr" fontAlgn="b"/>
+                      <a:r>
+                        <a:rPr lang="en-US" sz="2000" b="0" i="0" u="none" strike="noStrike" dirty="0">
+                          <a:solidFill>
+                            <a:srgbClr val="000000"/>
+                          </a:solidFill>
+                          <a:effectLst/>
+                          <a:latin typeface="Calibri" panose="020F0502020204030204" pitchFamily="34" charset="0"/>
+                        </a:rPr>
+                        <a:t>lost</a:t>
+                      </a:r>
+                    </a:p>
+                  </a:txBody>
+                  <a:tcPr marL="6350" marR="6350" marT="6350" anchor="ctr"/>
+                </a:tc>
+                <a:extLst>
+                  <a:ext uri="{0D108BD9-81ED-4DB2-BD59-A6C34878D82A}">
+                    <a16:rowId xmlns:a16="http://schemas.microsoft.com/office/drawing/2014/main" val="3677157615"/>
+                  </a:ext>
+                </a:extLst>
+              </a:tr>
+            </a:tbl>
+          </a:graphicData>
+        </a:graphic>
+      </p:graphicFrame>
+    </p:spTree>
+    <p:extLst>
+      <p:ext uri="{BB962C8B-B14F-4D97-AF65-F5344CB8AC3E}">
+        <p14:creationId xmlns:p14="http://schemas.microsoft.com/office/powerpoint/2010/main" val="1567057692"/>
+      </p:ext>
+    </p:extLst>
+  </p:cSld>
+  <p:clrMapOvr>
+    <a:masterClrMapping/>
+  </p:clrMapOvr>
+</p:sld>
+</file>
+
+<file path=ppt/slides/slide11.xml><?xml version="1.0" encoding="utf-8"?>
+<p:sld xmlns:a="http://schemas.openxmlformats.org/drawingml/2006/main" xmlns:r="http://schemas.openxmlformats.org/officeDocument/2006/relationships" xmlns:p="http://schemas.openxmlformats.org/presentationml/2006/main">
+  <p:cSld>
+    <p:spTree>
+      <p:nvGrpSpPr>
+        <p:cNvPr id="1" name=""/>
+        <p:cNvGrpSpPr/>
+        <p:nvPr/>
+      </p:nvGrpSpPr>
+      <p:grpSpPr>
+        <a:xfrm>
+          <a:off x="0" y="0"/>
+          <a:ext cx="0" cy="0"/>
+          <a:chOff x="0" y="0"/>
+          <a:chExt cx="0" cy="0"/>
+        </a:xfrm>
+      </p:grpSpPr>
+      <p:sp>
+        <p:nvSpPr>
+          <p:cNvPr id="2" name="Title 1"/>
+          <p:cNvSpPr>
+            <a:spLocks noGrp="1"/>
+          </p:cNvSpPr>
+          <p:nvPr>
+            <p:ph type="title"/>
+          </p:nvPr>
+        </p:nvSpPr>
+        <p:spPr/>
+        <p:txBody>
+          <a:bodyPr/>
+          <a:lstStyle/>
+          <a:p>
+            <a:r>
+              <a:rPr lang="en-US" dirty="0"/>
+              <a:t>Influence of SNPs on PAM sites</a:t>
+            </a:r>
+          </a:p>
+        </p:txBody>
+      </p:sp>
+      <p:graphicFrame>
+        <p:nvGraphicFramePr>
+          <p:cNvPr id="4" name="Content Placeholder 3">
+            <a:extLst>
+              <a:ext uri="{FF2B5EF4-FFF2-40B4-BE49-F238E27FC236}">
+                <a16:creationId xmlns:a16="http://schemas.microsoft.com/office/drawing/2014/main" id="{C542B712-97DE-4882-9ABA-B40F0D87E662}"/>
+              </a:ext>
+            </a:extLst>
+          </p:cNvPr>
+          <p:cNvGraphicFramePr>
+            <a:graphicFrameLocks noGrp="1"/>
+          </p:cNvGraphicFramePr>
+          <p:nvPr>
+            <p:ph idx="1"/>
+            <p:extLst>
+              <p:ext uri="{D42A27DB-BD31-4B8C-83A1-F6EECF244321}">
+                <p14:modId xmlns:p14="http://schemas.microsoft.com/office/powerpoint/2010/main" val="1326482789"/>
+              </p:ext>
+            </p:extLst>
+          </p:nvPr>
+        </p:nvGraphicFramePr>
+        <p:xfrm>
+          <a:off x="1181100" y="1490870"/>
+          <a:ext cx="9829800" cy="4686093"/>
+        </p:xfrm>
+        <a:graphic>
+          <a:graphicData uri="http://schemas.openxmlformats.org/drawingml/2006/chart">
+            <c:chart xmlns:c="http://schemas.openxmlformats.org/drawingml/2006/chart" xmlns:r="http://schemas.openxmlformats.org/officeDocument/2006/relationships" r:id="rId2"/>
+          </a:graphicData>
+        </a:graphic>
+      </p:graphicFrame>
+    </p:spTree>
+    <p:extLst>
+      <p:ext uri="{BB962C8B-B14F-4D97-AF65-F5344CB8AC3E}">
+        <p14:creationId xmlns:p14="http://schemas.microsoft.com/office/powerpoint/2010/main" val="1193252159"/>
+      </p:ext>
+    </p:extLst>
+  </p:cSld>
+  <p:clrMapOvr>
+    <a:masterClrMapping/>
+  </p:clrMapOvr>
+</p:sld>
+</file>
+
+<file path=ppt/slides/slide12.xml><?xml version="1.0" encoding="utf-8"?>
+<p:sld xmlns:a="http://schemas.openxmlformats.org/drawingml/2006/main" xmlns:r="http://schemas.openxmlformats.org/officeDocument/2006/relationships" xmlns:p="http://schemas.openxmlformats.org/presentationml/2006/main">
+  <p:cSld>
+    <p:spTree>
+      <p:nvGrpSpPr>
+        <p:cNvPr id="1" name=""/>
+        <p:cNvGrpSpPr/>
+        <p:nvPr/>
+      </p:nvGrpSpPr>
+      <p:grpSpPr>
+        <a:xfrm>
+          <a:off x="0" y="0"/>
+          <a:ext cx="0" cy="0"/>
+          <a:chOff x="0" y="0"/>
+          <a:chExt cx="0" cy="0"/>
+        </a:xfrm>
+      </p:grpSpPr>
+      <p:sp>
+        <p:nvSpPr>
+          <p:cNvPr id="2" name="Title 1"/>
+          <p:cNvSpPr>
+            <a:spLocks noGrp="1"/>
+          </p:cNvSpPr>
+          <p:nvPr>
+            <p:ph type="title"/>
+          </p:nvPr>
+        </p:nvSpPr>
+        <p:spPr/>
+        <p:txBody>
+          <a:bodyPr/>
+          <a:lstStyle/>
+          <a:p>
+            <a:r>
+              <a:rPr lang="en-US" dirty="0"/>
+              <a:t>Pipeline</a:t>
+            </a:r>
+          </a:p>
+        </p:txBody>
+      </p:sp>
+      <p:sp>
+        <p:nvSpPr>
+          <p:cNvPr id="3" name="Content Placeholder 2"/>
+          <p:cNvSpPr>
+            <a:spLocks noGrp="1"/>
+          </p:cNvSpPr>
+          <p:nvPr>
+            <p:ph idx="1"/>
+          </p:nvPr>
+        </p:nvSpPr>
+        <p:spPr/>
+        <p:txBody>
+          <a:bodyPr/>
+          <a:lstStyle/>
+          <a:p>
+            <a:pPr marL="0" indent="0">
+              <a:buNone/>
+            </a:pPr>
+            <a:r>
+              <a:rPr lang="en-US" dirty="0"/>
+              <a:t>Calculate the </a:t>
+            </a:r>
+            <a:r>
+              <a:rPr lang="en-US" dirty="0" err="1"/>
+              <a:t>sgRNA</a:t>
+            </a:r>
+            <a:r>
+              <a:rPr lang="en-US" dirty="0"/>
+              <a:t> libraries for the reference genome and Carl’s genome. How different are these two sets? </a:t>
+            </a:r>
+          </a:p>
+        </p:txBody>
+      </p:sp>
+    </p:spTree>
+    <p:extLst>
+      <p:ext uri="{BB962C8B-B14F-4D97-AF65-F5344CB8AC3E}">
+        <p14:creationId xmlns:p14="http://schemas.microsoft.com/office/powerpoint/2010/main" val="190820016"/>
+      </p:ext>
+    </p:extLst>
+  </p:cSld>
+  <p:clrMapOvr>
+    <a:masterClrMapping/>
+  </p:clrMapOvr>
+</p:sld>
+</file>
+
+<file path=ppt/slides/slide13.xml><?xml version="1.0" encoding="utf-8"?>
+<p:sld xmlns:a="http://schemas.openxmlformats.org/drawingml/2006/main" xmlns:r="http://schemas.openxmlformats.org/officeDocument/2006/relationships" xmlns:p="http://schemas.openxmlformats.org/presentationml/2006/main">
+  <p:cSld>
+    <p:spTree>
+      <p:nvGrpSpPr>
+        <p:cNvPr id="1" name=""/>
+        <p:cNvGrpSpPr/>
+        <p:nvPr/>
+      </p:nvGrpSpPr>
+      <p:grpSpPr>
+        <a:xfrm>
+          <a:off x="0" y="0"/>
+          <a:ext cx="0" cy="0"/>
+          <a:chOff x="0" y="0"/>
+          <a:chExt cx="0" cy="0"/>
+        </a:xfrm>
+      </p:grpSpPr>
+      <p:sp>
+        <p:nvSpPr>
+          <p:cNvPr id="2" name="Title 1"/>
+          <p:cNvSpPr>
+            <a:spLocks noGrp="1"/>
+          </p:cNvSpPr>
+          <p:nvPr>
+            <p:ph type="title"/>
+          </p:nvPr>
+        </p:nvSpPr>
+        <p:spPr/>
+        <p:txBody>
+          <a:bodyPr/>
+          <a:lstStyle/>
+          <a:p>
+            <a:r>
+              <a:rPr lang="en-US" dirty="0"/>
+              <a:t>References</a:t>
+            </a:r>
+          </a:p>
+        </p:txBody>
+      </p:sp>
+      <p:sp>
+        <p:nvSpPr>
+          <p:cNvPr id="3" name="Content Placeholder 2"/>
+          <p:cNvSpPr>
+            <a:spLocks noGrp="1"/>
+          </p:cNvSpPr>
+          <p:nvPr>
+            <p:ph idx="1"/>
+          </p:nvPr>
+        </p:nvSpPr>
+        <p:spPr/>
+        <p:txBody>
+          <a:bodyPr/>
+          <a:lstStyle/>
+          <a:p>
+            <a:pPr marL="0" indent="0">
+              <a:buNone/>
+            </a:pPr>
+            <a:r>
+              <a:rPr lang="en-US" dirty="0" err="1"/>
+              <a:t>Doench</a:t>
+            </a:r>
+            <a:r>
+              <a:rPr lang="en-US" dirty="0"/>
+              <a:t>, John G., et al. "Optimized </a:t>
+            </a:r>
+            <a:r>
+              <a:rPr lang="en-US" dirty="0" err="1"/>
+              <a:t>sgRNA</a:t>
+            </a:r>
+            <a:r>
+              <a:rPr lang="en-US" dirty="0"/>
+              <a:t> design to maximize activity and minimize off-target effects of CRISPR-Cas9." </a:t>
+            </a:r>
+            <a:r>
+              <a:rPr lang="en-US" i="1" dirty="0"/>
+              <a:t>Nature biotechnology</a:t>
+            </a:r>
+            <a:r>
+              <a:rPr lang="en-US" dirty="0"/>
+              <a:t> (2016).</a:t>
+            </a:r>
+          </a:p>
+          <a:p>
+            <a:pPr marL="0" indent="0">
+              <a:buNone/>
+            </a:pPr>
+            <a:r>
+              <a:rPr lang="en-US" dirty="0"/>
+              <a:t>Perez, </a:t>
+            </a:r>
+            <a:r>
+              <a:rPr lang="en-US" dirty="0" err="1"/>
+              <a:t>Alexendar</a:t>
+            </a:r>
+            <a:r>
+              <a:rPr lang="en-US" dirty="0"/>
+              <a:t> R., et al. "</a:t>
+            </a:r>
+            <a:r>
+              <a:rPr lang="en-US" dirty="0" err="1"/>
+              <a:t>GuideScan</a:t>
+            </a:r>
+            <a:r>
+              <a:rPr lang="en-US" dirty="0"/>
+              <a:t> software for improved single and paired CRISPR guide RNA design." </a:t>
+            </a:r>
+            <a:r>
+              <a:rPr lang="en-US" i="1" dirty="0"/>
+              <a:t>Nature Biotechnology</a:t>
+            </a:r>
+            <a:r>
+              <a:rPr lang="en-US" dirty="0"/>
+              <a:t> 35.4 (2017): 347-349.</a:t>
+            </a:r>
+          </a:p>
+        </p:txBody>
+      </p:sp>
+    </p:spTree>
+    <p:extLst>
+      <p:ext uri="{BB962C8B-B14F-4D97-AF65-F5344CB8AC3E}">
+        <p14:creationId xmlns:p14="http://schemas.microsoft.com/office/powerpoint/2010/main" val="2483418717"/>
+      </p:ext>
+    </p:extLst>
+  </p:cSld>
+  <p:clrMapOvr>
+    <a:masterClrMapping/>
+  </p:clrMapOvr>
+</p:sld>
+</file>
+
+<file path=ppt/slides/slide14.xml><?xml version="1.0" encoding="utf-8"?>
+<p:sld xmlns:a="http://schemas.openxmlformats.org/drawingml/2006/main" xmlns:r="http://schemas.openxmlformats.org/officeDocument/2006/relationships" xmlns:p="http://schemas.openxmlformats.org/presentationml/2006/main">
+  <p:cSld>
+    <p:spTree>
+      <p:nvGrpSpPr>
+        <p:cNvPr id="1" name=""/>
+        <p:cNvGrpSpPr/>
+        <p:nvPr/>
+      </p:nvGrpSpPr>
+      <p:grpSpPr>
+        <a:xfrm>
+          <a:off x="0" y="0"/>
+          <a:ext cx="0" cy="0"/>
+          <a:chOff x="0" y="0"/>
+          <a:chExt cx="0" cy="0"/>
+        </a:xfrm>
+      </p:grpSpPr>
+      <p:sp>
+        <p:nvSpPr>
+          <p:cNvPr id="2" name="Title 1"/>
+          <p:cNvSpPr>
+            <a:spLocks noGrp="1"/>
+          </p:cNvSpPr>
+          <p:nvPr>
+            <p:ph type="title"/>
+          </p:nvPr>
+        </p:nvSpPr>
+        <p:spPr/>
+        <p:txBody>
+          <a:bodyPr/>
+          <a:lstStyle/>
+          <a:p>
+            <a:endParaRPr lang="en-US"/>
+          </a:p>
+        </p:txBody>
+      </p:sp>
+      <p:sp>
+        <p:nvSpPr>
+          <p:cNvPr id="3" name="Content Placeholder 2"/>
+          <p:cNvSpPr>
+            <a:spLocks noGrp="1"/>
+          </p:cNvSpPr>
+          <p:nvPr>
+            <p:ph idx="1"/>
+          </p:nvPr>
+        </p:nvSpPr>
+        <p:spPr/>
+        <p:txBody>
+          <a:bodyPr/>
+          <a:lstStyle/>
+          <a:p>
+            <a:endParaRPr lang="en-US"/>
+          </a:p>
+        </p:txBody>
+      </p:sp>
+    </p:spTree>
+    <p:extLst>
+      <p:ext uri="{BB962C8B-B14F-4D97-AF65-F5344CB8AC3E}">
+        <p14:creationId xmlns:p14="http://schemas.microsoft.com/office/powerpoint/2010/main" val="392899216"/>
+      </p:ext>
+    </p:extLst>
+  </p:cSld>
+  <p:clrMapOvr>
+    <a:masterClrMapping/>
+  </p:clrMapOvr>
+</p:sld>
+</file>
+
+<file path=ppt/slides/slide15.xml><?xml version="1.0" encoding="utf-8"?>
+<p:sld xmlns:a="http://schemas.openxmlformats.org/drawingml/2006/main" xmlns:r="http://schemas.openxmlformats.org/officeDocument/2006/relationships" xmlns:p="http://schemas.openxmlformats.org/presentationml/2006/main">
+  <p:cSld>
+    <p:spTree>
+      <p:nvGrpSpPr>
+        <p:cNvPr id="1" name=""/>
+        <p:cNvGrpSpPr/>
+        <p:nvPr/>
+      </p:nvGrpSpPr>
+      <p:grpSpPr>
+        <a:xfrm>
+          <a:off x="0" y="0"/>
+          <a:ext cx="0" cy="0"/>
+          <a:chOff x="0" y="0"/>
+          <a:chExt cx="0" cy="0"/>
+        </a:xfrm>
+      </p:grpSpPr>
+      <p:sp>
+        <p:nvSpPr>
+          <p:cNvPr id="2" name="Title 1"/>
+          <p:cNvSpPr>
+            <a:spLocks noGrp="1"/>
+          </p:cNvSpPr>
+          <p:nvPr>
+            <p:ph type="title"/>
+          </p:nvPr>
+        </p:nvSpPr>
+        <p:spPr/>
+        <p:txBody>
+          <a:bodyPr/>
+          <a:lstStyle/>
+          <a:p>
+            <a:endParaRPr lang="en-US"/>
+          </a:p>
+        </p:txBody>
+      </p:sp>
+      <p:sp>
+        <p:nvSpPr>
+          <p:cNvPr id="3" name="Content Placeholder 2"/>
+          <p:cNvSpPr>
+            <a:spLocks noGrp="1"/>
+          </p:cNvSpPr>
+          <p:nvPr>
+            <p:ph idx="1"/>
+          </p:nvPr>
+        </p:nvSpPr>
+        <p:spPr/>
+        <p:txBody>
+          <a:bodyPr/>
+          <a:lstStyle/>
+          <a:p>
+            <a:endParaRPr lang="en-US"/>
+          </a:p>
+        </p:txBody>
+      </p:sp>
+    </p:spTree>
+    <p:extLst>
+      <p:ext uri="{BB962C8B-B14F-4D97-AF65-F5344CB8AC3E}">
+        <p14:creationId xmlns:p14="http://schemas.microsoft.com/office/powerpoint/2010/main" val="2847696702"/>
+      </p:ext>
+    </p:extLst>
+  </p:cSld>
+  <p:clrMapOvr>
+    <a:masterClrMapping/>
+  </p:clrMapOvr>
+</p:sld>
+</file>
+
+<file path=ppt/slides/slide16.xml><?xml version="1.0" encoding="utf-8"?>
+<p:sld xmlns:a="http://schemas.openxmlformats.org/drawingml/2006/main" xmlns:r="http://schemas.openxmlformats.org/officeDocument/2006/relationships" xmlns:p="http://schemas.openxmlformats.org/presentationml/2006/main">
+  <p:cSld>
+    <p:spTree>
+      <p:nvGrpSpPr>
+        <p:cNvPr id="1" name=""/>
+        <p:cNvGrpSpPr/>
+        <p:nvPr/>
+      </p:nvGrpSpPr>
+      <p:grpSpPr>
+        <a:xfrm>
+          <a:off x="0" y="0"/>
+          <a:ext cx="0" cy="0"/>
+          <a:chOff x="0" y="0"/>
+          <a:chExt cx="0" cy="0"/>
+        </a:xfrm>
+      </p:grpSpPr>
+      <p:sp>
+        <p:nvSpPr>
+          <p:cNvPr id="2" name="Title 1"/>
+          <p:cNvSpPr>
+            <a:spLocks noGrp="1"/>
+          </p:cNvSpPr>
+          <p:nvPr>
+            <p:ph type="title"/>
+          </p:nvPr>
+        </p:nvSpPr>
+        <p:spPr/>
+        <p:txBody>
+          <a:bodyPr/>
+          <a:lstStyle/>
+          <a:p>
+            <a:r>
+              <a:rPr lang="en-US" dirty="0"/>
+              <a:t>Summary statistics</a:t>
+            </a:r>
+          </a:p>
+        </p:txBody>
+      </p:sp>
+      <p:graphicFrame>
+        <p:nvGraphicFramePr>
+          <p:cNvPr id="4" name="Content Placeholder 3"/>
+          <p:cNvGraphicFramePr>
+            <a:graphicFrameLocks noGrp="1"/>
+          </p:cNvGraphicFramePr>
+          <p:nvPr>
+            <p:ph idx="1"/>
+            <p:extLst>
+              <p:ext uri="{D42A27DB-BD31-4B8C-83A1-F6EECF244321}">
+                <p14:modId xmlns:p14="http://schemas.microsoft.com/office/powerpoint/2010/main" val="1443165214"/>
+              </p:ext>
+            </p:extLst>
+          </p:nvPr>
+        </p:nvGraphicFramePr>
+        <p:xfrm>
+          <a:off x="838200" y="1547330"/>
+          <a:ext cx="10515603" cy="4820920"/>
+        </p:xfrm>
+        <a:graphic>
+          <a:graphicData uri="http://schemas.openxmlformats.org/drawingml/2006/table">
+            <a:tbl>
+              <a:tblPr firstRow="1" bandRow="1">
+                <a:tableStyleId>{7E9639D4-E3E2-4D34-9284-5A2195B3D0D7}</a:tableStyleId>
+              </a:tblPr>
+              <a:tblGrid>
+                <a:gridCol w="1502229">
+                  <a:extLst>
+                    <a:ext uri="{9D8B030D-6E8A-4147-A177-3AD203B41FA5}">
+                      <a16:colId xmlns:a16="http://schemas.microsoft.com/office/drawing/2014/main" val="1257842814"/>
+                    </a:ext>
+                  </a:extLst>
+                </a:gridCol>
+                <a:gridCol w="1502229">
+                  <a:extLst>
+                    <a:ext uri="{9D8B030D-6E8A-4147-A177-3AD203B41FA5}">
+                      <a16:colId xmlns:a16="http://schemas.microsoft.com/office/drawing/2014/main" val="2902716218"/>
+                    </a:ext>
+                  </a:extLst>
+                </a:gridCol>
+                <a:gridCol w="1502229">
+                  <a:extLst>
+                    <a:ext uri="{9D8B030D-6E8A-4147-A177-3AD203B41FA5}">
+                      <a16:colId xmlns:a16="http://schemas.microsoft.com/office/drawing/2014/main" val="123718429"/>
+                    </a:ext>
+                  </a:extLst>
+                </a:gridCol>
+                <a:gridCol w="1502229">
+                  <a:extLst>
+                    <a:ext uri="{9D8B030D-6E8A-4147-A177-3AD203B41FA5}">
+                      <a16:colId xmlns:a16="http://schemas.microsoft.com/office/drawing/2014/main" val="810632241"/>
+                    </a:ext>
+                  </a:extLst>
+                </a:gridCol>
+                <a:gridCol w="1502229">
+                  <a:extLst>
+                    <a:ext uri="{9D8B030D-6E8A-4147-A177-3AD203B41FA5}">
+                      <a16:colId xmlns:a16="http://schemas.microsoft.com/office/drawing/2014/main" val="255943226"/>
+                    </a:ext>
+                  </a:extLst>
+                </a:gridCol>
+                <a:gridCol w="1502229">
+                  <a:extLst>
+                    <a:ext uri="{9D8B030D-6E8A-4147-A177-3AD203B41FA5}">
+                      <a16:colId xmlns:a16="http://schemas.microsoft.com/office/drawing/2014/main" val="693276055"/>
+                    </a:ext>
+                  </a:extLst>
+                </a:gridCol>
+                <a:gridCol w="1502229">
+                  <a:extLst>
+                    <a:ext uri="{9D8B030D-6E8A-4147-A177-3AD203B41FA5}">
+                      <a16:colId xmlns:a16="http://schemas.microsoft.com/office/drawing/2014/main" val="1468744975"/>
+                    </a:ext>
+                  </a:extLst>
+                </a:gridCol>
+              </a:tblGrid>
+              <a:tr h="370840">
+                <a:tc>
+                  <a:txBody>
+                    <a:bodyPr/>
+                    <a:lstStyle/>
+                    <a:p>
+                      <a:pPr algn="ctr" fontAlgn="b"/>
+                      <a:r>
+                        <a:rPr lang="en-US" sz="1800" u="none" strike="noStrike" dirty="0" err="1">
+                          <a:effectLst/>
+                        </a:rPr>
+                        <a:t>chr</a:t>
+                      </a:r>
+                      <a:endParaRPr lang="en-US" sz="1800" b="0" i="0" u="none" strike="noStrike" dirty="0">
+                        <a:solidFill>
+                          <a:srgbClr val="000000"/>
+                        </a:solidFill>
+                        <a:effectLst/>
+                        <a:latin typeface="Calibri" panose="020F0502020204030204" pitchFamily="34" charset="0"/>
+                      </a:endParaRPr>
+                    </a:p>
+                  </a:txBody>
+                  <a:tcPr marL="6350" marR="6350" marT="6350" anchor="ctr"/>
+                </a:tc>
+                <a:tc>
+                  <a:txBody>
+                    <a:bodyPr/>
+                    <a:lstStyle/>
+                    <a:p>
+                      <a:pPr algn="ctr" fontAlgn="b"/>
+                      <a:r>
+                        <a:rPr lang="en-US" sz="1800" u="none" strike="noStrike" dirty="0">
+                          <a:effectLst/>
+                        </a:rPr>
+                        <a:t>reference</a:t>
+                      </a:r>
+                      <a:endParaRPr lang="en-US" sz="1800" b="0" i="0" u="none" strike="noStrike" dirty="0">
+                        <a:solidFill>
+                          <a:srgbClr val="000000"/>
+                        </a:solidFill>
+                        <a:effectLst/>
+                        <a:latin typeface="Calibri" panose="020F0502020204030204" pitchFamily="34" charset="0"/>
+                      </a:endParaRPr>
+                    </a:p>
+                  </a:txBody>
+                  <a:tcPr marL="6350" marR="6350" marT="6350" anchor="ctr"/>
+                </a:tc>
+                <a:tc>
+                  <a:txBody>
+                    <a:bodyPr/>
+                    <a:lstStyle/>
+                    <a:p>
+                      <a:pPr algn="ctr" fontAlgn="b"/>
+                      <a:r>
+                        <a:rPr lang="en-US" sz="1800" u="none" strike="noStrike" dirty="0" err="1">
+                          <a:effectLst/>
+                        </a:rPr>
+                        <a:t>Zimmerome</a:t>
+                      </a:r>
+                      <a:endParaRPr lang="en-US" sz="1800" b="0" i="0" u="none" strike="noStrike" dirty="0">
+                        <a:solidFill>
+                          <a:srgbClr val="000000"/>
+                        </a:solidFill>
+                        <a:effectLst/>
+                        <a:latin typeface="Calibri" panose="020F0502020204030204" pitchFamily="34" charset="0"/>
+                      </a:endParaRPr>
+                    </a:p>
+                  </a:txBody>
+                  <a:tcPr marL="6350" marR="6350" marT="6350" anchor="ctr"/>
+                </a:tc>
+                <a:tc>
+                  <a:txBody>
+                    <a:bodyPr/>
+                    <a:lstStyle/>
+                    <a:p>
+                      <a:pPr algn="ctr" fontAlgn="b"/>
+                      <a:r>
+                        <a:rPr lang="en-US" sz="1800" u="none" strike="noStrike">
+                          <a:effectLst/>
+                        </a:rPr>
+                        <a:t>gained</a:t>
+                      </a:r>
+                      <a:endParaRPr lang="en-US" sz="1800" b="0" i="0" u="none" strike="noStrike">
+                        <a:solidFill>
+                          <a:srgbClr val="000000"/>
+                        </a:solidFill>
+                        <a:effectLst/>
+                        <a:latin typeface="Calibri" panose="020F0502020204030204" pitchFamily="34" charset="0"/>
+                      </a:endParaRPr>
+                    </a:p>
+                  </a:txBody>
+                  <a:tcPr marL="6350" marR="6350" marT="6350" anchor="ctr"/>
+                </a:tc>
+                <a:tc>
+                  <a:txBody>
+                    <a:bodyPr/>
+                    <a:lstStyle/>
+                    <a:p>
+                      <a:pPr algn="ctr" fontAlgn="b"/>
+                      <a:r>
+                        <a:rPr lang="en-US" sz="1800" u="none" strike="noStrike">
+                          <a:effectLst/>
+                        </a:rPr>
+                        <a:t>%gained</a:t>
+                      </a:r>
+                      <a:endParaRPr lang="en-US" sz="1800" b="0" i="0" u="none" strike="noStrike">
+                        <a:solidFill>
+                          <a:srgbClr val="000000"/>
+                        </a:solidFill>
+                        <a:effectLst/>
+                        <a:latin typeface="Calibri" panose="020F0502020204030204" pitchFamily="34" charset="0"/>
+                      </a:endParaRPr>
+                    </a:p>
+                  </a:txBody>
+                  <a:tcPr marL="6350" marR="6350" marT="6350" anchor="ctr"/>
+                </a:tc>
+                <a:tc>
+                  <a:txBody>
+                    <a:bodyPr/>
+                    <a:lstStyle/>
+                    <a:p>
+                      <a:pPr algn="ctr" fontAlgn="b"/>
+                      <a:r>
+                        <a:rPr lang="en-US" sz="1800" u="none" strike="noStrike">
+                          <a:effectLst/>
+                        </a:rPr>
+                        <a:t>lost</a:t>
+                      </a:r>
+                      <a:endParaRPr lang="en-US" sz="1800" b="0" i="0" u="none" strike="noStrike">
+                        <a:solidFill>
+                          <a:srgbClr val="000000"/>
+                        </a:solidFill>
+                        <a:effectLst/>
+                        <a:latin typeface="Calibri" panose="020F0502020204030204" pitchFamily="34" charset="0"/>
+                      </a:endParaRPr>
+                    </a:p>
+                  </a:txBody>
+                  <a:tcPr marL="6350" marR="6350" marT="6350" anchor="ctr"/>
+                </a:tc>
+                <a:tc>
+                  <a:txBody>
+                    <a:bodyPr/>
+                    <a:lstStyle/>
+                    <a:p>
+                      <a:pPr algn="ctr" fontAlgn="b"/>
+                      <a:r>
+                        <a:rPr lang="en-US" sz="1800" u="none" strike="noStrike">
+                          <a:effectLst/>
+                        </a:rPr>
+                        <a:t>%lost</a:t>
+                      </a:r>
+                      <a:endParaRPr lang="en-US" sz="1800" b="0" i="0" u="none" strike="noStrike">
+                        <a:solidFill>
+                          <a:srgbClr val="000000"/>
+                        </a:solidFill>
+                        <a:effectLst/>
+                        <a:latin typeface="Calibri" panose="020F0502020204030204" pitchFamily="34" charset="0"/>
+                      </a:endParaRPr>
+                    </a:p>
+                  </a:txBody>
+                  <a:tcPr marL="6350" marR="6350" marT="6350" anchor="ctr"/>
+                </a:tc>
+                <a:extLst>
+                  <a:ext uri="{0D108BD9-81ED-4DB2-BD59-A6C34878D82A}">
+                    <a16:rowId xmlns:a16="http://schemas.microsoft.com/office/drawing/2014/main" val="1918795807"/>
+                  </a:ext>
+                </a:extLst>
+              </a:tr>
+              <a:tr h="370840">
+                <a:tc>
+                  <a:txBody>
+                    <a:bodyPr/>
+                    <a:lstStyle/>
+                    <a:p>
+                      <a:pPr algn="ctr" fontAlgn="b"/>
+                      <a:r>
+                        <a:rPr lang="en-US" sz="1800" u="none" strike="noStrike">
+                          <a:effectLst/>
+                        </a:rPr>
+                        <a:t>1</a:t>
+                      </a:r>
+                      <a:endParaRPr lang="en-US" sz="1800" b="0" i="0" u="none" strike="noStrike">
+                        <a:solidFill>
+                          <a:srgbClr val="000000"/>
+                        </a:solidFill>
+                        <a:effectLst/>
+                        <a:latin typeface="Calibri" panose="020F0502020204030204" pitchFamily="34" charset="0"/>
+                      </a:endParaRPr>
+                    </a:p>
+                  </a:txBody>
+                  <a:tcPr marL="6350" marR="6350" marT="6350" anchor="ctr"/>
+                </a:tc>
+                <a:tc>
+                  <a:txBody>
+                    <a:bodyPr/>
+                    <a:lstStyle/>
+                    <a:p>
+                      <a:pPr algn="ctr" fontAlgn="b"/>
+                      <a:r>
+                        <a:rPr lang="en-US" sz="1800" u="none" strike="noStrike">
+                          <a:effectLst/>
+                        </a:rPr>
+                        <a:t>12264104</a:t>
+                      </a:r>
+                      <a:endParaRPr lang="en-US" sz="1800" b="0" i="0" u="none" strike="noStrike">
+                        <a:solidFill>
+                          <a:srgbClr val="000000"/>
+                        </a:solidFill>
+                        <a:effectLst/>
+                        <a:latin typeface="Calibri" panose="020F0502020204030204" pitchFamily="34" charset="0"/>
+                      </a:endParaRPr>
+                    </a:p>
+                  </a:txBody>
+                  <a:tcPr marL="6350" marR="6350" marT="6350" anchor="ctr"/>
+                </a:tc>
+                <a:tc>
+                  <a:txBody>
+                    <a:bodyPr/>
+                    <a:lstStyle/>
+                    <a:p>
+                      <a:pPr algn="ctr" fontAlgn="b"/>
+                      <a:r>
+                        <a:rPr lang="en-US" sz="1800" u="none" strike="noStrike">
+                          <a:effectLst/>
+                        </a:rPr>
+                        <a:t>12261798</a:t>
+                      </a:r>
+                      <a:endParaRPr lang="en-US" sz="1800" b="0" i="0" u="none" strike="noStrike">
+                        <a:solidFill>
+                          <a:srgbClr val="000000"/>
+                        </a:solidFill>
+                        <a:effectLst/>
+                        <a:latin typeface="Calibri" panose="020F0502020204030204" pitchFamily="34" charset="0"/>
+                      </a:endParaRPr>
+                    </a:p>
+                  </a:txBody>
+                  <a:tcPr marL="6350" marR="6350" marT="6350" anchor="ctr"/>
+                </a:tc>
+                <a:tc>
+                  <a:txBody>
+                    <a:bodyPr/>
+                    <a:lstStyle/>
+                    <a:p>
+                      <a:pPr algn="ctr" fontAlgn="b"/>
+                      <a:r>
+                        <a:rPr lang="en-US" sz="1800" u="none" strike="noStrike">
+                          <a:effectLst/>
+                        </a:rPr>
+                        <a:t>27176</a:t>
+                      </a:r>
+                      <a:endParaRPr lang="en-US" sz="1800" b="0" i="0" u="none" strike="noStrike">
+                        <a:solidFill>
+                          <a:srgbClr val="000000"/>
+                        </a:solidFill>
+                        <a:effectLst/>
+                        <a:latin typeface="Calibri" panose="020F0502020204030204" pitchFamily="34" charset="0"/>
+                      </a:endParaRPr>
+                    </a:p>
+                  </a:txBody>
+                  <a:tcPr marL="6350" marR="6350" marT="6350" anchor="ctr"/>
+                </a:tc>
+                <a:tc>
+                  <a:txBody>
+                    <a:bodyPr/>
+                    <a:lstStyle/>
+                    <a:p>
+                      <a:pPr algn="ctr" fontAlgn="b"/>
+                      <a:r>
+                        <a:rPr lang="en-US" sz="1800" u="none" strike="noStrike">
+                          <a:effectLst/>
+                        </a:rPr>
+                        <a:t>0.221589771</a:t>
+                      </a:r>
+                      <a:endParaRPr lang="en-US" sz="1800" b="0" i="0" u="none" strike="noStrike">
+                        <a:solidFill>
+                          <a:srgbClr val="000000"/>
+                        </a:solidFill>
+                        <a:effectLst/>
+                        <a:latin typeface="Calibri" panose="020F0502020204030204" pitchFamily="34" charset="0"/>
+                      </a:endParaRPr>
+                    </a:p>
+                  </a:txBody>
+                  <a:tcPr marL="6350" marR="6350" marT="6350" anchor="ctr"/>
+                </a:tc>
+                <a:tc>
+                  <a:txBody>
+                    <a:bodyPr/>
+                    <a:lstStyle/>
+                    <a:p>
+                      <a:pPr algn="ctr" fontAlgn="b"/>
+                      <a:r>
+                        <a:rPr lang="en-US" sz="1800" u="none" strike="noStrike">
+                          <a:effectLst/>
+                        </a:rPr>
+                        <a:t>29482</a:t>
+                      </a:r>
+                      <a:endParaRPr lang="en-US" sz="1800" b="0" i="0" u="none" strike="noStrike">
+                        <a:solidFill>
+                          <a:srgbClr val="000000"/>
+                        </a:solidFill>
+                        <a:effectLst/>
+                        <a:latin typeface="Calibri" panose="020F0502020204030204" pitchFamily="34" charset="0"/>
+                      </a:endParaRPr>
+                    </a:p>
+                  </a:txBody>
+                  <a:tcPr marL="6350" marR="6350" marT="6350" anchor="ctr"/>
+                </a:tc>
+                <a:tc>
+                  <a:txBody>
+                    <a:bodyPr/>
+                    <a:lstStyle/>
+                    <a:p>
+                      <a:pPr algn="ctr" fontAlgn="b"/>
+                      <a:r>
+                        <a:rPr lang="en-US" sz="1800" u="none" strike="noStrike">
+                          <a:effectLst/>
+                        </a:rPr>
+                        <a:t>0.240392612</a:t>
+                      </a:r>
+                      <a:endParaRPr lang="en-US" sz="1800" b="0" i="0" u="none" strike="noStrike">
+                        <a:solidFill>
+                          <a:srgbClr val="000000"/>
+                        </a:solidFill>
+                        <a:effectLst/>
+                        <a:latin typeface="Calibri" panose="020F0502020204030204" pitchFamily="34" charset="0"/>
+                      </a:endParaRPr>
+                    </a:p>
+                  </a:txBody>
+                  <a:tcPr marL="6350" marR="6350" marT="6350" anchor="ctr"/>
+                </a:tc>
+                <a:extLst>
+                  <a:ext uri="{0D108BD9-81ED-4DB2-BD59-A6C34878D82A}">
+                    <a16:rowId xmlns:a16="http://schemas.microsoft.com/office/drawing/2014/main" val="700742704"/>
+                  </a:ext>
+                </a:extLst>
+              </a:tr>
+              <a:tr h="370840">
+                <a:tc>
+                  <a:txBody>
+                    <a:bodyPr/>
+                    <a:lstStyle/>
+                    <a:p>
+                      <a:pPr algn="ctr" fontAlgn="b"/>
+                      <a:r>
+                        <a:rPr lang="en-US" sz="1800" u="none" strike="noStrike">
+                          <a:effectLst/>
+                        </a:rPr>
+                        <a:t>2</a:t>
+                      </a:r>
+                      <a:endParaRPr lang="en-US" sz="1800" b="0" i="0" u="none" strike="noStrike">
+                        <a:solidFill>
+                          <a:srgbClr val="000000"/>
+                        </a:solidFill>
+                        <a:effectLst/>
+                        <a:latin typeface="Calibri" panose="020F0502020204030204" pitchFamily="34" charset="0"/>
+                      </a:endParaRPr>
+                    </a:p>
+                  </a:txBody>
+                  <a:tcPr marL="6350" marR="6350" marT="6350" anchor="ctr"/>
+                </a:tc>
+                <a:tc>
+                  <a:txBody>
+                    <a:bodyPr/>
+                    <a:lstStyle/>
+                    <a:p>
+                      <a:pPr algn="ctr" fontAlgn="b"/>
+                      <a:r>
+                        <a:rPr lang="en-US" sz="1800" u="none" strike="noStrike">
+                          <a:effectLst/>
+                        </a:rPr>
+                        <a:t>11987524</a:t>
+                      </a:r>
+                      <a:endParaRPr lang="en-US" sz="1800" b="0" i="0" u="none" strike="noStrike">
+                        <a:solidFill>
+                          <a:srgbClr val="000000"/>
+                        </a:solidFill>
+                        <a:effectLst/>
+                        <a:latin typeface="Calibri" panose="020F0502020204030204" pitchFamily="34" charset="0"/>
+                      </a:endParaRPr>
+                    </a:p>
+                  </a:txBody>
+                  <a:tcPr marL="6350" marR="6350" marT="6350" anchor="ctr"/>
+                </a:tc>
+                <a:tc>
+                  <a:txBody>
+                    <a:bodyPr/>
+                    <a:lstStyle/>
+                    <a:p>
+                      <a:pPr algn="ctr" fontAlgn="b"/>
+                      <a:r>
+                        <a:rPr lang="en-US" sz="1800" u="none" strike="noStrike">
+                          <a:effectLst/>
+                        </a:rPr>
+                        <a:t>11985172</a:t>
+                      </a:r>
+                      <a:endParaRPr lang="en-US" sz="1800" b="0" i="0" u="none" strike="noStrike">
+                        <a:solidFill>
+                          <a:srgbClr val="000000"/>
+                        </a:solidFill>
+                        <a:effectLst/>
+                        <a:latin typeface="Calibri" panose="020F0502020204030204" pitchFamily="34" charset="0"/>
+                      </a:endParaRPr>
+                    </a:p>
+                  </a:txBody>
+                  <a:tcPr marL="6350" marR="6350" marT="6350" anchor="ctr"/>
+                </a:tc>
+                <a:tc>
+                  <a:txBody>
+                    <a:bodyPr/>
+                    <a:lstStyle/>
+                    <a:p>
+                      <a:pPr algn="ctr" fontAlgn="b"/>
+                      <a:r>
+                        <a:rPr lang="en-US" sz="1800" u="none" strike="noStrike">
+                          <a:effectLst/>
+                        </a:rPr>
+                        <a:t>27521</a:t>
+                      </a:r>
+                      <a:endParaRPr lang="en-US" sz="1800" b="0" i="0" u="none" strike="noStrike">
+                        <a:solidFill>
+                          <a:srgbClr val="000000"/>
+                        </a:solidFill>
+                        <a:effectLst/>
+                        <a:latin typeface="Calibri" panose="020F0502020204030204" pitchFamily="34" charset="0"/>
+                      </a:endParaRPr>
+                    </a:p>
+                  </a:txBody>
+                  <a:tcPr marL="6350" marR="6350" marT="6350" anchor="ctr"/>
+                </a:tc>
+                <a:tc>
+                  <a:txBody>
+                    <a:bodyPr/>
+                    <a:lstStyle/>
+                    <a:p>
+                      <a:pPr algn="ctr" fontAlgn="b"/>
+                      <a:r>
+                        <a:rPr lang="en-US" sz="1800" u="none" strike="noStrike">
+                          <a:effectLst/>
+                        </a:rPr>
+                        <a:t>0.229580354</a:t>
+                      </a:r>
+                      <a:endParaRPr lang="en-US" sz="1800" b="0" i="0" u="none" strike="noStrike">
+                        <a:solidFill>
+                          <a:srgbClr val="000000"/>
+                        </a:solidFill>
+                        <a:effectLst/>
+                        <a:latin typeface="Calibri" panose="020F0502020204030204" pitchFamily="34" charset="0"/>
+                      </a:endParaRPr>
+                    </a:p>
+                  </a:txBody>
+                  <a:tcPr marL="6350" marR="6350" marT="6350" anchor="ctr"/>
+                </a:tc>
+                <a:tc>
+                  <a:txBody>
+                    <a:bodyPr/>
+                    <a:lstStyle/>
+                    <a:p>
+                      <a:pPr algn="ctr" fontAlgn="b"/>
+                      <a:r>
+                        <a:rPr lang="en-US" sz="1800" u="none" strike="noStrike">
+                          <a:effectLst/>
+                        </a:rPr>
+                        <a:t>29873</a:t>
+                      </a:r>
+                      <a:endParaRPr lang="en-US" sz="1800" b="0" i="0" u="none" strike="noStrike">
+                        <a:solidFill>
+                          <a:srgbClr val="000000"/>
+                        </a:solidFill>
+                        <a:effectLst/>
+                        <a:latin typeface="Calibri" panose="020F0502020204030204" pitchFamily="34" charset="0"/>
+                      </a:endParaRPr>
+                    </a:p>
+                  </a:txBody>
+                  <a:tcPr marL="6350" marR="6350" marT="6350" anchor="ctr"/>
+                </a:tc>
+                <a:tc>
+                  <a:txBody>
+                    <a:bodyPr/>
+                    <a:lstStyle/>
+                    <a:p>
+                      <a:pPr algn="ctr" fontAlgn="b"/>
+                      <a:r>
+                        <a:rPr lang="en-US" sz="1800" u="none" strike="noStrike">
+                          <a:effectLst/>
+                        </a:rPr>
+                        <a:t>0.249200752</a:t>
+                      </a:r>
+                      <a:endParaRPr lang="en-US" sz="1800" b="0" i="0" u="none" strike="noStrike">
+                        <a:solidFill>
+                          <a:srgbClr val="000000"/>
+                        </a:solidFill>
+                        <a:effectLst/>
+                        <a:latin typeface="Calibri" panose="020F0502020204030204" pitchFamily="34" charset="0"/>
+                      </a:endParaRPr>
+                    </a:p>
+                  </a:txBody>
+                  <a:tcPr marL="6350" marR="6350" marT="6350" anchor="ctr"/>
+                </a:tc>
+                <a:extLst>
+                  <a:ext uri="{0D108BD9-81ED-4DB2-BD59-A6C34878D82A}">
+                    <a16:rowId xmlns:a16="http://schemas.microsoft.com/office/drawing/2014/main" val="857195667"/>
+                  </a:ext>
+                </a:extLst>
+              </a:tr>
+              <a:tr h="370840">
+                <a:tc>
+                  <a:txBody>
+                    <a:bodyPr/>
+                    <a:lstStyle/>
+                    <a:p>
+                      <a:pPr algn="ctr" fontAlgn="b"/>
+                      <a:r>
+                        <a:rPr lang="en-US" sz="1800" u="none" strike="noStrike">
+                          <a:effectLst/>
+                        </a:rPr>
+                        <a:t>3</a:t>
+                      </a:r>
+                      <a:endParaRPr lang="en-US" sz="1800" b="0" i="0" u="none" strike="noStrike">
+                        <a:solidFill>
+                          <a:srgbClr val="000000"/>
+                        </a:solidFill>
+                        <a:effectLst/>
+                        <a:latin typeface="Calibri" panose="020F0502020204030204" pitchFamily="34" charset="0"/>
+                      </a:endParaRPr>
+                    </a:p>
+                  </a:txBody>
+                  <a:tcPr marL="6350" marR="6350" marT="6350" anchor="ctr"/>
+                </a:tc>
+                <a:tc>
+                  <a:txBody>
+                    <a:bodyPr/>
+                    <a:lstStyle/>
+                    <a:p>
+                      <a:pPr algn="ctr" fontAlgn="b"/>
+                      <a:r>
+                        <a:rPr lang="en-US" sz="1800" u="none" strike="noStrike">
+                          <a:effectLst/>
+                        </a:rPr>
+                        <a:t>9540307</a:t>
+                      </a:r>
+                      <a:endParaRPr lang="en-US" sz="1800" b="0" i="0" u="none" strike="noStrike">
+                        <a:solidFill>
+                          <a:srgbClr val="000000"/>
+                        </a:solidFill>
+                        <a:effectLst/>
+                        <a:latin typeface="Calibri" panose="020F0502020204030204" pitchFamily="34" charset="0"/>
+                      </a:endParaRPr>
+                    </a:p>
+                  </a:txBody>
+                  <a:tcPr marL="6350" marR="6350" marT="6350" anchor="ctr"/>
+                </a:tc>
+                <a:tc>
+                  <a:txBody>
+                    <a:bodyPr/>
+                    <a:lstStyle/>
+                    <a:p>
+                      <a:pPr algn="ctr" fontAlgn="b"/>
+                      <a:r>
+                        <a:rPr lang="en-US" sz="1800" u="none" strike="noStrike">
+                          <a:effectLst/>
+                        </a:rPr>
+                        <a:t>9538887</a:t>
+                      </a:r>
+                      <a:endParaRPr lang="en-US" sz="1800" b="0" i="0" u="none" strike="noStrike">
+                        <a:solidFill>
+                          <a:srgbClr val="000000"/>
+                        </a:solidFill>
+                        <a:effectLst/>
+                        <a:latin typeface="Calibri" panose="020F0502020204030204" pitchFamily="34" charset="0"/>
+                      </a:endParaRPr>
+                    </a:p>
+                  </a:txBody>
+                  <a:tcPr marL="6350" marR="6350" marT="6350" anchor="ctr"/>
+                </a:tc>
+                <a:tc>
+                  <a:txBody>
+                    <a:bodyPr/>
+                    <a:lstStyle/>
+                    <a:p>
+                      <a:pPr algn="ctr" fontAlgn="b"/>
+                      <a:r>
+                        <a:rPr lang="en-US" sz="1800" u="none" strike="noStrike">
+                          <a:effectLst/>
+                        </a:rPr>
+                        <a:t>23103</a:t>
+                      </a:r>
+                      <a:endParaRPr lang="en-US" sz="1800" b="0" i="0" u="none" strike="noStrike">
+                        <a:solidFill>
+                          <a:srgbClr val="000000"/>
+                        </a:solidFill>
+                        <a:effectLst/>
+                        <a:latin typeface="Calibri" panose="020F0502020204030204" pitchFamily="34" charset="0"/>
+                      </a:endParaRPr>
+                    </a:p>
+                  </a:txBody>
+                  <a:tcPr marL="6350" marR="6350" marT="6350" anchor="ctr"/>
+                </a:tc>
+                <a:tc>
+                  <a:txBody>
+                    <a:bodyPr/>
+                    <a:lstStyle/>
+                    <a:p>
+                      <a:pPr algn="ctr" fontAlgn="b"/>
+                      <a:r>
+                        <a:rPr lang="en-US" sz="1800" u="none" strike="noStrike">
+                          <a:effectLst/>
+                        </a:rPr>
+                        <a:t>0.242162018</a:t>
+                      </a:r>
+                      <a:endParaRPr lang="en-US" sz="1800" b="0" i="0" u="none" strike="noStrike">
+                        <a:solidFill>
+                          <a:srgbClr val="000000"/>
+                        </a:solidFill>
+                        <a:effectLst/>
+                        <a:latin typeface="Calibri" panose="020F0502020204030204" pitchFamily="34" charset="0"/>
+                      </a:endParaRPr>
+                    </a:p>
+                  </a:txBody>
+                  <a:tcPr marL="6350" marR="6350" marT="6350" anchor="ctr"/>
+                </a:tc>
+                <a:tc>
+                  <a:txBody>
+                    <a:bodyPr/>
+                    <a:lstStyle/>
+                    <a:p>
+                      <a:pPr algn="ctr" fontAlgn="b"/>
+                      <a:r>
+                        <a:rPr lang="en-US" sz="1800" u="none" strike="noStrike">
+                          <a:effectLst/>
+                        </a:rPr>
+                        <a:t>24523</a:t>
+                      </a:r>
+                      <a:endParaRPr lang="en-US" sz="1800" b="0" i="0" u="none" strike="noStrike">
+                        <a:solidFill>
+                          <a:srgbClr val="000000"/>
+                        </a:solidFill>
+                        <a:effectLst/>
+                        <a:latin typeface="Calibri" panose="020F0502020204030204" pitchFamily="34" charset="0"/>
+                      </a:endParaRPr>
+                    </a:p>
+                  </a:txBody>
+                  <a:tcPr marL="6350" marR="6350" marT="6350" anchor="ctr"/>
+                </a:tc>
+                <a:tc>
+                  <a:txBody>
+                    <a:bodyPr/>
+                    <a:lstStyle/>
+                    <a:p>
+                      <a:pPr algn="ctr" fontAlgn="b"/>
+                      <a:r>
+                        <a:rPr lang="en-US" sz="1800" u="none" strike="noStrike">
+                          <a:effectLst/>
+                        </a:rPr>
+                        <a:t>0.257046236</a:t>
+                      </a:r>
+                      <a:endParaRPr lang="en-US" sz="1800" b="0" i="0" u="none" strike="noStrike">
+                        <a:solidFill>
+                          <a:srgbClr val="000000"/>
+                        </a:solidFill>
+                        <a:effectLst/>
+                        <a:latin typeface="Calibri" panose="020F0502020204030204" pitchFamily="34" charset="0"/>
+                      </a:endParaRPr>
+                    </a:p>
+                  </a:txBody>
+                  <a:tcPr marL="6350" marR="6350" marT="6350" anchor="ctr"/>
+                </a:tc>
+                <a:extLst>
+                  <a:ext uri="{0D108BD9-81ED-4DB2-BD59-A6C34878D82A}">
+                    <a16:rowId xmlns:a16="http://schemas.microsoft.com/office/drawing/2014/main" val="1139402494"/>
+                  </a:ext>
+                </a:extLst>
+              </a:tr>
+              <a:tr h="370840">
+                <a:tc>
+                  <a:txBody>
+                    <a:bodyPr/>
+                    <a:lstStyle/>
+                    <a:p>
+                      <a:pPr algn="ctr" fontAlgn="b"/>
+                      <a:r>
+                        <a:rPr lang="en-US" sz="1800" u="none" strike="noStrike">
+                          <a:effectLst/>
+                        </a:rPr>
+                        <a:t>4</a:t>
+                      </a:r>
+                      <a:endParaRPr lang="en-US" sz="1800" b="0" i="0" u="none" strike="noStrike">
+                        <a:solidFill>
+                          <a:srgbClr val="000000"/>
+                        </a:solidFill>
+                        <a:effectLst/>
+                        <a:latin typeface="Calibri" panose="020F0502020204030204" pitchFamily="34" charset="0"/>
+                      </a:endParaRPr>
+                    </a:p>
+                  </a:txBody>
+                  <a:tcPr marL="6350" marR="6350" marT="6350" anchor="ctr"/>
+                </a:tc>
+                <a:tc>
+                  <a:txBody>
+                    <a:bodyPr/>
+                    <a:lstStyle/>
+                    <a:p>
+                      <a:pPr algn="ctr" fontAlgn="b"/>
+                      <a:r>
+                        <a:rPr lang="en-US" sz="1800" u="none" strike="noStrike">
+                          <a:effectLst/>
+                        </a:rPr>
+                        <a:t>8480633</a:t>
+                      </a:r>
+                      <a:endParaRPr lang="en-US" sz="1800" b="0" i="0" u="none" strike="noStrike">
+                        <a:solidFill>
+                          <a:srgbClr val="000000"/>
+                        </a:solidFill>
+                        <a:effectLst/>
+                        <a:latin typeface="Calibri" panose="020F0502020204030204" pitchFamily="34" charset="0"/>
+                      </a:endParaRPr>
+                    </a:p>
+                  </a:txBody>
+                  <a:tcPr marL="6350" marR="6350" marT="6350" anchor="ctr"/>
+                </a:tc>
+                <a:tc>
+                  <a:txBody>
+                    <a:bodyPr/>
+                    <a:lstStyle/>
+                    <a:p>
+                      <a:pPr algn="ctr" fontAlgn="b"/>
+                      <a:r>
+                        <a:rPr lang="en-US" sz="1800" u="none" strike="noStrike" dirty="0">
+                          <a:effectLst/>
+                        </a:rPr>
+                        <a:t>8478943</a:t>
+                      </a:r>
+                      <a:endParaRPr lang="en-US" sz="1800" b="0" i="0" u="none" strike="noStrike" dirty="0">
+                        <a:solidFill>
+                          <a:srgbClr val="000000"/>
+                        </a:solidFill>
+                        <a:effectLst/>
+                        <a:latin typeface="Calibri" panose="020F0502020204030204" pitchFamily="34" charset="0"/>
+                      </a:endParaRPr>
+                    </a:p>
+                  </a:txBody>
+                  <a:tcPr marL="6350" marR="6350" marT="6350" anchor="ctr"/>
+                </a:tc>
+                <a:tc>
+                  <a:txBody>
+                    <a:bodyPr/>
+                    <a:lstStyle/>
+                    <a:p>
+                      <a:pPr algn="ctr" fontAlgn="b"/>
+                      <a:r>
+                        <a:rPr lang="en-US" sz="1800" u="none" strike="noStrike">
+                          <a:effectLst/>
+                        </a:rPr>
+                        <a:t>23941</a:t>
+                      </a:r>
+                      <a:endParaRPr lang="en-US" sz="1800" b="0" i="0" u="none" strike="noStrike">
+                        <a:solidFill>
+                          <a:srgbClr val="000000"/>
+                        </a:solidFill>
+                        <a:effectLst/>
+                        <a:latin typeface="Calibri" panose="020F0502020204030204" pitchFamily="34" charset="0"/>
+                      </a:endParaRPr>
+                    </a:p>
+                  </a:txBody>
+                  <a:tcPr marL="6350" marR="6350" marT="6350" anchor="ctr"/>
+                </a:tc>
+                <a:tc>
+                  <a:txBody>
+                    <a:bodyPr/>
+                    <a:lstStyle/>
+                    <a:p>
+                      <a:pPr algn="ctr" fontAlgn="b"/>
+                      <a:r>
+                        <a:rPr lang="en-US" sz="1800" u="none" strike="noStrike">
+                          <a:effectLst/>
+                        </a:rPr>
+                        <a:t>0.28230204</a:t>
+                      </a:r>
+                      <a:endParaRPr lang="en-US" sz="1800" b="0" i="0" u="none" strike="noStrike">
+                        <a:solidFill>
+                          <a:srgbClr val="000000"/>
+                        </a:solidFill>
+                        <a:effectLst/>
+                        <a:latin typeface="Calibri" panose="020F0502020204030204" pitchFamily="34" charset="0"/>
+                      </a:endParaRPr>
+                    </a:p>
+                  </a:txBody>
+                  <a:tcPr marL="6350" marR="6350" marT="6350" anchor="ctr"/>
+                </a:tc>
+                <a:tc>
+                  <a:txBody>
+                    <a:bodyPr/>
+                    <a:lstStyle/>
+                    <a:p>
+                      <a:pPr algn="ctr" fontAlgn="b"/>
+                      <a:r>
+                        <a:rPr lang="en-US" sz="1800" u="none" strike="noStrike">
+                          <a:effectLst/>
+                        </a:rPr>
+                        <a:t>25631</a:t>
+                      </a:r>
+                      <a:endParaRPr lang="en-US" sz="1800" b="0" i="0" u="none" strike="noStrike">
+                        <a:solidFill>
+                          <a:srgbClr val="000000"/>
+                        </a:solidFill>
+                        <a:effectLst/>
+                        <a:latin typeface="Calibri" panose="020F0502020204030204" pitchFamily="34" charset="0"/>
+                      </a:endParaRPr>
+                    </a:p>
+                  </a:txBody>
+                  <a:tcPr marL="6350" marR="6350" marT="6350" anchor="ctr"/>
+                </a:tc>
+                <a:tc>
+                  <a:txBody>
+                    <a:bodyPr/>
+                    <a:lstStyle/>
+                    <a:p>
+                      <a:pPr algn="ctr" fontAlgn="b"/>
+                      <a:r>
+                        <a:rPr lang="en-US" sz="1800" u="none" strike="noStrike">
+                          <a:effectLst/>
+                        </a:rPr>
+                        <a:t>0.302229798</a:t>
+                      </a:r>
+                      <a:endParaRPr lang="en-US" sz="1800" b="0" i="0" u="none" strike="noStrike">
+                        <a:solidFill>
+                          <a:srgbClr val="000000"/>
+                        </a:solidFill>
+                        <a:effectLst/>
+                        <a:latin typeface="Calibri" panose="020F0502020204030204" pitchFamily="34" charset="0"/>
+                      </a:endParaRPr>
+                    </a:p>
+                  </a:txBody>
+                  <a:tcPr marL="6350" marR="6350" marT="6350" anchor="ctr"/>
+                </a:tc>
+                <a:extLst>
+                  <a:ext uri="{0D108BD9-81ED-4DB2-BD59-A6C34878D82A}">
+                    <a16:rowId xmlns:a16="http://schemas.microsoft.com/office/drawing/2014/main" val="2227784199"/>
+                  </a:ext>
+                </a:extLst>
+              </a:tr>
+              <a:tr h="370840">
+                <a:tc>
+                  <a:txBody>
+                    <a:bodyPr/>
+                    <a:lstStyle/>
+                    <a:p>
+                      <a:pPr algn="ctr" fontAlgn="b"/>
+                      <a:r>
+                        <a:rPr lang="en-US" sz="1800" u="none" strike="noStrike">
+                          <a:effectLst/>
+                        </a:rPr>
+                        <a:t>5</a:t>
+                      </a:r>
+                      <a:endParaRPr lang="en-US" sz="1800" b="0" i="0" u="none" strike="noStrike">
+                        <a:solidFill>
+                          <a:srgbClr val="000000"/>
+                        </a:solidFill>
+                        <a:effectLst/>
+                        <a:latin typeface="Calibri" panose="020F0502020204030204" pitchFamily="34" charset="0"/>
+                      </a:endParaRPr>
+                    </a:p>
+                  </a:txBody>
+                  <a:tcPr marL="6350" marR="6350" marT="6350" anchor="ctr"/>
+                </a:tc>
+                <a:tc>
+                  <a:txBody>
+                    <a:bodyPr/>
+                    <a:lstStyle/>
+                    <a:p>
+                      <a:pPr algn="ctr" fontAlgn="b"/>
+                      <a:r>
+                        <a:rPr lang="en-US" sz="1800" u="none" strike="noStrike">
+                          <a:effectLst/>
+                        </a:rPr>
+                        <a:t>8601743</a:t>
+                      </a:r>
+                      <a:endParaRPr lang="en-US" sz="1800" b="0" i="0" u="none" strike="noStrike">
+                        <a:solidFill>
+                          <a:srgbClr val="000000"/>
+                        </a:solidFill>
+                        <a:effectLst/>
+                        <a:latin typeface="Calibri" panose="020F0502020204030204" pitchFamily="34" charset="0"/>
+                      </a:endParaRPr>
+                    </a:p>
+                  </a:txBody>
+                  <a:tcPr marL="6350" marR="6350" marT="6350" anchor="ctr"/>
+                </a:tc>
+                <a:tc>
+                  <a:txBody>
+                    <a:bodyPr/>
+                    <a:lstStyle/>
+                    <a:p>
+                      <a:pPr algn="ctr" fontAlgn="b"/>
+                      <a:r>
+                        <a:rPr lang="en-US" sz="1800" u="none" strike="noStrike">
+                          <a:effectLst/>
+                        </a:rPr>
+                        <a:t>8600170</a:t>
+                      </a:r>
+                      <a:endParaRPr lang="en-US" sz="1800" b="0" i="0" u="none" strike="noStrike">
+                        <a:solidFill>
+                          <a:srgbClr val="000000"/>
+                        </a:solidFill>
+                        <a:effectLst/>
+                        <a:latin typeface="Calibri" panose="020F0502020204030204" pitchFamily="34" charset="0"/>
+                      </a:endParaRPr>
+                    </a:p>
+                  </a:txBody>
+                  <a:tcPr marL="6350" marR="6350" marT="6350" anchor="ctr"/>
+                </a:tc>
+                <a:tc>
+                  <a:txBody>
+                    <a:bodyPr/>
+                    <a:lstStyle/>
+                    <a:p>
+                      <a:pPr algn="ctr" fontAlgn="b"/>
+                      <a:r>
+                        <a:rPr lang="en-US" sz="1800" u="none" strike="noStrike">
+                          <a:effectLst/>
+                        </a:rPr>
+                        <a:t>20683</a:t>
+                      </a:r>
+                      <a:endParaRPr lang="en-US" sz="1800" b="0" i="0" u="none" strike="noStrike">
+                        <a:solidFill>
+                          <a:srgbClr val="000000"/>
+                        </a:solidFill>
+                        <a:effectLst/>
+                        <a:latin typeface="Calibri" panose="020F0502020204030204" pitchFamily="34" charset="0"/>
+                      </a:endParaRPr>
+                    </a:p>
+                  </a:txBody>
+                  <a:tcPr marL="6350" marR="6350" marT="6350" anchor="ctr"/>
+                </a:tc>
+                <a:tc>
+                  <a:txBody>
+                    <a:bodyPr/>
+                    <a:lstStyle/>
+                    <a:p>
+                      <a:pPr algn="ctr" fontAlgn="b"/>
+                      <a:r>
+                        <a:rPr lang="en-US" sz="1800" u="none" strike="noStrike">
+                          <a:effectLst/>
+                        </a:rPr>
+                        <a:t>0.240451267</a:t>
+                      </a:r>
+                      <a:endParaRPr lang="en-US" sz="1800" b="0" i="0" u="none" strike="noStrike">
+                        <a:solidFill>
+                          <a:srgbClr val="000000"/>
+                        </a:solidFill>
+                        <a:effectLst/>
+                        <a:latin typeface="Calibri" panose="020F0502020204030204" pitchFamily="34" charset="0"/>
+                      </a:endParaRPr>
+                    </a:p>
+                  </a:txBody>
+                  <a:tcPr marL="6350" marR="6350" marT="6350" anchor="ctr"/>
+                </a:tc>
+                <a:tc>
+                  <a:txBody>
+                    <a:bodyPr/>
+                    <a:lstStyle/>
+                    <a:p>
+                      <a:pPr algn="ctr" fontAlgn="b"/>
+                      <a:r>
+                        <a:rPr lang="en-US" sz="1800" u="none" strike="noStrike">
+                          <a:effectLst/>
+                        </a:rPr>
+                        <a:t>22256</a:t>
+                      </a:r>
+                      <a:endParaRPr lang="en-US" sz="1800" b="0" i="0" u="none" strike="noStrike">
+                        <a:solidFill>
+                          <a:srgbClr val="000000"/>
+                        </a:solidFill>
+                        <a:effectLst/>
+                        <a:latin typeface="Calibri" panose="020F0502020204030204" pitchFamily="34" charset="0"/>
+                      </a:endParaRPr>
+                    </a:p>
+                  </a:txBody>
+                  <a:tcPr marL="6350" marR="6350" marT="6350" anchor="ctr"/>
+                </a:tc>
+                <a:tc>
+                  <a:txBody>
+                    <a:bodyPr/>
+                    <a:lstStyle/>
+                    <a:p>
+                      <a:pPr algn="ctr" fontAlgn="b"/>
+                      <a:r>
+                        <a:rPr lang="en-US" sz="1800" u="none" strike="noStrike">
+                          <a:effectLst/>
+                        </a:rPr>
+                        <a:t>0.258738258</a:t>
+                      </a:r>
+                      <a:endParaRPr lang="en-US" sz="1800" b="0" i="0" u="none" strike="noStrike">
+                        <a:solidFill>
+                          <a:srgbClr val="000000"/>
+                        </a:solidFill>
+                        <a:effectLst/>
+                        <a:latin typeface="Calibri" panose="020F0502020204030204" pitchFamily="34" charset="0"/>
+                      </a:endParaRPr>
+                    </a:p>
+                  </a:txBody>
+                  <a:tcPr marL="6350" marR="6350" marT="6350" anchor="ctr"/>
+                </a:tc>
+                <a:extLst>
+                  <a:ext uri="{0D108BD9-81ED-4DB2-BD59-A6C34878D82A}">
+                    <a16:rowId xmlns:a16="http://schemas.microsoft.com/office/drawing/2014/main" val="3162097595"/>
+                  </a:ext>
+                </a:extLst>
+              </a:tr>
+              <a:tr h="370840">
+                <a:tc>
+                  <a:txBody>
+                    <a:bodyPr/>
+                    <a:lstStyle/>
+                    <a:p>
+                      <a:pPr algn="ctr" fontAlgn="b"/>
+                      <a:r>
+                        <a:rPr lang="en-US" sz="1800" u="none" strike="noStrike">
+                          <a:effectLst/>
+                        </a:rPr>
+                        <a:t>6</a:t>
+                      </a:r>
+                      <a:endParaRPr lang="en-US" sz="1800" b="0" i="0" u="none" strike="noStrike">
+                        <a:solidFill>
+                          <a:srgbClr val="000000"/>
+                        </a:solidFill>
+                        <a:effectLst/>
+                        <a:latin typeface="Calibri" panose="020F0502020204030204" pitchFamily="34" charset="0"/>
+                      </a:endParaRPr>
+                    </a:p>
+                  </a:txBody>
+                  <a:tcPr marL="6350" marR="6350" marT="6350" anchor="ctr"/>
+                </a:tc>
+                <a:tc>
+                  <a:txBody>
+                    <a:bodyPr/>
+                    <a:lstStyle/>
+                    <a:p>
+                      <a:pPr algn="ctr" fontAlgn="b"/>
+                      <a:r>
+                        <a:rPr lang="en-US" sz="1800" u="none" strike="noStrike">
+                          <a:effectLst/>
+                        </a:rPr>
+                        <a:t>8148515</a:t>
+                      </a:r>
+                      <a:endParaRPr lang="en-US" sz="1800" b="0" i="0" u="none" strike="noStrike">
+                        <a:solidFill>
+                          <a:srgbClr val="000000"/>
+                        </a:solidFill>
+                        <a:effectLst/>
+                        <a:latin typeface="Calibri" panose="020F0502020204030204" pitchFamily="34" charset="0"/>
+                      </a:endParaRPr>
+                    </a:p>
+                  </a:txBody>
+                  <a:tcPr marL="6350" marR="6350" marT="6350" anchor="ctr"/>
+                </a:tc>
+                <a:tc>
+                  <a:txBody>
+                    <a:bodyPr/>
+                    <a:lstStyle/>
+                    <a:p>
+                      <a:pPr algn="ctr" fontAlgn="b"/>
+                      <a:r>
+                        <a:rPr lang="en-US" sz="1800" u="none" strike="noStrike">
+                          <a:effectLst/>
+                        </a:rPr>
+                        <a:t>8147001</a:t>
+                      </a:r>
+                      <a:endParaRPr lang="en-US" sz="1800" b="0" i="0" u="none" strike="noStrike">
+                        <a:solidFill>
+                          <a:srgbClr val="000000"/>
+                        </a:solidFill>
+                        <a:effectLst/>
+                        <a:latin typeface="Calibri" panose="020F0502020204030204" pitchFamily="34" charset="0"/>
+                      </a:endParaRPr>
+                    </a:p>
+                  </a:txBody>
+                  <a:tcPr marL="6350" marR="6350" marT="6350" anchor="ctr"/>
+                </a:tc>
+                <a:tc>
+                  <a:txBody>
+                    <a:bodyPr/>
+                    <a:lstStyle/>
+                    <a:p>
+                      <a:pPr algn="ctr" fontAlgn="b"/>
+                      <a:r>
+                        <a:rPr lang="en-US" sz="1800" u="none" strike="noStrike">
+                          <a:effectLst/>
+                        </a:rPr>
+                        <a:t>21947</a:t>
+                      </a:r>
+                      <a:endParaRPr lang="en-US" sz="1800" b="0" i="0" u="none" strike="noStrike">
+                        <a:solidFill>
+                          <a:srgbClr val="000000"/>
+                        </a:solidFill>
+                        <a:effectLst/>
+                        <a:latin typeface="Calibri" panose="020F0502020204030204" pitchFamily="34" charset="0"/>
+                      </a:endParaRPr>
+                    </a:p>
+                  </a:txBody>
+                  <a:tcPr marL="6350" marR="6350" marT="6350" anchor="ctr"/>
+                </a:tc>
+                <a:tc>
+                  <a:txBody>
+                    <a:bodyPr/>
+                    <a:lstStyle/>
+                    <a:p>
+                      <a:pPr algn="ctr" fontAlgn="b"/>
+                      <a:r>
+                        <a:rPr lang="en-US" sz="1800" u="none" strike="noStrike">
+                          <a:effectLst/>
+                        </a:rPr>
+                        <a:t>0.269337419</a:t>
+                      </a:r>
+                      <a:endParaRPr lang="en-US" sz="1800" b="0" i="0" u="none" strike="noStrike">
+                        <a:solidFill>
+                          <a:srgbClr val="000000"/>
+                        </a:solidFill>
+                        <a:effectLst/>
+                        <a:latin typeface="Calibri" panose="020F0502020204030204" pitchFamily="34" charset="0"/>
+                      </a:endParaRPr>
+                    </a:p>
+                  </a:txBody>
+                  <a:tcPr marL="6350" marR="6350" marT="6350" anchor="ctr"/>
+                </a:tc>
+                <a:tc>
+                  <a:txBody>
+                    <a:bodyPr/>
+                    <a:lstStyle/>
+                    <a:p>
+                      <a:pPr algn="ctr" fontAlgn="b"/>
+                      <a:r>
+                        <a:rPr lang="en-US" sz="1800" u="none" strike="noStrike">
+                          <a:effectLst/>
+                        </a:rPr>
+                        <a:t>23461</a:t>
+                      </a:r>
+                      <a:endParaRPr lang="en-US" sz="1800" b="0" i="0" u="none" strike="noStrike">
+                        <a:solidFill>
+                          <a:srgbClr val="000000"/>
+                        </a:solidFill>
+                        <a:effectLst/>
+                        <a:latin typeface="Calibri" panose="020F0502020204030204" pitchFamily="34" charset="0"/>
+                      </a:endParaRPr>
+                    </a:p>
+                  </a:txBody>
+                  <a:tcPr marL="6350" marR="6350" marT="6350" anchor="ctr"/>
+                </a:tc>
+                <a:tc>
+                  <a:txBody>
+                    <a:bodyPr/>
+                    <a:lstStyle/>
+                    <a:p>
+                      <a:pPr algn="ctr" fontAlgn="b"/>
+                      <a:r>
+                        <a:rPr lang="en-US" sz="1800" u="none" strike="noStrike">
+                          <a:effectLst/>
+                        </a:rPr>
+                        <a:t>0.287917492</a:t>
+                      </a:r>
+                      <a:endParaRPr lang="en-US" sz="1800" b="0" i="0" u="none" strike="noStrike">
+                        <a:solidFill>
+                          <a:srgbClr val="000000"/>
+                        </a:solidFill>
+                        <a:effectLst/>
+                        <a:latin typeface="Calibri" panose="020F0502020204030204" pitchFamily="34" charset="0"/>
+                      </a:endParaRPr>
+                    </a:p>
+                  </a:txBody>
+                  <a:tcPr marL="6350" marR="6350" marT="6350" anchor="ctr"/>
+                </a:tc>
+                <a:extLst>
+                  <a:ext uri="{0D108BD9-81ED-4DB2-BD59-A6C34878D82A}">
+                    <a16:rowId xmlns:a16="http://schemas.microsoft.com/office/drawing/2014/main" val="1349148553"/>
+                  </a:ext>
+                </a:extLst>
+              </a:tr>
+              <a:tr h="370840">
+                <a:tc>
+                  <a:txBody>
+                    <a:bodyPr/>
+                    <a:lstStyle/>
+                    <a:p>
+                      <a:pPr algn="ctr" fontAlgn="b"/>
+                      <a:r>
+                        <a:rPr lang="en-US" sz="1800" u="none" strike="noStrike">
+                          <a:effectLst/>
+                        </a:rPr>
+                        <a:t>7</a:t>
+                      </a:r>
+                      <a:endParaRPr lang="en-US" sz="1800" b="0" i="0" u="none" strike="noStrike">
+                        <a:solidFill>
+                          <a:srgbClr val="000000"/>
+                        </a:solidFill>
+                        <a:effectLst/>
+                        <a:latin typeface="Calibri" panose="020F0502020204030204" pitchFamily="34" charset="0"/>
+                      </a:endParaRPr>
+                    </a:p>
+                  </a:txBody>
+                  <a:tcPr marL="6350" marR="6350" marT="6350" anchor="ctr"/>
+                </a:tc>
+                <a:tc>
+                  <a:txBody>
+                    <a:bodyPr/>
+                    <a:lstStyle/>
+                    <a:p>
+                      <a:pPr algn="ctr" fontAlgn="b"/>
+                      <a:r>
+                        <a:rPr lang="en-US" sz="1800" u="none" strike="noStrike">
+                          <a:effectLst/>
+                        </a:rPr>
+                        <a:t>8004650</a:t>
+                      </a:r>
+                      <a:endParaRPr lang="en-US" sz="1800" b="0" i="0" u="none" strike="noStrike">
+                        <a:solidFill>
+                          <a:srgbClr val="000000"/>
+                        </a:solidFill>
+                        <a:effectLst/>
+                        <a:latin typeface="Calibri" panose="020F0502020204030204" pitchFamily="34" charset="0"/>
+                      </a:endParaRPr>
+                    </a:p>
+                  </a:txBody>
+                  <a:tcPr marL="6350" marR="6350" marT="6350" anchor="ctr"/>
+                </a:tc>
+                <a:tc>
+                  <a:txBody>
+                    <a:bodyPr/>
+                    <a:lstStyle/>
+                    <a:p>
+                      <a:pPr algn="ctr" fontAlgn="b"/>
+                      <a:r>
+                        <a:rPr lang="en-US" sz="1800" u="none" strike="noStrike">
+                          <a:effectLst/>
+                        </a:rPr>
+                        <a:t>8003284</a:t>
+                      </a:r>
+                      <a:endParaRPr lang="en-US" sz="1800" b="0" i="0" u="none" strike="noStrike">
+                        <a:solidFill>
+                          <a:srgbClr val="000000"/>
+                        </a:solidFill>
+                        <a:effectLst/>
+                        <a:latin typeface="Calibri" panose="020F0502020204030204" pitchFamily="34" charset="0"/>
+                      </a:endParaRPr>
+                    </a:p>
+                  </a:txBody>
+                  <a:tcPr marL="6350" marR="6350" marT="6350" anchor="ctr"/>
+                </a:tc>
+                <a:tc>
+                  <a:txBody>
+                    <a:bodyPr/>
+                    <a:lstStyle/>
+                    <a:p>
+                      <a:pPr algn="ctr" fontAlgn="b"/>
+                      <a:r>
+                        <a:rPr lang="en-US" sz="1800" u="none" strike="noStrike">
+                          <a:effectLst/>
+                        </a:rPr>
+                        <a:t>19381</a:t>
+                      </a:r>
+                      <a:endParaRPr lang="en-US" sz="1800" b="0" i="0" u="none" strike="noStrike">
+                        <a:solidFill>
+                          <a:srgbClr val="000000"/>
+                        </a:solidFill>
+                        <a:effectLst/>
+                        <a:latin typeface="Calibri" panose="020F0502020204030204" pitchFamily="34" charset="0"/>
+                      </a:endParaRPr>
+                    </a:p>
+                  </a:txBody>
+                  <a:tcPr marL="6350" marR="6350" marT="6350" anchor="ctr"/>
+                </a:tc>
+                <a:tc>
+                  <a:txBody>
+                    <a:bodyPr/>
+                    <a:lstStyle/>
+                    <a:p>
+                      <a:pPr algn="ctr" fontAlgn="b"/>
+                      <a:r>
+                        <a:rPr lang="en-US" sz="1800" u="none" strike="noStrike">
+                          <a:effectLst/>
+                        </a:rPr>
+                        <a:t>0.242121767</a:t>
+                      </a:r>
+                      <a:endParaRPr lang="en-US" sz="1800" b="0" i="0" u="none" strike="noStrike">
+                        <a:solidFill>
+                          <a:srgbClr val="000000"/>
+                        </a:solidFill>
+                        <a:effectLst/>
+                        <a:latin typeface="Calibri" panose="020F0502020204030204" pitchFamily="34" charset="0"/>
+                      </a:endParaRPr>
+                    </a:p>
+                  </a:txBody>
+                  <a:tcPr marL="6350" marR="6350" marT="6350" anchor="ctr"/>
+                </a:tc>
+                <a:tc>
+                  <a:txBody>
+                    <a:bodyPr/>
+                    <a:lstStyle/>
+                    <a:p>
+                      <a:pPr algn="ctr" fontAlgn="b"/>
+                      <a:r>
+                        <a:rPr lang="en-US" sz="1800" u="none" strike="noStrike">
+                          <a:effectLst/>
+                        </a:rPr>
+                        <a:t>20747</a:t>
+                      </a:r>
+                      <a:endParaRPr lang="en-US" sz="1800" b="0" i="0" u="none" strike="noStrike">
+                        <a:solidFill>
+                          <a:srgbClr val="000000"/>
+                        </a:solidFill>
+                        <a:effectLst/>
+                        <a:latin typeface="Calibri" panose="020F0502020204030204" pitchFamily="34" charset="0"/>
+                      </a:endParaRPr>
+                    </a:p>
+                  </a:txBody>
+                  <a:tcPr marL="6350" marR="6350" marT="6350" anchor="ctr"/>
+                </a:tc>
+                <a:tc>
+                  <a:txBody>
+                    <a:bodyPr/>
+                    <a:lstStyle/>
+                    <a:p>
+                      <a:pPr algn="ctr" fontAlgn="b"/>
+                      <a:r>
+                        <a:rPr lang="en-US" sz="1800" u="none" strike="noStrike">
+                          <a:effectLst/>
+                        </a:rPr>
+                        <a:t>0.259186848</a:t>
+                      </a:r>
+                      <a:endParaRPr lang="en-US" sz="1800" b="0" i="0" u="none" strike="noStrike">
+                        <a:solidFill>
+                          <a:srgbClr val="000000"/>
+                        </a:solidFill>
+                        <a:effectLst/>
+                        <a:latin typeface="Calibri" panose="020F0502020204030204" pitchFamily="34" charset="0"/>
+                      </a:endParaRPr>
+                    </a:p>
+                  </a:txBody>
+                  <a:tcPr marL="6350" marR="6350" marT="6350" anchor="ctr"/>
+                </a:tc>
+                <a:extLst>
+                  <a:ext uri="{0D108BD9-81ED-4DB2-BD59-A6C34878D82A}">
+                    <a16:rowId xmlns:a16="http://schemas.microsoft.com/office/drawing/2014/main" val="897330522"/>
+                  </a:ext>
+                </a:extLst>
+              </a:tr>
+              <a:tr h="370840">
+                <a:tc>
+                  <a:txBody>
+                    <a:bodyPr/>
+                    <a:lstStyle/>
+                    <a:p>
+                      <a:pPr algn="ctr" fontAlgn="b"/>
+                      <a:r>
+                        <a:rPr lang="en-US" sz="1800" u="none" strike="noStrike">
+                          <a:effectLst/>
+                        </a:rPr>
+                        <a:t>8</a:t>
+                      </a:r>
+                      <a:endParaRPr lang="en-US" sz="1800" b="0" i="0" u="none" strike="noStrike">
+                        <a:solidFill>
+                          <a:srgbClr val="000000"/>
+                        </a:solidFill>
+                        <a:effectLst/>
+                        <a:latin typeface="Calibri" panose="020F0502020204030204" pitchFamily="34" charset="0"/>
+                      </a:endParaRPr>
+                    </a:p>
+                  </a:txBody>
+                  <a:tcPr marL="6350" marR="6350" marT="6350" anchor="ctr"/>
+                </a:tc>
+                <a:tc>
+                  <a:txBody>
+                    <a:bodyPr/>
+                    <a:lstStyle/>
+                    <a:p>
+                      <a:pPr algn="ctr" fontAlgn="b"/>
+                      <a:r>
+                        <a:rPr lang="en-US" sz="1800" u="none" strike="noStrike">
+                          <a:effectLst/>
+                        </a:rPr>
+                        <a:t>7132394</a:t>
+                      </a:r>
+                      <a:endParaRPr lang="en-US" sz="1800" b="0" i="0" u="none" strike="noStrike">
+                        <a:solidFill>
+                          <a:srgbClr val="000000"/>
+                        </a:solidFill>
+                        <a:effectLst/>
+                        <a:latin typeface="Calibri" panose="020F0502020204030204" pitchFamily="34" charset="0"/>
+                      </a:endParaRPr>
+                    </a:p>
+                  </a:txBody>
+                  <a:tcPr marL="6350" marR="6350" marT="6350" anchor="ctr"/>
+                </a:tc>
+                <a:tc>
+                  <a:txBody>
+                    <a:bodyPr/>
+                    <a:lstStyle/>
+                    <a:p>
+                      <a:pPr algn="ctr" fontAlgn="b"/>
+                      <a:r>
+                        <a:rPr lang="en-US" sz="1800" u="none" strike="noStrike">
+                          <a:effectLst/>
+                        </a:rPr>
+                        <a:t>7130922</a:t>
+                      </a:r>
+                      <a:endParaRPr lang="en-US" sz="1800" b="0" i="0" u="none" strike="noStrike">
+                        <a:solidFill>
+                          <a:srgbClr val="000000"/>
+                        </a:solidFill>
+                        <a:effectLst/>
+                        <a:latin typeface="Calibri" panose="020F0502020204030204" pitchFamily="34" charset="0"/>
+                      </a:endParaRPr>
+                    </a:p>
+                  </a:txBody>
+                  <a:tcPr marL="6350" marR="6350" marT="6350" anchor="ctr"/>
+                </a:tc>
+                <a:tc>
+                  <a:txBody>
+                    <a:bodyPr/>
+                    <a:lstStyle/>
+                    <a:p>
+                      <a:pPr algn="ctr" fontAlgn="b"/>
+                      <a:r>
+                        <a:rPr lang="en-US" sz="1800" u="none" strike="noStrike">
+                          <a:effectLst/>
+                        </a:rPr>
+                        <a:t>18268</a:t>
+                      </a:r>
+                      <a:endParaRPr lang="en-US" sz="1800" b="0" i="0" u="none" strike="noStrike">
+                        <a:solidFill>
+                          <a:srgbClr val="000000"/>
+                        </a:solidFill>
+                        <a:effectLst/>
+                        <a:latin typeface="Calibri" panose="020F0502020204030204" pitchFamily="34" charset="0"/>
+                      </a:endParaRPr>
+                    </a:p>
+                  </a:txBody>
+                  <a:tcPr marL="6350" marR="6350" marT="6350" anchor="ctr"/>
+                </a:tc>
+                <a:tc>
+                  <a:txBody>
+                    <a:bodyPr/>
+                    <a:lstStyle/>
+                    <a:p>
+                      <a:pPr algn="ctr" fontAlgn="b"/>
+                      <a:r>
+                        <a:rPr lang="en-US" sz="1800" u="none" strike="noStrike">
+                          <a:effectLst/>
+                        </a:rPr>
+                        <a:t>0.256127185</a:t>
+                      </a:r>
+                      <a:endParaRPr lang="en-US" sz="1800" b="0" i="0" u="none" strike="noStrike">
+                        <a:solidFill>
+                          <a:srgbClr val="000000"/>
+                        </a:solidFill>
+                        <a:effectLst/>
+                        <a:latin typeface="Calibri" panose="020F0502020204030204" pitchFamily="34" charset="0"/>
+                      </a:endParaRPr>
+                    </a:p>
+                  </a:txBody>
+                  <a:tcPr marL="6350" marR="6350" marT="6350" anchor="ctr"/>
+                </a:tc>
+                <a:tc>
+                  <a:txBody>
+                    <a:bodyPr/>
+                    <a:lstStyle/>
+                    <a:p>
+                      <a:pPr algn="ctr" fontAlgn="b"/>
+                      <a:r>
+                        <a:rPr lang="en-US" sz="1800" u="none" strike="noStrike">
+                          <a:effectLst/>
+                        </a:rPr>
+                        <a:t>19740</a:t>
+                      </a:r>
+                      <a:endParaRPr lang="en-US" sz="1800" b="0" i="0" u="none" strike="noStrike">
+                        <a:solidFill>
+                          <a:srgbClr val="000000"/>
+                        </a:solidFill>
+                        <a:effectLst/>
+                        <a:latin typeface="Calibri" panose="020F0502020204030204" pitchFamily="34" charset="0"/>
+                      </a:endParaRPr>
+                    </a:p>
+                  </a:txBody>
+                  <a:tcPr marL="6350" marR="6350" marT="6350" anchor="ctr"/>
+                </a:tc>
+                <a:tc>
+                  <a:txBody>
+                    <a:bodyPr/>
+                    <a:lstStyle/>
+                    <a:p>
+                      <a:pPr algn="ctr" fontAlgn="b"/>
+                      <a:r>
+                        <a:rPr lang="en-US" sz="1800" u="none" strike="noStrike">
+                          <a:effectLst/>
+                        </a:rPr>
+                        <a:t>0.276765417</a:t>
+                      </a:r>
+                      <a:endParaRPr lang="en-US" sz="1800" b="0" i="0" u="none" strike="noStrike">
+                        <a:solidFill>
+                          <a:srgbClr val="000000"/>
+                        </a:solidFill>
+                        <a:effectLst/>
+                        <a:latin typeface="Calibri" panose="020F0502020204030204" pitchFamily="34" charset="0"/>
+                      </a:endParaRPr>
+                    </a:p>
+                  </a:txBody>
+                  <a:tcPr marL="6350" marR="6350" marT="6350" anchor="ctr"/>
+                </a:tc>
+                <a:extLst>
+                  <a:ext uri="{0D108BD9-81ED-4DB2-BD59-A6C34878D82A}">
+                    <a16:rowId xmlns:a16="http://schemas.microsoft.com/office/drawing/2014/main" val="1416132245"/>
+                  </a:ext>
+                </a:extLst>
+              </a:tr>
+              <a:tr h="370840">
+                <a:tc>
+                  <a:txBody>
+                    <a:bodyPr/>
+                    <a:lstStyle/>
+                    <a:p>
+                      <a:pPr algn="ctr" fontAlgn="b"/>
+                      <a:r>
+                        <a:rPr lang="en-US" sz="1800" u="none" strike="noStrike">
+                          <a:effectLst/>
+                        </a:rPr>
+                        <a:t>9</a:t>
+                      </a:r>
+                      <a:endParaRPr lang="en-US" sz="1800" b="0" i="0" u="none" strike="noStrike">
+                        <a:solidFill>
+                          <a:srgbClr val="000000"/>
+                        </a:solidFill>
+                        <a:effectLst/>
+                        <a:latin typeface="Calibri" panose="020F0502020204030204" pitchFamily="34" charset="0"/>
+                      </a:endParaRPr>
+                    </a:p>
+                  </a:txBody>
+                  <a:tcPr marL="6350" marR="6350" marT="6350" anchor="ctr"/>
+                </a:tc>
+                <a:tc>
+                  <a:txBody>
+                    <a:bodyPr/>
+                    <a:lstStyle/>
+                    <a:p>
+                      <a:pPr algn="ctr" fontAlgn="b"/>
+                      <a:r>
+                        <a:rPr lang="en-US" sz="1800" u="none" strike="noStrike">
+                          <a:effectLst/>
+                        </a:rPr>
+                        <a:t>6395239</a:t>
+                      </a:r>
+                      <a:endParaRPr lang="en-US" sz="1800" b="0" i="0" u="none" strike="noStrike">
+                        <a:solidFill>
+                          <a:srgbClr val="000000"/>
+                        </a:solidFill>
+                        <a:effectLst/>
+                        <a:latin typeface="Calibri" panose="020F0502020204030204" pitchFamily="34" charset="0"/>
+                      </a:endParaRPr>
+                    </a:p>
+                  </a:txBody>
+                  <a:tcPr marL="6350" marR="6350" marT="6350" anchor="ctr"/>
+                </a:tc>
+                <a:tc>
+                  <a:txBody>
+                    <a:bodyPr/>
+                    <a:lstStyle/>
+                    <a:p>
+                      <a:pPr algn="ctr" fontAlgn="b"/>
+                      <a:r>
+                        <a:rPr lang="en-US" sz="1800" u="none" strike="noStrike">
+                          <a:effectLst/>
+                        </a:rPr>
+                        <a:t>6394260</a:t>
+                      </a:r>
+                      <a:endParaRPr lang="en-US" sz="1800" b="0" i="0" u="none" strike="noStrike">
+                        <a:solidFill>
+                          <a:srgbClr val="000000"/>
+                        </a:solidFill>
+                        <a:effectLst/>
+                        <a:latin typeface="Calibri" panose="020F0502020204030204" pitchFamily="34" charset="0"/>
+                      </a:endParaRPr>
+                    </a:p>
+                  </a:txBody>
+                  <a:tcPr marL="6350" marR="6350" marT="6350" anchor="ctr"/>
+                </a:tc>
+                <a:tc>
+                  <a:txBody>
+                    <a:bodyPr/>
+                    <a:lstStyle/>
+                    <a:p>
+                      <a:pPr algn="ctr" fontAlgn="b"/>
+                      <a:r>
+                        <a:rPr lang="en-US" sz="1800" u="none" strike="noStrike">
+                          <a:effectLst/>
+                        </a:rPr>
+                        <a:t>14755</a:t>
+                      </a:r>
+                      <a:endParaRPr lang="en-US" sz="1800" b="0" i="0" u="none" strike="noStrike">
+                        <a:solidFill>
+                          <a:srgbClr val="000000"/>
+                        </a:solidFill>
+                        <a:effectLst/>
+                        <a:latin typeface="Calibri" panose="020F0502020204030204" pitchFamily="34" charset="0"/>
+                      </a:endParaRPr>
+                    </a:p>
+                  </a:txBody>
+                  <a:tcPr marL="6350" marR="6350" marT="6350" anchor="ctr"/>
+                </a:tc>
+                <a:tc>
+                  <a:txBody>
+                    <a:bodyPr/>
+                    <a:lstStyle/>
+                    <a:p>
+                      <a:pPr algn="ctr" fontAlgn="b"/>
+                      <a:r>
+                        <a:rPr lang="en-US" sz="1800" u="none" strike="noStrike">
+                          <a:effectLst/>
+                        </a:rPr>
+                        <a:t>0.230718508</a:t>
+                      </a:r>
+                      <a:endParaRPr lang="en-US" sz="1800" b="0" i="0" u="none" strike="noStrike">
+                        <a:solidFill>
+                          <a:srgbClr val="000000"/>
+                        </a:solidFill>
+                        <a:effectLst/>
+                        <a:latin typeface="Calibri" panose="020F0502020204030204" pitchFamily="34" charset="0"/>
+                      </a:endParaRPr>
+                    </a:p>
+                  </a:txBody>
+                  <a:tcPr marL="6350" marR="6350" marT="6350" anchor="ctr"/>
+                </a:tc>
+                <a:tc>
+                  <a:txBody>
+                    <a:bodyPr/>
+                    <a:lstStyle/>
+                    <a:p>
+                      <a:pPr algn="ctr" fontAlgn="b"/>
+                      <a:r>
+                        <a:rPr lang="en-US" sz="1800" u="none" strike="noStrike">
+                          <a:effectLst/>
+                        </a:rPr>
+                        <a:t>15734</a:t>
+                      </a:r>
+                      <a:endParaRPr lang="en-US" sz="1800" b="0" i="0" u="none" strike="noStrike">
+                        <a:solidFill>
+                          <a:srgbClr val="000000"/>
+                        </a:solidFill>
+                        <a:effectLst/>
+                        <a:latin typeface="Calibri" panose="020F0502020204030204" pitchFamily="34" charset="0"/>
+                      </a:endParaRPr>
+                    </a:p>
+                  </a:txBody>
+                  <a:tcPr marL="6350" marR="6350" marT="6350" anchor="ctr"/>
+                </a:tc>
+                <a:tc>
+                  <a:txBody>
+                    <a:bodyPr/>
+                    <a:lstStyle/>
+                    <a:p>
+                      <a:pPr algn="ctr" fontAlgn="b"/>
+                      <a:r>
+                        <a:rPr lang="en-US" sz="1800" u="none" strike="noStrike">
+                          <a:effectLst/>
+                        </a:rPr>
+                        <a:t>0.246026771</a:t>
+                      </a:r>
+                      <a:endParaRPr lang="en-US" sz="1800" b="0" i="0" u="none" strike="noStrike">
+                        <a:solidFill>
+                          <a:srgbClr val="000000"/>
+                        </a:solidFill>
+                        <a:effectLst/>
+                        <a:latin typeface="Calibri" panose="020F0502020204030204" pitchFamily="34" charset="0"/>
+                      </a:endParaRPr>
+                    </a:p>
+                  </a:txBody>
+                  <a:tcPr marL="6350" marR="6350" marT="6350" anchor="ctr"/>
+                </a:tc>
+                <a:extLst>
+                  <a:ext uri="{0D108BD9-81ED-4DB2-BD59-A6C34878D82A}">
+                    <a16:rowId xmlns:a16="http://schemas.microsoft.com/office/drawing/2014/main" val="136380929"/>
+                  </a:ext>
+                </a:extLst>
+              </a:tr>
+              <a:tr h="370840">
+                <a:tc>
+                  <a:txBody>
+                    <a:bodyPr/>
+                    <a:lstStyle/>
+                    <a:p>
+                      <a:pPr algn="ctr" fontAlgn="b"/>
+                      <a:r>
+                        <a:rPr lang="en-US" sz="1800" u="none" strike="noStrike">
+                          <a:effectLst/>
+                        </a:rPr>
+                        <a:t>10</a:t>
+                      </a:r>
+                      <a:endParaRPr lang="en-US" sz="1800" b="0" i="0" u="none" strike="noStrike">
+                        <a:solidFill>
+                          <a:srgbClr val="000000"/>
+                        </a:solidFill>
+                        <a:effectLst/>
+                        <a:latin typeface="Calibri" panose="020F0502020204030204" pitchFamily="34" charset="0"/>
+                      </a:endParaRPr>
+                    </a:p>
+                  </a:txBody>
+                  <a:tcPr marL="6350" marR="6350" marT="6350" anchor="ctr"/>
+                </a:tc>
+                <a:tc>
+                  <a:txBody>
+                    <a:bodyPr/>
+                    <a:lstStyle/>
+                    <a:p>
+                      <a:pPr algn="ctr" fontAlgn="b"/>
+                      <a:r>
+                        <a:rPr lang="en-US" sz="1800" u="none" strike="noStrike">
+                          <a:effectLst/>
+                        </a:rPr>
+                        <a:t>7046754</a:t>
+                      </a:r>
+                      <a:endParaRPr lang="en-US" sz="1800" b="0" i="0" u="none" strike="noStrike">
+                        <a:solidFill>
+                          <a:srgbClr val="000000"/>
+                        </a:solidFill>
+                        <a:effectLst/>
+                        <a:latin typeface="Calibri" panose="020F0502020204030204" pitchFamily="34" charset="0"/>
+                      </a:endParaRPr>
+                    </a:p>
+                  </a:txBody>
+                  <a:tcPr marL="6350" marR="6350" marT="6350" anchor="ctr"/>
+                </a:tc>
+                <a:tc>
+                  <a:txBody>
+                    <a:bodyPr/>
+                    <a:lstStyle/>
+                    <a:p>
+                      <a:pPr algn="ctr" fontAlgn="b"/>
+                      <a:r>
+                        <a:rPr lang="en-US" sz="1800" u="none" strike="noStrike">
+                          <a:effectLst/>
+                        </a:rPr>
+                        <a:t>7045331</a:t>
+                      </a:r>
+                      <a:endParaRPr lang="en-US" sz="1800" b="0" i="0" u="none" strike="noStrike">
+                        <a:solidFill>
+                          <a:srgbClr val="000000"/>
+                        </a:solidFill>
+                        <a:effectLst/>
+                        <a:latin typeface="Calibri" panose="020F0502020204030204" pitchFamily="34" charset="0"/>
+                      </a:endParaRPr>
+                    </a:p>
+                  </a:txBody>
+                  <a:tcPr marL="6350" marR="6350" marT="6350" anchor="ctr"/>
+                </a:tc>
+                <a:tc>
+                  <a:txBody>
+                    <a:bodyPr/>
+                    <a:lstStyle/>
+                    <a:p>
+                      <a:pPr algn="ctr" fontAlgn="b"/>
+                      <a:r>
+                        <a:rPr lang="en-US" sz="1800" u="none" strike="noStrike">
+                          <a:effectLst/>
+                        </a:rPr>
+                        <a:t>18080</a:t>
+                      </a:r>
+                      <a:endParaRPr lang="en-US" sz="1800" b="0" i="0" u="none" strike="noStrike">
+                        <a:solidFill>
+                          <a:srgbClr val="000000"/>
+                        </a:solidFill>
+                        <a:effectLst/>
+                        <a:latin typeface="Calibri" panose="020F0502020204030204" pitchFamily="34" charset="0"/>
+                      </a:endParaRPr>
+                    </a:p>
+                  </a:txBody>
+                  <a:tcPr marL="6350" marR="6350" marT="6350" anchor="ctr"/>
+                </a:tc>
+                <a:tc>
+                  <a:txBody>
+                    <a:bodyPr/>
+                    <a:lstStyle/>
+                    <a:p>
+                      <a:pPr algn="ctr" fontAlgn="b"/>
+                      <a:r>
+                        <a:rPr lang="en-US" sz="1800" u="none" strike="noStrike">
+                          <a:effectLst/>
+                        </a:rPr>
+                        <a:t>0.256572033</a:t>
+                      </a:r>
+                      <a:endParaRPr lang="en-US" sz="1800" b="0" i="0" u="none" strike="noStrike">
+                        <a:solidFill>
+                          <a:srgbClr val="000000"/>
+                        </a:solidFill>
+                        <a:effectLst/>
+                        <a:latin typeface="Calibri" panose="020F0502020204030204" pitchFamily="34" charset="0"/>
+                      </a:endParaRPr>
+                    </a:p>
+                  </a:txBody>
+                  <a:tcPr marL="6350" marR="6350" marT="6350" anchor="ctr"/>
+                </a:tc>
+                <a:tc>
+                  <a:txBody>
+                    <a:bodyPr/>
+                    <a:lstStyle/>
+                    <a:p>
+                      <a:pPr algn="ctr" fontAlgn="b"/>
+                      <a:r>
+                        <a:rPr lang="en-US" sz="1800" u="none" strike="noStrike">
+                          <a:effectLst/>
+                        </a:rPr>
+                        <a:t>19503</a:t>
+                      </a:r>
+                      <a:endParaRPr lang="en-US" sz="1800" b="0" i="0" u="none" strike="noStrike">
+                        <a:solidFill>
+                          <a:srgbClr val="000000"/>
+                        </a:solidFill>
+                        <a:effectLst/>
+                        <a:latin typeface="Calibri" panose="020F0502020204030204" pitchFamily="34" charset="0"/>
+                      </a:endParaRPr>
+                    </a:p>
+                  </a:txBody>
+                  <a:tcPr marL="6350" marR="6350" marT="6350" anchor="ctr"/>
+                </a:tc>
+                <a:tc>
+                  <a:txBody>
+                    <a:bodyPr/>
+                    <a:lstStyle/>
+                    <a:p>
+                      <a:pPr algn="ctr" fontAlgn="b"/>
+                      <a:r>
+                        <a:rPr lang="en-US" sz="1800" u="none" strike="noStrike">
+                          <a:effectLst/>
+                        </a:rPr>
+                        <a:t>0.276765728</a:t>
+                      </a:r>
+                      <a:endParaRPr lang="en-US" sz="1800" b="0" i="0" u="none" strike="noStrike">
+                        <a:solidFill>
+                          <a:srgbClr val="000000"/>
+                        </a:solidFill>
+                        <a:effectLst/>
+                        <a:latin typeface="Calibri" panose="020F0502020204030204" pitchFamily="34" charset="0"/>
+                      </a:endParaRPr>
+                    </a:p>
+                  </a:txBody>
+                  <a:tcPr marL="6350" marR="6350" marT="6350" anchor="ctr"/>
+                </a:tc>
+                <a:extLst>
+                  <a:ext uri="{0D108BD9-81ED-4DB2-BD59-A6C34878D82A}">
+                    <a16:rowId xmlns:a16="http://schemas.microsoft.com/office/drawing/2014/main" val="2549045811"/>
+                  </a:ext>
+                </a:extLst>
+              </a:tr>
+              <a:tr h="370840">
+                <a:tc>
+                  <a:txBody>
+                    <a:bodyPr/>
+                    <a:lstStyle/>
+                    <a:p>
+                      <a:pPr algn="ctr" fontAlgn="b"/>
+                      <a:r>
+                        <a:rPr lang="en-US" sz="1800" u="none" strike="noStrike">
+                          <a:effectLst/>
+                        </a:rPr>
+                        <a:t>11</a:t>
+                      </a:r>
+                      <a:endParaRPr lang="en-US" sz="1800" b="0" i="0" u="none" strike="noStrike">
+                        <a:solidFill>
+                          <a:srgbClr val="000000"/>
+                        </a:solidFill>
+                        <a:effectLst/>
+                        <a:latin typeface="Calibri" panose="020F0502020204030204" pitchFamily="34" charset="0"/>
+                      </a:endParaRPr>
+                    </a:p>
+                  </a:txBody>
+                  <a:tcPr marL="6350" marR="6350" marT="6350" anchor="ctr"/>
+                </a:tc>
+                <a:tc>
+                  <a:txBody>
+                    <a:bodyPr/>
+                    <a:lstStyle/>
+                    <a:p>
+                      <a:pPr algn="ctr" fontAlgn="b"/>
+                      <a:r>
+                        <a:rPr lang="en-US" sz="1800" u="none" strike="noStrike">
+                          <a:effectLst/>
+                        </a:rPr>
+                        <a:t>7091678</a:t>
+                      </a:r>
+                      <a:endParaRPr lang="en-US" sz="1800" b="0" i="0" u="none" strike="noStrike">
+                        <a:solidFill>
+                          <a:srgbClr val="000000"/>
+                        </a:solidFill>
+                        <a:effectLst/>
+                        <a:latin typeface="Calibri" panose="020F0502020204030204" pitchFamily="34" charset="0"/>
+                      </a:endParaRPr>
+                    </a:p>
+                  </a:txBody>
+                  <a:tcPr marL="6350" marR="6350" marT="6350" anchor="ctr"/>
+                </a:tc>
+                <a:tc>
+                  <a:txBody>
+                    <a:bodyPr/>
+                    <a:lstStyle/>
+                    <a:p>
+                      <a:pPr algn="ctr" fontAlgn="b"/>
+                      <a:r>
+                        <a:rPr lang="en-US" sz="1800" u="none" strike="noStrike">
+                          <a:effectLst/>
+                        </a:rPr>
+                        <a:t>7090700</a:t>
+                      </a:r>
+                      <a:endParaRPr lang="en-US" sz="1800" b="0" i="0" u="none" strike="noStrike">
+                        <a:solidFill>
+                          <a:srgbClr val="000000"/>
+                        </a:solidFill>
+                        <a:effectLst/>
+                        <a:latin typeface="Calibri" panose="020F0502020204030204" pitchFamily="34" charset="0"/>
+                      </a:endParaRPr>
+                    </a:p>
+                  </a:txBody>
+                  <a:tcPr marL="6350" marR="6350" marT="6350" anchor="ctr"/>
+                </a:tc>
+                <a:tc>
+                  <a:txBody>
+                    <a:bodyPr/>
+                    <a:lstStyle/>
+                    <a:p>
+                      <a:pPr algn="ctr" fontAlgn="b"/>
+                      <a:r>
+                        <a:rPr lang="en-US" sz="1800" u="none" strike="noStrike">
+                          <a:effectLst/>
+                        </a:rPr>
+                        <a:t>18156</a:t>
+                      </a:r>
+                      <a:endParaRPr lang="en-US" sz="1800" b="0" i="0" u="none" strike="noStrike">
+                        <a:solidFill>
+                          <a:srgbClr val="000000"/>
+                        </a:solidFill>
+                        <a:effectLst/>
+                        <a:latin typeface="Calibri" panose="020F0502020204030204" pitchFamily="34" charset="0"/>
+                      </a:endParaRPr>
+                    </a:p>
+                  </a:txBody>
+                  <a:tcPr marL="6350" marR="6350" marT="6350" anchor="ctr"/>
+                </a:tc>
+                <a:tc>
+                  <a:txBody>
+                    <a:bodyPr/>
+                    <a:lstStyle/>
+                    <a:p>
+                      <a:pPr algn="ctr" fontAlgn="b"/>
+                      <a:r>
+                        <a:rPr lang="en-US" sz="1800" u="none" strike="noStrike">
+                          <a:effectLst/>
+                        </a:rPr>
+                        <a:t>0.256018392</a:t>
+                      </a:r>
+                      <a:endParaRPr lang="en-US" sz="1800" b="0" i="0" u="none" strike="noStrike">
+                        <a:solidFill>
+                          <a:srgbClr val="000000"/>
+                        </a:solidFill>
+                        <a:effectLst/>
+                        <a:latin typeface="Calibri" panose="020F0502020204030204" pitchFamily="34" charset="0"/>
+                      </a:endParaRPr>
+                    </a:p>
+                  </a:txBody>
+                  <a:tcPr marL="6350" marR="6350" marT="6350" anchor="ctr"/>
+                </a:tc>
+                <a:tc>
+                  <a:txBody>
+                    <a:bodyPr/>
+                    <a:lstStyle/>
+                    <a:p>
+                      <a:pPr algn="ctr" fontAlgn="b"/>
+                      <a:r>
+                        <a:rPr lang="en-US" sz="1800" u="none" strike="noStrike">
+                          <a:effectLst/>
+                        </a:rPr>
+                        <a:t>19134</a:t>
+                      </a:r>
+                      <a:endParaRPr lang="en-US" sz="1800" b="0" i="0" u="none" strike="noStrike">
+                        <a:solidFill>
+                          <a:srgbClr val="000000"/>
+                        </a:solidFill>
+                        <a:effectLst/>
+                        <a:latin typeface="Calibri" panose="020F0502020204030204" pitchFamily="34" charset="0"/>
+                      </a:endParaRPr>
+                    </a:p>
+                  </a:txBody>
+                  <a:tcPr marL="6350" marR="6350" marT="6350" anchor="ctr"/>
+                </a:tc>
+                <a:tc>
+                  <a:txBody>
+                    <a:bodyPr/>
+                    <a:lstStyle/>
+                    <a:p>
+                      <a:pPr algn="ctr" fontAlgn="b"/>
+                      <a:r>
+                        <a:rPr lang="en-US" sz="1800" u="none" strike="noStrike">
+                          <a:effectLst/>
+                        </a:rPr>
+                        <a:t>0.269809205</a:t>
+                      </a:r>
+                      <a:endParaRPr lang="en-US" sz="1800" b="0" i="0" u="none" strike="noStrike">
+                        <a:solidFill>
+                          <a:srgbClr val="000000"/>
+                        </a:solidFill>
+                        <a:effectLst/>
+                        <a:latin typeface="Calibri" panose="020F0502020204030204" pitchFamily="34" charset="0"/>
+                      </a:endParaRPr>
+                    </a:p>
+                  </a:txBody>
+                  <a:tcPr marL="6350" marR="6350" marT="6350" anchor="ctr"/>
+                </a:tc>
+                <a:extLst>
+                  <a:ext uri="{0D108BD9-81ED-4DB2-BD59-A6C34878D82A}">
+                    <a16:rowId xmlns:a16="http://schemas.microsoft.com/office/drawing/2014/main" val="2153182266"/>
+                  </a:ext>
+                </a:extLst>
+              </a:tr>
+              <a:tr h="370840">
+                <a:tc>
+                  <a:txBody>
+                    <a:bodyPr/>
+                    <a:lstStyle/>
+                    <a:p>
+                      <a:pPr algn="ctr" fontAlgn="b"/>
+                      <a:r>
+                        <a:rPr lang="en-US" sz="1800" u="none" strike="noStrike">
+                          <a:effectLst/>
+                        </a:rPr>
+                        <a:t>12</a:t>
+                      </a:r>
+                      <a:endParaRPr lang="en-US" sz="1800" b="0" i="0" u="none" strike="noStrike">
+                        <a:solidFill>
+                          <a:srgbClr val="000000"/>
+                        </a:solidFill>
+                        <a:effectLst/>
+                        <a:latin typeface="Calibri" panose="020F0502020204030204" pitchFamily="34" charset="0"/>
+                      </a:endParaRPr>
+                    </a:p>
+                  </a:txBody>
+                  <a:tcPr marL="6350" marR="6350" marT="6350" anchor="ctr"/>
+                </a:tc>
+                <a:tc>
+                  <a:txBody>
+                    <a:bodyPr/>
+                    <a:lstStyle/>
+                    <a:p>
+                      <a:pPr algn="ctr" fontAlgn="b"/>
+                      <a:r>
+                        <a:rPr lang="en-US" sz="1800" u="none" strike="noStrike">
+                          <a:effectLst/>
+                        </a:rPr>
+                        <a:t>6762794</a:t>
+                      </a:r>
+                      <a:endParaRPr lang="en-US" sz="1800" b="0" i="0" u="none" strike="noStrike">
+                        <a:solidFill>
+                          <a:srgbClr val="000000"/>
+                        </a:solidFill>
+                        <a:effectLst/>
+                        <a:latin typeface="Calibri" panose="020F0502020204030204" pitchFamily="34" charset="0"/>
+                      </a:endParaRPr>
+                    </a:p>
+                  </a:txBody>
+                  <a:tcPr marL="6350" marR="6350" marT="6350" anchor="ctr"/>
+                </a:tc>
+                <a:tc>
+                  <a:txBody>
+                    <a:bodyPr/>
+                    <a:lstStyle/>
+                    <a:p>
+                      <a:pPr algn="ctr" fontAlgn="b"/>
+                      <a:r>
+                        <a:rPr lang="en-US" sz="1800" u="none" strike="noStrike">
+                          <a:effectLst/>
+                        </a:rPr>
+                        <a:t>6761892</a:t>
+                      </a:r>
+                      <a:endParaRPr lang="en-US" sz="1800" b="0" i="0" u="none" strike="noStrike">
+                        <a:solidFill>
+                          <a:srgbClr val="000000"/>
+                        </a:solidFill>
+                        <a:effectLst/>
+                        <a:latin typeface="Calibri" panose="020F0502020204030204" pitchFamily="34" charset="0"/>
+                      </a:endParaRPr>
+                    </a:p>
+                  </a:txBody>
+                  <a:tcPr marL="6350" marR="6350" marT="6350" anchor="ctr"/>
+                </a:tc>
+                <a:tc>
+                  <a:txBody>
+                    <a:bodyPr/>
+                    <a:lstStyle/>
+                    <a:p>
+                      <a:pPr algn="ctr" fontAlgn="b"/>
+                      <a:r>
+                        <a:rPr lang="en-US" sz="1800" u="none" strike="noStrike">
+                          <a:effectLst/>
+                        </a:rPr>
+                        <a:t>16542</a:t>
+                      </a:r>
+                      <a:endParaRPr lang="en-US" sz="1800" b="0" i="0" u="none" strike="noStrike">
+                        <a:solidFill>
+                          <a:srgbClr val="000000"/>
+                        </a:solidFill>
+                        <a:effectLst/>
+                        <a:latin typeface="Calibri" panose="020F0502020204030204" pitchFamily="34" charset="0"/>
+                      </a:endParaRPr>
+                    </a:p>
+                  </a:txBody>
+                  <a:tcPr marL="6350" marR="6350" marT="6350" anchor="ctr"/>
+                </a:tc>
+                <a:tc>
+                  <a:txBody>
+                    <a:bodyPr/>
+                    <a:lstStyle/>
+                    <a:p>
+                      <a:pPr algn="ctr" fontAlgn="b"/>
+                      <a:r>
+                        <a:rPr lang="en-US" sz="1800" u="none" strike="noStrike">
+                          <a:effectLst/>
+                        </a:rPr>
+                        <a:t>0.244603044</a:t>
+                      </a:r>
+                      <a:endParaRPr lang="en-US" sz="1800" b="0" i="0" u="none" strike="noStrike">
+                        <a:solidFill>
+                          <a:srgbClr val="000000"/>
+                        </a:solidFill>
+                        <a:effectLst/>
+                        <a:latin typeface="Calibri" panose="020F0502020204030204" pitchFamily="34" charset="0"/>
+                      </a:endParaRPr>
+                    </a:p>
+                  </a:txBody>
+                  <a:tcPr marL="6350" marR="6350" marT="6350" anchor="ctr"/>
+                </a:tc>
+                <a:tc>
+                  <a:txBody>
+                    <a:bodyPr/>
+                    <a:lstStyle/>
+                    <a:p>
+                      <a:pPr algn="ctr" fontAlgn="b"/>
+                      <a:r>
+                        <a:rPr lang="en-US" sz="1800" u="none" strike="noStrike">
+                          <a:effectLst/>
+                        </a:rPr>
+                        <a:t>17444</a:t>
+                      </a:r>
+                      <a:endParaRPr lang="en-US" sz="1800" b="0" i="0" u="none" strike="noStrike">
+                        <a:solidFill>
+                          <a:srgbClr val="000000"/>
+                        </a:solidFill>
+                        <a:effectLst/>
+                        <a:latin typeface="Calibri" panose="020F0502020204030204" pitchFamily="34" charset="0"/>
+                      </a:endParaRPr>
+                    </a:p>
+                  </a:txBody>
+                  <a:tcPr marL="6350" marR="6350" marT="6350" anchor="ctr"/>
+                </a:tc>
+                <a:tc>
+                  <a:txBody>
+                    <a:bodyPr/>
+                    <a:lstStyle/>
+                    <a:p>
+                      <a:pPr algn="ctr" fontAlgn="b"/>
+                      <a:r>
+                        <a:rPr lang="en-US" sz="1800" u="none" strike="noStrike" dirty="0">
+                          <a:effectLst/>
+                        </a:rPr>
+                        <a:t>0.257940727</a:t>
+                      </a:r>
+                      <a:endParaRPr lang="en-US" sz="1800" b="0" i="0" u="none" strike="noStrike" dirty="0">
+                        <a:solidFill>
+                          <a:srgbClr val="000000"/>
+                        </a:solidFill>
+                        <a:effectLst/>
+                        <a:latin typeface="Calibri" panose="020F0502020204030204" pitchFamily="34" charset="0"/>
+                      </a:endParaRPr>
+                    </a:p>
+                  </a:txBody>
+                  <a:tcPr marL="6350" marR="6350" marT="6350" anchor="ctr"/>
+                </a:tc>
+                <a:extLst>
+                  <a:ext uri="{0D108BD9-81ED-4DB2-BD59-A6C34878D82A}">
+                    <a16:rowId xmlns:a16="http://schemas.microsoft.com/office/drawing/2014/main" val="3398105316"/>
+                  </a:ext>
+                </a:extLst>
+              </a:tr>
+            </a:tbl>
+          </a:graphicData>
+        </a:graphic>
+      </p:graphicFrame>
+    </p:spTree>
+    <p:extLst>
+      <p:ext uri="{BB962C8B-B14F-4D97-AF65-F5344CB8AC3E}">
+        <p14:creationId xmlns:p14="http://schemas.microsoft.com/office/powerpoint/2010/main" val="2416189655"/>
+      </p:ext>
+    </p:extLst>
+  </p:cSld>
+  <p:clrMapOvr>
+    <a:masterClrMapping/>
+  </p:clrMapOvr>
+</p:sld>
+</file>
+
+<file path=ppt/slides/slide17.xml><?xml version="1.0" encoding="utf-8"?>
+<p:sld xmlns:a="http://schemas.openxmlformats.org/drawingml/2006/main" xmlns:r="http://schemas.openxmlformats.org/officeDocument/2006/relationships" xmlns:p="http://schemas.openxmlformats.org/presentationml/2006/main">
+  <p:cSld>
+    <p:spTree>
+      <p:nvGrpSpPr>
+        <p:cNvPr id="1" name=""/>
+        <p:cNvGrpSpPr/>
+        <p:nvPr/>
+      </p:nvGrpSpPr>
+      <p:grpSpPr>
+        <a:xfrm>
+          <a:off x="0" y="0"/>
+          <a:ext cx="0" cy="0"/>
+          <a:chOff x="0" y="0"/>
+          <a:chExt cx="0" cy="0"/>
+        </a:xfrm>
+      </p:grpSpPr>
+      <p:sp>
+        <p:nvSpPr>
+          <p:cNvPr id="2" name="Title 1"/>
+          <p:cNvSpPr>
+            <a:spLocks noGrp="1"/>
+          </p:cNvSpPr>
+          <p:nvPr>
+            <p:ph type="title"/>
+          </p:nvPr>
+        </p:nvSpPr>
+        <p:spPr/>
+        <p:txBody>
+          <a:bodyPr/>
+          <a:lstStyle/>
+          <a:p>
+            <a:r>
+              <a:rPr lang="en-US" dirty="0"/>
               <a:t>Summary statistics</a:t>
             </a:r>
           </a:p>
@@ -7187,304 +11371,6 @@
 </p:sld>
 </file>
 
-<file path=ppt/slides/slide11.xml><?xml version="1.0" encoding="utf-8"?>
-<p:sld xmlns:a="http://schemas.openxmlformats.org/drawingml/2006/main" xmlns:r="http://schemas.openxmlformats.org/officeDocument/2006/relationships" xmlns:p="http://schemas.openxmlformats.org/presentationml/2006/main">
-  <p:cSld>
-    <p:spTree>
-      <p:nvGrpSpPr>
-        <p:cNvPr id="1" name=""/>
-        <p:cNvGrpSpPr/>
-        <p:nvPr/>
-      </p:nvGrpSpPr>
-      <p:grpSpPr>
-        <a:xfrm>
-          <a:off x="0" y="0"/>
-          <a:ext cx="0" cy="0"/>
-          <a:chOff x="0" y="0"/>
-          <a:chExt cx="0" cy="0"/>
-        </a:xfrm>
-      </p:grpSpPr>
-      <p:sp>
-        <p:nvSpPr>
-          <p:cNvPr id="2" name="Title 1"/>
-          <p:cNvSpPr>
-            <a:spLocks noGrp="1"/>
-          </p:cNvSpPr>
-          <p:nvPr>
-            <p:ph type="title"/>
-          </p:nvPr>
-        </p:nvSpPr>
-        <p:spPr/>
-        <p:txBody>
-          <a:bodyPr/>
-          <a:lstStyle/>
-          <a:p>
-            <a:r>
-              <a:rPr lang="en-US" dirty="0"/>
-              <a:t>Influence of SNPs on PAM sites</a:t>
-            </a:r>
-          </a:p>
-        </p:txBody>
-      </p:sp>
-      <p:graphicFrame>
-        <p:nvGraphicFramePr>
-          <p:cNvPr id="4" name="Content Placeholder 3">
-            <a:extLst>
-              <a:ext uri="{FF2B5EF4-FFF2-40B4-BE49-F238E27FC236}">
-                <a16:creationId xmlns:a16="http://schemas.microsoft.com/office/drawing/2014/main" id="{C542B712-97DE-4882-9ABA-B40F0D87E662}"/>
-              </a:ext>
-            </a:extLst>
-          </p:cNvPr>
-          <p:cNvGraphicFramePr>
-            <a:graphicFrameLocks noGrp="1"/>
-          </p:cNvGraphicFramePr>
-          <p:nvPr>
-            <p:ph idx="1"/>
-            <p:extLst>
-              <p:ext uri="{D42A27DB-BD31-4B8C-83A1-F6EECF244321}">
-                <p14:modId xmlns:p14="http://schemas.microsoft.com/office/powerpoint/2010/main" val="1326482789"/>
-              </p:ext>
-            </p:extLst>
-          </p:nvPr>
-        </p:nvGraphicFramePr>
-        <p:xfrm>
-          <a:off x="1181100" y="1490870"/>
-          <a:ext cx="9829800" cy="4686093"/>
-        </p:xfrm>
-        <a:graphic>
-          <a:graphicData uri="http://schemas.openxmlformats.org/drawingml/2006/chart">
-            <c:chart xmlns:c="http://schemas.openxmlformats.org/drawingml/2006/chart" xmlns:r="http://schemas.openxmlformats.org/officeDocument/2006/relationships" r:id="rId2"/>
-          </a:graphicData>
-        </a:graphic>
-      </p:graphicFrame>
-    </p:spTree>
-    <p:extLst>
-      <p:ext uri="{BB962C8B-B14F-4D97-AF65-F5344CB8AC3E}">
-        <p14:creationId xmlns:p14="http://schemas.microsoft.com/office/powerpoint/2010/main" val="1193252159"/>
-      </p:ext>
-    </p:extLst>
-  </p:cSld>
-  <p:clrMapOvr>
-    <a:masterClrMapping/>
-  </p:clrMapOvr>
-</p:sld>
-</file>
-
-<file path=ppt/slides/slide12.xml><?xml version="1.0" encoding="utf-8"?>
-<p:sld xmlns:a="http://schemas.openxmlformats.org/drawingml/2006/main" xmlns:r="http://schemas.openxmlformats.org/officeDocument/2006/relationships" xmlns:p="http://schemas.openxmlformats.org/presentationml/2006/main">
-  <p:cSld>
-    <p:spTree>
-      <p:nvGrpSpPr>
-        <p:cNvPr id="1" name=""/>
-        <p:cNvGrpSpPr/>
-        <p:nvPr/>
-      </p:nvGrpSpPr>
-      <p:grpSpPr>
-        <a:xfrm>
-          <a:off x="0" y="0"/>
-          <a:ext cx="0" cy="0"/>
-          <a:chOff x="0" y="0"/>
-          <a:chExt cx="0" cy="0"/>
-        </a:xfrm>
-      </p:grpSpPr>
-      <p:sp>
-        <p:nvSpPr>
-          <p:cNvPr id="2" name="Title 1"/>
-          <p:cNvSpPr>
-            <a:spLocks noGrp="1"/>
-          </p:cNvSpPr>
-          <p:nvPr>
-            <p:ph type="title"/>
-          </p:nvPr>
-        </p:nvSpPr>
-        <p:spPr/>
-        <p:txBody>
-          <a:bodyPr/>
-          <a:lstStyle/>
-          <a:p>
-            <a:r>
-              <a:rPr lang="en-US" dirty="0"/>
-              <a:t>Pipeline</a:t>
-            </a:r>
-          </a:p>
-        </p:txBody>
-      </p:sp>
-      <p:sp>
-        <p:nvSpPr>
-          <p:cNvPr id="3" name="Content Placeholder 2"/>
-          <p:cNvSpPr>
-            <a:spLocks noGrp="1"/>
-          </p:cNvSpPr>
-          <p:nvPr>
-            <p:ph idx="1"/>
-          </p:nvPr>
-        </p:nvSpPr>
-        <p:spPr/>
-        <p:txBody>
-          <a:bodyPr/>
-          <a:lstStyle/>
-          <a:p>
-            <a:pPr marL="0" indent="0">
-              <a:buNone/>
-            </a:pPr>
-            <a:r>
-              <a:rPr lang="en-US" dirty="0"/>
-              <a:t>Calculate the </a:t>
-            </a:r>
-            <a:r>
-              <a:rPr lang="en-US" dirty="0" err="1"/>
-              <a:t>sgRNA</a:t>
-            </a:r>
-            <a:r>
-              <a:rPr lang="en-US" dirty="0"/>
-              <a:t> libraries for the reference genome and Carl’s genome. How different are these two sets? </a:t>
-            </a:r>
-          </a:p>
-        </p:txBody>
-      </p:sp>
-    </p:spTree>
-    <p:extLst>
-      <p:ext uri="{BB962C8B-B14F-4D97-AF65-F5344CB8AC3E}">
-        <p14:creationId xmlns:p14="http://schemas.microsoft.com/office/powerpoint/2010/main" val="190820016"/>
-      </p:ext>
-    </p:extLst>
-  </p:cSld>
-  <p:clrMapOvr>
-    <a:masterClrMapping/>
-  </p:clrMapOvr>
-</p:sld>
-</file>
-
-<file path=ppt/slides/slide13.xml><?xml version="1.0" encoding="utf-8"?>
-<p:sld xmlns:a="http://schemas.openxmlformats.org/drawingml/2006/main" xmlns:r="http://schemas.openxmlformats.org/officeDocument/2006/relationships" xmlns:p="http://schemas.openxmlformats.org/presentationml/2006/main">
-  <p:cSld>
-    <p:spTree>
-      <p:nvGrpSpPr>
-        <p:cNvPr id="1" name=""/>
-        <p:cNvGrpSpPr/>
-        <p:nvPr/>
-      </p:nvGrpSpPr>
-      <p:grpSpPr>
-        <a:xfrm>
-          <a:off x="0" y="0"/>
-          <a:ext cx="0" cy="0"/>
-          <a:chOff x="0" y="0"/>
-          <a:chExt cx="0" cy="0"/>
-        </a:xfrm>
-      </p:grpSpPr>
-      <p:sp>
-        <p:nvSpPr>
-          <p:cNvPr id="2" name="Title 1"/>
-          <p:cNvSpPr>
-            <a:spLocks noGrp="1"/>
-          </p:cNvSpPr>
-          <p:nvPr>
-            <p:ph type="title"/>
-          </p:nvPr>
-        </p:nvSpPr>
-        <p:spPr/>
-        <p:txBody>
-          <a:bodyPr/>
-          <a:lstStyle/>
-          <a:p>
-            <a:r>
-              <a:rPr lang="en-US" dirty="0"/>
-              <a:t>References</a:t>
-            </a:r>
-          </a:p>
-        </p:txBody>
-      </p:sp>
-      <p:sp>
-        <p:nvSpPr>
-          <p:cNvPr id="3" name="Content Placeholder 2"/>
-          <p:cNvSpPr>
-            <a:spLocks noGrp="1"/>
-          </p:cNvSpPr>
-          <p:nvPr>
-            <p:ph idx="1"/>
-          </p:nvPr>
-        </p:nvSpPr>
-        <p:spPr/>
-        <p:txBody>
-          <a:bodyPr/>
-          <a:lstStyle/>
-          <a:p>
-            <a:pPr marL="0" indent="0">
-              <a:buNone/>
-            </a:pPr>
-            <a:r>
-              <a:rPr lang="en-US" dirty="0" err="1"/>
-              <a:t>Doench</a:t>
-            </a:r>
-            <a:r>
-              <a:rPr lang="en-US" dirty="0"/>
-              <a:t>, John G., et al. "Optimized </a:t>
-            </a:r>
-            <a:r>
-              <a:rPr lang="en-US" dirty="0" err="1"/>
-              <a:t>sgRNA</a:t>
-            </a:r>
-            <a:r>
-              <a:rPr lang="en-US" dirty="0"/>
-              <a:t> design to maximize activity and minimize off-target effects of CRISPR-Cas9." </a:t>
-            </a:r>
-            <a:r>
-              <a:rPr lang="en-US" i="1" dirty="0"/>
-              <a:t>Nature biotechnology</a:t>
-            </a:r>
-            <a:r>
-              <a:rPr lang="en-US" dirty="0"/>
-              <a:t> (2016).</a:t>
-            </a:r>
-          </a:p>
-          <a:p>
-            <a:pPr marL="0" indent="0">
-              <a:buNone/>
-            </a:pPr>
-            <a:r>
-              <a:rPr lang="en-US" dirty="0"/>
-              <a:t>Perez, </a:t>
-            </a:r>
-            <a:r>
-              <a:rPr lang="en-US" dirty="0" err="1"/>
-              <a:t>Alexendar</a:t>
-            </a:r>
-            <a:r>
-              <a:rPr lang="en-US" dirty="0"/>
-              <a:t> R., et al. "</a:t>
-            </a:r>
-            <a:r>
-              <a:rPr lang="en-US" dirty="0" err="1"/>
-              <a:t>GuideScan</a:t>
-            </a:r>
-            <a:r>
-              <a:rPr lang="en-US" dirty="0"/>
-              <a:t> software for improved single and paired CRISPR guide RNA design." </a:t>
-            </a:r>
-            <a:r>
-              <a:rPr lang="en-US" i="1" dirty="0"/>
-              <a:t>Nature Biotechnology</a:t>
-            </a:r>
-            <a:r>
-              <a:rPr lang="en-US" dirty="0"/>
-              <a:t> 35.4 (2017): 347-349.</a:t>
-            </a:r>
-          </a:p>
-        </p:txBody>
-      </p:sp>
-    </p:spTree>
-    <p:extLst>
-      <p:ext uri="{BB962C8B-B14F-4D97-AF65-F5344CB8AC3E}">
-        <p14:creationId xmlns:p14="http://schemas.microsoft.com/office/powerpoint/2010/main" val="2483418717"/>
-      </p:ext>
-    </p:extLst>
-  </p:cSld>
-  <p:clrMapOvr>
-    <a:masterClrMapping/>
-  </p:clrMapOvr>
-</p:sld>
-</file>
-
 <file path=ppt/slides/slide2.xml><?xml version="1.0" encoding="utf-8"?>
 <p:sld xmlns:a="http://schemas.openxmlformats.org/drawingml/2006/main" xmlns:r="http://schemas.openxmlformats.org/officeDocument/2006/relationships" xmlns:p="http://schemas.openxmlformats.org/presentationml/2006/main">
   <p:cSld>
@@ -7536,10 +11422,63 @@
         </p:nvSpPr>
         <p:spPr/>
         <p:txBody>
-          <a:bodyPr/>
+          <a:bodyPr>
+            <a:normAutofit fontScale="85000" lnSpcReduction="10000"/>
+          </a:bodyPr>
           <a:lstStyle/>
           <a:p>
-            <a:endParaRPr lang="en-US" dirty="0"/>
+            <a:r>
+              <a:rPr lang="en-US" dirty="0"/>
+              <a:t>Cas9 activity depends on both </a:t>
+            </a:r>
+            <a:r>
+              <a:rPr lang="en-US" dirty="0" err="1"/>
+              <a:t>sgRNA</a:t>
+            </a:r>
+            <a:r>
+              <a:rPr lang="en-US" dirty="0"/>
+              <a:t> sequence and experimental conditions.</a:t>
+            </a:r>
+          </a:p>
+          <a:p>
+            <a:r>
+              <a:rPr lang="en-US" dirty="0"/>
+              <a:t>While obviously conditions inside the human body are difficult to control, knowledge of </a:t>
+            </a:r>
+            <a:r>
+              <a:rPr lang="en-US" dirty="0" err="1"/>
+              <a:t>sgRNA</a:t>
+            </a:r>
+            <a:r>
+              <a:rPr lang="en-US" dirty="0"/>
+              <a:t> sequence will greatly impact the effect of CRISPR/Cas9 efficiency.</a:t>
+            </a:r>
+          </a:p>
+          <a:p>
+            <a:r>
+              <a:rPr lang="en-US" dirty="0"/>
+              <a:t>The many SNPs in Carl’s genome may lead to a variety of different off-target effects, which can be alleviated via well thought out application of CRISPR guide RNA selection rules.</a:t>
+            </a:r>
+          </a:p>
+          <a:p>
+            <a:r>
+              <a:rPr lang="en-US" dirty="0"/>
+              <a:t>Overall, introduction of SNPs will generate novel NGG sites relative to any guide genome, leading to poor effects from any “generalized” CRISPR therapeutic strategies.</a:t>
+            </a:r>
+          </a:p>
+          <a:p>
+            <a:r>
+              <a:rPr lang="en-US" dirty="0"/>
+              <a:t>Any CRISPR therapeutics will therefore require an initial genome sequencing to ensure that a full knowledge of potential </a:t>
+            </a:r>
+            <a:r>
+              <a:rPr lang="en-US" i="1" dirty="0"/>
+              <a:t>S. pyogenes</a:t>
+            </a:r>
+            <a:r>
+              <a:rPr lang="en-US" dirty="0"/>
+              <a:t> CRISPR sites is known.</a:t>
+            </a:r>
           </a:p>
         </p:txBody>
       </p:sp>
@@ -7590,7 +11529,7 @@
           <a:p>
             <a:r>
               <a:rPr lang="en-US" dirty="0"/>
-              <a:t>Writing</a:t>
+              <a:t>Introduction</a:t>
             </a:r>
           </a:p>
         </p:txBody>
@@ -7607,23 +11546,48 @@
         </p:nvSpPr>
         <p:spPr/>
         <p:txBody>
-          <a:bodyPr/>
+          <a:bodyPr>
+            <a:normAutofit/>
+          </a:bodyPr>
           <a:lstStyle/>
           <a:p>
-            <a:pPr marL="0" indent="0">
-              <a:buNone/>
-            </a:pPr>
             <a:r>
               <a:rPr lang="en-US" dirty="0"/>
-              <a:t>How might SNPs in Carl’s genome impact the use of CRISPR as a treatment? Discuss how individual SNPs would impact the off-target effects in the presence of the SNP.</a:t>
-            </a:r>
+              <a:t>Additionally, any SNPs in guide sequence areas would lead to lower Cas9 cleavage rates at those loci.</a:t>
+            </a:r>
+          </a:p>
+          <a:p>
+            <a:r>
+              <a:rPr lang="en-US" dirty="0"/>
+              <a:t>Base-pair mismatches will lead to decreased affinity in on-target sites, but may also lead to increased affinity in off-target sites.</a:t>
+            </a:r>
+          </a:p>
+          <a:p>
+            <a:r>
+              <a:rPr lang="en-US" dirty="0"/>
+              <a:t>Using techniques such as </a:t>
+            </a:r>
+            <a:r>
+              <a:rPr lang="en-US" dirty="0" err="1"/>
+              <a:t>tru</a:t>
+            </a:r>
+            <a:r>
+              <a:rPr lang="en-US" dirty="0"/>
+              <a:t>-gRNA (truncated guide RNA) or a gRNA extension could also lead to more specific cleavage, but this again would be affected by SNP changes.</a:t>
+            </a:r>
+          </a:p>
+          <a:p>
+            <a:endParaRPr lang="en-US" dirty="0"/>
+          </a:p>
+          <a:p>
+            <a:endParaRPr lang="en-US" dirty="0"/>
           </a:p>
         </p:txBody>
       </p:sp>
     </p:spTree>
     <p:extLst>
       <p:ext uri="{BB962C8B-B14F-4D97-AF65-F5344CB8AC3E}">
-        <p14:creationId xmlns:p14="http://schemas.microsoft.com/office/powerpoint/2010/main" val="3614442715"/>
+        <p14:creationId xmlns:p14="http://schemas.microsoft.com/office/powerpoint/2010/main" val="780246970"/>
       </p:ext>
     </p:extLst>
   </p:cSld>
@@ -7667,7 +11631,7 @@
           <a:p>
             <a:r>
               <a:rPr lang="en-US" dirty="0"/>
-              <a:t>Coding</a:t>
+              <a:t>Introduction (cont.)</a:t>
             </a:r>
           </a:p>
         </p:txBody>
@@ -7687,20 +11651,20 @@
           <a:bodyPr/>
           <a:lstStyle/>
           <a:p>
-            <a:pPr marL="0" indent="0">
-              <a:buNone/>
-            </a:pPr>
-            <a:r>
-              <a:rPr lang="en-US" dirty="0"/>
-              <a:t>Propose a tool that finds PAM sites in the human reference genome as well as Carl’s genome and compares the similarity of the two sets.</a:t>
-            </a:r>
+            <a:r>
+              <a:rPr lang="en-US" b="1" dirty="0"/>
+              <a:t>Overall, the best way to avoid SNPs causing both undesired off-target effects or decreased therapeutic efficiency is probably through thorough sequencing and screening of the patient-genome prior to construction of CRISPR gRNA sequences.</a:t>
+            </a:r>
+          </a:p>
+          <a:p>
+            <a:endParaRPr lang="en-US" dirty="0"/>
           </a:p>
         </p:txBody>
       </p:sp>
     </p:spTree>
     <p:extLst>
       <p:ext uri="{BB962C8B-B14F-4D97-AF65-F5344CB8AC3E}">
-        <p14:creationId xmlns:p14="http://schemas.microsoft.com/office/powerpoint/2010/main" val="314085158"/>
+        <p14:creationId xmlns:p14="http://schemas.microsoft.com/office/powerpoint/2010/main" val="183612958"/>
       </p:ext>
     </p:extLst>
   </p:cSld>
@@ -7744,7 +11708,7 @@
           <a:p>
             <a:r>
               <a:rPr lang="en-US" dirty="0"/>
-              <a:t>Coding idea</a:t>
+              <a:t>Writing</a:t>
             </a:r>
           </a:p>
         </p:txBody>
@@ -7764,6 +11728,160 @@
           <a:bodyPr/>
           <a:lstStyle/>
           <a:p>
+            <a:pPr marL="0" indent="0">
+              <a:buNone/>
+            </a:pPr>
+            <a:r>
+              <a:rPr lang="en-US" dirty="0"/>
+              <a:t>How might SNPs in Carl’s genome impact the use of CRISPR as a treatment? Discuss how individual SNPs would impact the off-target effects in the presence of the SNP.</a:t>
+            </a:r>
+          </a:p>
+        </p:txBody>
+      </p:sp>
+    </p:spTree>
+    <p:extLst>
+      <p:ext uri="{BB962C8B-B14F-4D97-AF65-F5344CB8AC3E}">
+        <p14:creationId xmlns:p14="http://schemas.microsoft.com/office/powerpoint/2010/main" val="3614442715"/>
+      </p:ext>
+    </p:extLst>
+  </p:cSld>
+  <p:clrMapOvr>
+    <a:masterClrMapping/>
+  </p:clrMapOvr>
+</p:sld>
+</file>
+
+<file path=ppt/slides/slide6.xml><?xml version="1.0" encoding="utf-8"?>
+<p:sld xmlns:a="http://schemas.openxmlformats.org/drawingml/2006/main" xmlns:r="http://schemas.openxmlformats.org/officeDocument/2006/relationships" xmlns:p="http://schemas.openxmlformats.org/presentationml/2006/main">
+  <p:cSld>
+    <p:spTree>
+      <p:nvGrpSpPr>
+        <p:cNvPr id="1" name=""/>
+        <p:cNvGrpSpPr/>
+        <p:nvPr/>
+      </p:nvGrpSpPr>
+      <p:grpSpPr>
+        <a:xfrm>
+          <a:off x="0" y="0"/>
+          <a:ext cx="0" cy="0"/>
+          <a:chOff x="0" y="0"/>
+          <a:chExt cx="0" cy="0"/>
+        </a:xfrm>
+      </p:grpSpPr>
+      <p:sp>
+        <p:nvSpPr>
+          <p:cNvPr id="2" name="Title 1"/>
+          <p:cNvSpPr>
+            <a:spLocks noGrp="1"/>
+          </p:cNvSpPr>
+          <p:nvPr>
+            <p:ph type="title"/>
+          </p:nvPr>
+        </p:nvSpPr>
+        <p:spPr/>
+        <p:txBody>
+          <a:bodyPr/>
+          <a:lstStyle/>
+          <a:p>
+            <a:r>
+              <a:rPr lang="en-US" dirty="0"/>
+              <a:t>Coding</a:t>
+            </a:r>
+          </a:p>
+        </p:txBody>
+      </p:sp>
+      <p:sp>
+        <p:nvSpPr>
+          <p:cNvPr id="3" name="Content Placeholder 2"/>
+          <p:cNvSpPr>
+            <a:spLocks noGrp="1"/>
+          </p:cNvSpPr>
+          <p:nvPr>
+            <p:ph idx="1"/>
+          </p:nvPr>
+        </p:nvSpPr>
+        <p:spPr/>
+        <p:txBody>
+          <a:bodyPr/>
+          <a:lstStyle/>
+          <a:p>
+            <a:pPr marL="0" indent="0">
+              <a:buNone/>
+            </a:pPr>
+            <a:r>
+              <a:rPr lang="en-US" dirty="0"/>
+              <a:t>Propose a tool that finds PAM sites in the human reference genome as well as Carl’s genome and compares the similarity of the two sets.</a:t>
+            </a:r>
+          </a:p>
+        </p:txBody>
+      </p:sp>
+    </p:spTree>
+    <p:extLst>
+      <p:ext uri="{BB962C8B-B14F-4D97-AF65-F5344CB8AC3E}">
+        <p14:creationId xmlns:p14="http://schemas.microsoft.com/office/powerpoint/2010/main" val="314085158"/>
+      </p:ext>
+    </p:extLst>
+  </p:cSld>
+  <p:clrMapOvr>
+    <a:masterClrMapping/>
+  </p:clrMapOvr>
+</p:sld>
+</file>
+
+<file path=ppt/slides/slide7.xml><?xml version="1.0" encoding="utf-8"?>
+<p:sld xmlns:a="http://schemas.openxmlformats.org/drawingml/2006/main" xmlns:r="http://schemas.openxmlformats.org/officeDocument/2006/relationships" xmlns:p="http://schemas.openxmlformats.org/presentationml/2006/main">
+  <p:cSld>
+    <p:spTree>
+      <p:nvGrpSpPr>
+        <p:cNvPr id="1" name=""/>
+        <p:cNvGrpSpPr/>
+        <p:nvPr/>
+      </p:nvGrpSpPr>
+      <p:grpSpPr>
+        <a:xfrm>
+          <a:off x="0" y="0"/>
+          <a:ext cx="0" cy="0"/>
+          <a:chOff x="0" y="0"/>
+          <a:chExt cx="0" cy="0"/>
+        </a:xfrm>
+      </p:grpSpPr>
+      <p:sp>
+        <p:nvSpPr>
+          <p:cNvPr id="2" name="Title 1"/>
+          <p:cNvSpPr>
+            <a:spLocks noGrp="1"/>
+          </p:cNvSpPr>
+          <p:nvPr>
+            <p:ph type="title"/>
+          </p:nvPr>
+        </p:nvSpPr>
+        <p:spPr/>
+        <p:txBody>
+          <a:bodyPr/>
+          <a:lstStyle/>
+          <a:p>
+            <a:r>
+              <a:rPr lang="en-US" dirty="0"/>
+              <a:t>Coding idea</a:t>
+            </a:r>
+          </a:p>
+        </p:txBody>
+      </p:sp>
+      <p:sp>
+        <p:nvSpPr>
+          <p:cNvPr id="3" name="Content Placeholder 2"/>
+          <p:cNvSpPr>
+            <a:spLocks noGrp="1"/>
+          </p:cNvSpPr>
+          <p:nvPr>
+            <p:ph idx="1"/>
+          </p:nvPr>
+        </p:nvSpPr>
+        <p:spPr/>
+        <p:txBody>
+          <a:bodyPr/>
+          <a:lstStyle/>
+          <a:p>
             <a:r>
               <a:rPr lang="en-US" dirty="0"/>
               <a:t>Take the commonly used CRISPR/Cas9 PAM sites: </a:t>
@@ -7872,7 +11990,7 @@
 </p:sld>
 </file>
 
-<file path=ppt/slides/slide6.xml><?xml version="1.0" encoding="utf-8"?>
+<file path=ppt/slides/slide8.xml><?xml version="1.0" encoding="utf-8"?>
 <p:sld xmlns:a="http://schemas.openxmlformats.org/drawingml/2006/main" xmlns:r="http://schemas.openxmlformats.org/officeDocument/2006/relationships" xmlns:p="http://schemas.openxmlformats.org/presentationml/2006/main">
   <p:cSld>
     <p:spTree>
@@ -7987,7 +12105,7 @@
 </p:sld>
 </file>
 
-<file path=ppt/slides/slide7.xml><?xml version="1.0" encoding="utf-8"?>
+<file path=ppt/slides/slide9.xml><?xml version="1.0" encoding="utf-8"?>
 <p:sld xmlns:a="http://schemas.openxmlformats.org/drawingml/2006/main" xmlns:r="http://schemas.openxmlformats.org/officeDocument/2006/relationships" xmlns:p="http://schemas.openxmlformats.org/presentationml/2006/main">
   <p:cSld>
     <p:spTree>
@@ -8097,3747 +12215,6 @@
     <p:extLst>
       <p:ext uri="{BB962C8B-B14F-4D97-AF65-F5344CB8AC3E}">
         <p14:creationId xmlns:p14="http://schemas.microsoft.com/office/powerpoint/2010/main" val="325527312"/>
-      </p:ext>
-    </p:extLst>
-  </p:cSld>
-  <p:clrMapOvr>
-    <a:masterClrMapping/>
-  </p:clrMapOvr>
-</p:sld>
-</file>
-
-<file path=ppt/slides/slide8.xml><?xml version="1.0" encoding="utf-8"?>
-<p:sld xmlns:a="http://schemas.openxmlformats.org/drawingml/2006/main" xmlns:r="http://schemas.openxmlformats.org/officeDocument/2006/relationships" xmlns:p="http://schemas.openxmlformats.org/presentationml/2006/main">
-  <p:cSld>
-    <p:spTree>
-      <p:nvGrpSpPr>
-        <p:cNvPr id="1" name=""/>
-        <p:cNvGrpSpPr/>
-        <p:nvPr/>
-      </p:nvGrpSpPr>
-      <p:grpSpPr>
-        <a:xfrm>
-          <a:off x="0" y="0"/>
-          <a:ext cx="0" cy="0"/>
-          <a:chOff x="0" y="0"/>
-          <a:chExt cx="0" cy="0"/>
-        </a:xfrm>
-      </p:grpSpPr>
-      <p:sp>
-        <p:nvSpPr>
-          <p:cNvPr id="2" name="Title 1"/>
-          <p:cNvSpPr>
-            <a:spLocks noGrp="1"/>
-          </p:cNvSpPr>
-          <p:nvPr>
-            <p:ph type="title"/>
-          </p:nvPr>
-        </p:nvSpPr>
-        <p:spPr/>
-        <p:txBody>
-          <a:bodyPr/>
-          <a:lstStyle/>
-          <a:p>
-            <a:r>
-              <a:rPr lang="en-US" dirty="0"/>
-              <a:t>Gained and lost PAM sites due to SNPs</a:t>
-            </a:r>
-          </a:p>
-        </p:txBody>
-      </p:sp>
-      <p:graphicFrame>
-        <p:nvGraphicFramePr>
-          <p:cNvPr id="4" name="Content Placeholder 3"/>
-          <p:cNvGraphicFramePr>
-            <a:graphicFrameLocks noGrp="1"/>
-          </p:cNvGraphicFramePr>
-          <p:nvPr>
-            <p:ph idx="1"/>
-            <p:extLst>
-              <p:ext uri="{D42A27DB-BD31-4B8C-83A1-F6EECF244321}">
-                <p14:modId xmlns:p14="http://schemas.microsoft.com/office/powerpoint/2010/main" val="2760010416"/>
-              </p:ext>
-            </p:extLst>
-          </p:nvPr>
-        </p:nvGraphicFramePr>
-        <p:xfrm>
-          <a:off x="838200" y="1825625"/>
-          <a:ext cx="10515600" cy="3708400"/>
-        </p:xfrm>
-        <a:graphic>
-          <a:graphicData uri="http://schemas.openxmlformats.org/drawingml/2006/table">
-            <a:tbl>
-              <a:tblPr firstRow="1" bandRow="1">
-                <a:tableStyleId>{7E9639D4-E3E2-4D34-9284-5A2195B3D0D7}</a:tableStyleId>
-              </a:tblPr>
-              <a:tblGrid>
-                <a:gridCol w="1752600">
-                  <a:extLst>
-                    <a:ext uri="{9D8B030D-6E8A-4147-A177-3AD203B41FA5}">
-                      <a16:colId xmlns:a16="http://schemas.microsoft.com/office/drawing/2014/main" val="3518739994"/>
-                    </a:ext>
-                  </a:extLst>
-                </a:gridCol>
-                <a:gridCol w="1752600">
-                  <a:extLst>
-                    <a:ext uri="{9D8B030D-6E8A-4147-A177-3AD203B41FA5}">
-                      <a16:colId xmlns:a16="http://schemas.microsoft.com/office/drawing/2014/main" val="924848717"/>
-                    </a:ext>
-                  </a:extLst>
-                </a:gridCol>
-                <a:gridCol w="1752600">
-                  <a:extLst>
-                    <a:ext uri="{9D8B030D-6E8A-4147-A177-3AD203B41FA5}">
-                      <a16:colId xmlns:a16="http://schemas.microsoft.com/office/drawing/2014/main" val="920929006"/>
-                    </a:ext>
-                  </a:extLst>
-                </a:gridCol>
-                <a:gridCol w="1752600">
-                  <a:extLst>
-                    <a:ext uri="{9D8B030D-6E8A-4147-A177-3AD203B41FA5}">
-                      <a16:colId xmlns:a16="http://schemas.microsoft.com/office/drawing/2014/main" val="2907751264"/>
-                    </a:ext>
-                  </a:extLst>
-                </a:gridCol>
-                <a:gridCol w="1752600">
-                  <a:extLst>
-                    <a:ext uri="{9D8B030D-6E8A-4147-A177-3AD203B41FA5}">
-                      <a16:colId xmlns:a16="http://schemas.microsoft.com/office/drawing/2014/main" val="1517323258"/>
-                    </a:ext>
-                  </a:extLst>
-                </a:gridCol>
-                <a:gridCol w="1752600">
-                  <a:extLst>
-                    <a:ext uri="{9D8B030D-6E8A-4147-A177-3AD203B41FA5}">
-                      <a16:colId xmlns:a16="http://schemas.microsoft.com/office/drawing/2014/main" val="974522605"/>
-                    </a:ext>
-                  </a:extLst>
-                </a:gridCol>
-              </a:tblGrid>
-              <a:tr h="370840">
-                <a:tc>
-                  <a:txBody>
-                    <a:bodyPr/>
-                    <a:lstStyle/>
-                    <a:p>
-                      <a:pPr algn="ctr" fontAlgn="b"/>
-                      <a:r>
-                        <a:rPr lang="en-US" sz="2000" u="none" strike="noStrike" dirty="0">
-                          <a:effectLst/>
-                        </a:rPr>
-                        <a:t>#</a:t>
-                      </a:r>
-                      <a:r>
-                        <a:rPr lang="en-US" sz="2000" u="none" strike="noStrike" dirty="0" err="1">
-                          <a:effectLst/>
-                        </a:rPr>
-                        <a:t>chrom</a:t>
-                      </a:r>
-                      <a:endParaRPr lang="en-US" sz="2000" b="0" i="0" u="none" strike="noStrike" dirty="0">
-                        <a:solidFill>
-                          <a:srgbClr val="000000"/>
-                        </a:solidFill>
-                        <a:effectLst/>
-                        <a:latin typeface="Calibri" panose="020F0502020204030204" pitchFamily="34" charset="0"/>
-                      </a:endParaRPr>
-                    </a:p>
-                  </a:txBody>
-                  <a:tcPr marL="6350" marR="6350" marT="6350" anchor="ctr"/>
-                </a:tc>
-                <a:tc>
-                  <a:txBody>
-                    <a:bodyPr/>
-                    <a:lstStyle/>
-                    <a:p>
-                      <a:pPr algn="ctr" fontAlgn="b"/>
-                      <a:r>
-                        <a:rPr lang="en-US" sz="2000" u="none" strike="noStrike">
-                          <a:effectLst/>
-                        </a:rPr>
-                        <a:t>pos</a:t>
-                      </a:r>
-                      <a:endParaRPr lang="en-US" sz="2000" b="0" i="0" u="none" strike="noStrike">
-                        <a:solidFill>
-                          <a:srgbClr val="000000"/>
-                        </a:solidFill>
-                        <a:effectLst/>
-                        <a:latin typeface="Calibri" panose="020F0502020204030204" pitchFamily="34" charset="0"/>
-                      </a:endParaRPr>
-                    </a:p>
-                  </a:txBody>
-                  <a:tcPr marL="6350" marR="6350" marT="6350" anchor="ctr"/>
-                </a:tc>
-                <a:tc>
-                  <a:txBody>
-                    <a:bodyPr/>
-                    <a:lstStyle/>
-                    <a:p>
-                      <a:pPr algn="ctr" fontAlgn="b"/>
-                      <a:r>
-                        <a:rPr lang="en-US" sz="2000" u="none" strike="noStrike" dirty="0">
-                          <a:effectLst/>
-                        </a:rPr>
-                        <a:t>change</a:t>
-                      </a:r>
-                      <a:endParaRPr lang="en-US" sz="2000" b="0" i="0" u="none" strike="noStrike" dirty="0">
-                        <a:solidFill>
-                          <a:srgbClr val="000000"/>
-                        </a:solidFill>
-                        <a:effectLst/>
-                        <a:latin typeface="Calibri" panose="020F0502020204030204" pitchFamily="34" charset="0"/>
-                      </a:endParaRPr>
-                    </a:p>
-                  </a:txBody>
-                  <a:tcPr marL="6350" marR="6350" marT="6350" anchor="ctr"/>
-                </a:tc>
-                <a:tc>
-                  <a:txBody>
-                    <a:bodyPr/>
-                    <a:lstStyle/>
-                    <a:p>
-                      <a:pPr algn="ctr" fontAlgn="b"/>
-                      <a:r>
-                        <a:rPr lang="en-US" sz="2000" u="none" strike="noStrike" dirty="0">
-                          <a:effectLst/>
-                        </a:rPr>
-                        <a:t>#</a:t>
-                      </a:r>
-                      <a:r>
-                        <a:rPr lang="en-US" sz="2000" u="none" strike="noStrike" dirty="0" err="1">
-                          <a:effectLst/>
-                        </a:rPr>
-                        <a:t>chrom</a:t>
-                      </a:r>
-                      <a:endParaRPr lang="en-US" sz="2000" b="0" i="0" u="none" strike="noStrike" dirty="0">
-                        <a:solidFill>
-                          <a:srgbClr val="000000"/>
-                        </a:solidFill>
-                        <a:effectLst/>
-                        <a:latin typeface="Calibri" panose="020F0502020204030204" pitchFamily="34" charset="0"/>
-                      </a:endParaRPr>
-                    </a:p>
-                  </a:txBody>
-                  <a:tcPr marL="6350" marR="6350" marT="6350" anchor="ctr"/>
-                </a:tc>
-                <a:tc>
-                  <a:txBody>
-                    <a:bodyPr/>
-                    <a:lstStyle/>
-                    <a:p>
-                      <a:pPr algn="ctr" fontAlgn="b"/>
-                      <a:r>
-                        <a:rPr lang="en-US" sz="2000" u="none" strike="noStrike">
-                          <a:effectLst/>
-                        </a:rPr>
-                        <a:t>pos</a:t>
-                      </a:r>
-                      <a:endParaRPr lang="en-US" sz="2000" b="0" i="0" u="none" strike="noStrike">
-                        <a:solidFill>
-                          <a:srgbClr val="000000"/>
-                        </a:solidFill>
-                        <a:effectLst/>
-                        <a:latin typeface="Calibri" panose="020F0502020204030204" pitchFamily="34" charset="0"/>
-                      </a:endParaRPr>
-                    </a:p>
-                  </a:txBody>
-                  <a:tcPr marL="6350" marR="6350" marT="6350" anchor="ctr"/>
-                </a:tc>
-                <a:tc>
-                  <a:txBody>
-                    <a:bodyPr/>
-                    <a:lstStyle/>
-                    <a:p>
-                      <a:pPr algn="ctr" fontAlgn="b"/>
-                      <a:r>
-                        <a:rPr lang="en-US" sz="2000" u="none" strike="noStrike" dirty="0">
-                          <a:effectLst/>
-                        </a:rPr>
-                        <a:t>change</a:t>
-                      </a:r>
-                      <a:endParaRPr lang="en-US" sz="2000" b="0" i="0" u="none" strike="noStrike" dirty="0">
-                        <a:solidFill>
-                          <a:srgbClr val="000000"/>
-                        </a:solidFill>
-                        <a:effectLst/>
-                        <a:latin typeface="Calibri" panose="020F0502020204030204" pitchFamily="34" charset="0"/>
-                      </a:endParaRPr>
-                    </a:p>
-                  </a:txBody>
-                  <a:tcPr marL="6350" marR="6350" marT="6350" anchor="ctr"/>
-                </a:tc>
-                <a:extLst>
-                  <a:ext uri="{0D108BD9-81ED-4DB2-BD59-A6C34878D82A}">
-                    <a16:rowId xmlns:a16="http://schemas.microsoft.com/office/drawing/2014/main" val="983309287"/>
-                  </a:ext>
-                </a:extLst>
-              </a:tr>
-              <a:tr h="370840">
-                <a:tc>
-                  <a:txBody>
-                    <a:bodyPr/>
-                    <a:lstStyle/>
-                    <a:p>
-                      <a:pPr algn="ctr" fontAlgn="b"/>
-                      <a:r>
-                        <a:rPr lang="en-US" sz="2000" b="0" i="0" u="none" strike="noStrike">
-                          <a:solidFill>
-                            <a:srgbClr val="000000"/>
-                          </a:solidFill>
-                          <a:effectLst/>
-                          <a:latin typeface="Calibri" panose="020F0502020204030204" pitchFamily="34" charset="0"/>
-                        </a:rPr>
-                        <a:t>1</a:t>
-                      </a:r>
-                    </a:p>
-                  </a:txBody>
-                  <a:tcPr marL="6350" marR="6350" marT="6350" anchor="ctr"/>
-                </a:tc>
-                <a:tc>
-                  <a:txBody>
-                    <a:bodyPr/>
-                    <a:lstStyle/>
-                    <a:p>
-                      <a:pPr algn="ctr" fontAlgn="b"/>
-                      <a:r>
-                        <a:rPr lang="en-US" sz="2000" b="0" i="0" u="none" strike="noStrike">
-                          <a:solidFill>
-                            <a:srgbClr val="000000"/>
-                          </a:solidFill>
-                          <a:effectLst/>
-                          <a:latin typeface="Calibri" panose="020F0502020204030204" pitchFamily="34" charset="0"/>
-                        </a:rPr>
-                        <a:t>58209</a:t>
-                      </a:r>
-                    </a:p>
-                  </a:txBody>
-                  <a:tcPr marL="6350" marR="6350" marT="6350" anchor="ctr"/>
-                </a:tc>
-                <a:tc>
-                  <a:txBody>
-                    <a:bodyPr/>
-                    <a:lstStyle/>
-                    <a:p>
-                      <a:pPr algn="ctr" fontAlgn="b"/>
-                      <a:r>
-                        <a:rPr lang="en-US" sz="2000" b="0" i="0" u="none" strike="noStrike">
-                          <a:solidFill>
-                            <a:srgbClr val="000000"/>
-                          </a:solidFill>
-                          <a:effectLst/>
-                          <a:latin typeface="Calibri" panose="020F0502020204030204" pitchFamily="34" charset="0"/>
-                        </a:rPr>
-                        <a:t>gained</a:t>
-                      </a:r>
-                    </a:p>
-                  </a:txBody>
-                  <a:tcPr marL="6350" marR="6350" marT="6350" anchor="ctr"/>
-                </a:tc>
-                <a:tc>
-                  <a:txBody>
-                    <a:bodyPr/>
-                    <a:lstStyle/>
-                    <a:p>
-                      <a:pPr algn="ctr" fontAlgn="b"/>
-                      <a:r>
-                        <a:rPr lang="en-US" sz="2000" b="0" i="0" u="none" strike="noStrike" dirty="0">
-                          <a:solidFill>
-                            <a:srgbClr val="000000"/>
-                          </a:solidFill>
-                          <a:effectLst/>
-                          <a:latin typeface="Calibri" panose="020F0502020204030204" pitchFamily="34" charset="0"/>
-                        </a:rPr>
-                        <a:t>1</a:t>
-                      </a:r>
-                    </a:p>
-                  </a:txBody>
-                  <a:tcPr marL="6350" marR="6350" marT="6350" anchor="ctr"/>
-                </a:tc>
-                <a:tc>
-                  <a:txBody>
-                    <a:bodyPr/>
-                    <a:lstStyle/>
-                    <a:p>
-                      <a:pPr algn="ctr" fontAlgn="b"/>
-                      <a:r>
-                        <a:rPr lang="en-US" sz="2000" b="0" i="0" u="none" strike="noStrike">
-                          <a:solidFill>
-                            <a:srgbClr val="000000"/>
-                          </a:solidFill>
-                          <a:effectLst/>
-                          <a:latin typeface="Calibri" panose="020F0502020204030204" pitchFamily="34" charset="0"/>
-                        </a:rPr>
-                        <a:t>79049</a:t>
-                      </a:r>
-                    </a:p>
-                  </a:txBody>
-                  <a:tcPr marL="6350" marR="6350" marT="6350" anchor="ctr"/>
-                </a:tc>
-                <a:tc>
-                  <a:txBody>
-                    <a:bodyPr/>
-                    <a:lstStyle/>
-                    <a:p>
-                      <a:pPr algn="ctr" fontAlgn="b"/>
-                      <a:r>
-                        <a:rPr lang="en-US" sz="2000" b="0" i="0" u="none" strike="noStrike">
-                          <a:solidFill>
-                            <a:srgbClr val="000000"/>
-                          </a:solidFill>
-                          <a:effectLst/>
-                          <a:latin typeface="Calibri" panose="020F0502020204030204" pitchFamily="34" charset="0"/>
-                        </a:rPr>
-                        <a:t>lost</a:t>
-                      </a:r>
-                    </a:p>
-                  </a:txBody>
-                  <a:tcPr marL="6350" marR="6350" marT="6350" anchor="ctr"/>
-                </a:tc>
-                <a:extLst>
-                  <a:ext uri="{0D108BD9-81ED-4DB2-BD59-A6C34878D82A}">
-                    <a16:rowId xmlns:a16="http://schemas.microsoft.com/office/drawing/2014/main" val="69182184"/>
-                  </a:ext>
-                </a:extLst>
-              </a:tr>
-              <a:tr h="370840">
-                <a:tc>
-                  <a:txBody>
-                    <a:bodyPr/>
-                    <a:lstStyle/>
-                    <a:p>
-                      <a:pPr algn="ctr" fontAlgn="b"/>
-                      <a:r>
-                        <a:rPr lang="en-US" sz="2000" b="0" i="0" u="none" strike="noStrike">
-                          <a:solidFill>
-                            <a:srgbClr val="000000"/>
-                          </a:solidFill>
-                          <a:effectLst/>
-                          <a:latin typeface="Calibri" panose="020F0502020204030204" pitchFamily="34" charset="0"/>
-                        </a:rPr>
-                        <a:t>1</a:t>
-                      </a:r>
-                    </a:p>
-                  </a:txBody>
-                  <a:tcPr marL="6350" marR="6350" marT="6350" anchor="ctr"/>
-                </a:tc>
-                <a:tc>
-                  <a:txBody>
-                    <a:bodyPr/>
-                    <a:lstStyle/>
-                    <a:p>
-                      <a:pPr algn="ctr" fontAlgn="b"/>
-                      <a:r>
-                        <a:rPr lang="en-US" sz="2000" b="0" i="0" u="none" strike="noStrike">
-                          <a:solidFill>
-                            <a:srgbClr val="000000"/>
-                          </a:solidFill>
-                          <a:effectLst/>
-                          <a:latin typeface="Calibri" panose="020F0502020204030204" pitchFamily="34" charset="0"/>
-                        </a:rPr>
-                        <a:t>65743</a:t>
-                      </a:r>
-                    </a:p>
-                  </a:txBody>
-                  <a:tcPr marL="6350" marR="6350" marT="6350" anchor="ctr"/>
-                </a:tc>
-                <a:tc>
-                  <a:txBody>
-                    <a:bodyPr/>
-                    <a:lstStyle/>
-                    <a:p>
-                      <a:pPr algn="ctr" fontAlgn="b"/>
-                      <a:r>
-                        <a:rPr lang="en-US" sz="2000" b="0" i="0" u="none" strike="noStrike">
-                          <a:solidFill>
-                            <a:srgbClr val="000000"/>
-                          </a:solidFill>
-                          <a:effectLst/>
-                          <a:latin typeface="Calibri" panose="020F0502020204030204" pitchFamily="34" charset="0"/>
-                        </a:rPr>
-                        <a:t>gained</a:t>
-                      </a:r>
-                    </a:p>
-                  </a:txBody>
-                  <a:tcPr marL="6350" marR="6350" marT="6350" anchor="ctr"/>
-                </a:tc>
-                <a:tc>
-                  <a:txBody>
-                    <a:bodyPr/>
-                    <a:lstStyle/>
-                    <a:p>
-                      <a:pPr algn="ctr" fontAlgn="b"/>
-                      <a:r>
-                        <a:rPr lang="en-US" sz="2000" b="0" i="0" u="none" strike="noStrike">
-                          <a:solidFill>
-                            <a:srgbClr val="000000"/>
-                          </a:solidFill>
-                          <a:effectLst/>
-                          <a:latin typeface="Calibri" panose="020F0502020204030204" pitchFamily="34" charset="0"/>
-                        </a:rPr>
-                        <a:t>1</a:t>
-                      </a:r>
-                    </a:p>
-                  </a:txBody>
-                  <a:tcPr marL="6350" marR="6350" marT="6350" anchor="ctr"/>
-                </a:tc>
-                <a:tc>
-                  <a:txBody>
-                    <a:bodyPr/>
-                    <a:lstStyle/>
-                    <a:p>
-                      <a:pPr algn="ctr" fontAlgn="b"/>
-                      <a:r>
-                        <a:rPr lang="en-US" sz="2000" b="0" i="0" u="none" strike="noStrike">
-                          <a:solidFill>
-                            <a:srgbClr val="000000"/>
-                          </a:solidFill>
-                          <a:effectLst/>
-                          <a:latin typeface="Calibri" panose="020F0502020204030204" pitchFamily="34" charset="0"/>
-                        </a:rPr>
-                        <a:t>88176</a:t>
-                      </a:r>
-                    </a:p>
-                  </a:txBody>
-                  <a:tcPr marL="6350" marR="6350" marT="6350" anchor="ctr"/>
-                </a:tc>
-                <a:tc>
-                  <a:txBody>
-                    <a:bodyPr/>
-                    <a:lstStyle/>
-                    <a:p>
-                      <a:pPr algn="ctr" fontAlgn="b"/>
-                      <a:r>
-                        <a:rPr lang="en-US" sz="2000" b="0" i="0" u="none" strike="noStrike">
-                          <a:solidFill>
-                            <a:srgbClr val="000000"/>
-                          </a:solidFill>
-                          <a:effectLst/>
-                          <a:latin typeface="Calibri" panose="020F0502020204030204" pitchFamily="34" charset="0"/>
-                        </a:rPr>
-                        <a:t>lost</a:t>
-                      </a:r>
-                    </a:p>
-                  </a:txBody>
-                  <a:tcPr marL="6350" marR="6350" marT="6350" anchor="ctr"/>
-                </a:tc>
-                <a:extLst>
-                  <a:ext uri="{0D108BD9-81ED-4DB2-BD59-A6C34878D82A}">
-                    <a16:rowId xmlns:a16="http://schemas.microsoft.com/office/drawing/2014/main" val="330693263"/>
-                  </a:ext>
-                </a:extLst>
-              </a:tr>
-              <a:tr h="370840">
-                <a:tc>
-                  <a:txBody>
-                    <a:bodyPr/>
-                    <a:lstStyle/>
-                    <a:p>
-                      <a:pPr algn="ctr" fontAlgn="b"/>
-                      <a:r>
-                        <a:rPr lang="en-US" sz="2000" b="0" i="0" u="none" strike="noStrike">
-                          <a:solidFill>
-                            <a:srgbClr val="000000"/>
-                          </a:solidFill>
-                          <a:effectLst/>
-                          <a:latin typeface="Calibri" panose="020F0502020204030204" pitchFamily="34" charset="0"/>
-                        </a:rPr>
-                        <a:t>1</a:t>
-                      </a:r>
-                    </a:p>
-                  </a:txBody>
-                  <a:tcPr marL="6350" marR="6350" marT="6350" anchor="ctr"/>
-                </a:tc>
-                <a:tc>
-                  <a:txBody>
-                    <a:bodyPr/>
-                    <a:lstStyle/>
-                    <a:p>
-                      <a:pPr algn="ctr" fontAlgn="b"/>
-                      <a:r>
-                        <a:rPr lang="en-US" sz="2000" b="0" i="0" u="none" strike="noStrike">
-                          <a:solidFill>
-                            <a:srgbClr val="000000"/>
-                          </a:solidFill>
-                          <a:effectLst/>
-                          <a:latin typeface="Calibri" panose="020F0502020204030204" pitchFamily="34" charset="0"/>
-                        </a:rPr>
-                        <a:t>74553</a:t>
-                      </a:r>
-                    </a:p>
-                  </a:txBody>
-                  <a:tcPr marL="6350" marR="6350" marT="6350" anchor="ctr"/>
-                </a:tc>
-                <a:tc>
-                  <a:txBody>
-                    <a:bodyPr/>
-                    <a:lstStyle/>
-                    <a:p>
-                      <a:pPr algn="ctr" fontAlgn="b"/>
-                      <a:r>
-                        <a:rPr lang="en-US" sz="2000" b="0" i="0" u="none" strike="noStrike">
-                          <a:solidFill>
-                            <a:srgbClr val="000000"/>
-                          </a:solidFill>
-                          <a:effectLst/>
-                          <a:latin typeface="Calibri" panose="020F0502020204030204" pitchFamily="34" charset="0"/>
-                        </a:rPr>
-                        <a:t>gained</a:t>
-                      </a:r>
-                    </a:p>
-                  </a:txBody>
-                  <a:tcPr marL="6350" marR="6350" marT="6350" anchor="ctr"/>
-                </a:tc>
-                <a:tc>
-                  <a:txBody>
-                    <a:bodyPr/>
-                    <a:lstStyle/>
-                    <a:p>
-                      <a:pPr algn="ctr" fontAlgn="b"/>
-                      <a:r>
-                        <a:rPr lang="en-US" sz="2000" b="0" i="0" u="none" strike="noStrike">
-                          <a:solidFill>
-                            <a:srgbClr val="000000"/>
-                          </a:solidFill>
-                          <a:effectLst/>
-                          <a:latin typeface="Calibri" panose="020F0502020204030204" pitchFamily="34" charset="0"/>
-                        </a:rPr>
-                        <a:t>1</a:t>
-                      </a:r>
-                    </a:p>
-                  </a:txBody>
-                  <a:tcPr marL="6350" marR="6350" marT="6350" anchor="ctr"/>
-                </a:tc>
-                <a:tc>
-                  <a:txBody>
-                    <a:bodyPr/>
-                    <a:lstStyle/>
-                    <a:p>
-                      <a:pPr algn="ctr" fontAlgn="b"/>
-                      <a:r>
-                        <a:rPr lang="en-US" sz="2000" b="0" i="0" u="none" strike="noStrike">
-                          <a:solidFill>
-                            <a:srgbClr val="000000"/>
-                          </a:solidFill>
-                          <a:effectLst/>
-                          <a:latin typeface="Calibri" panose="020F0502020204030204" pitchFamily="34" charset="0"/>
-                        </a:rPr>
-                        <a:t>91473</a:t>
-                      </a:r>
-                    </a:p>
-                  </a:txBody>
-                  <a:tcPr marL="6350" marR="6350" marT="6350" anchor="ctr"/>
-                </a:tc>
-                <a:tc>
-                  <a:txBody>
-                    <a:bodyPr/>
-                    <a:lstStyle/>
-                    <a:p>
-                      <a:pPr algn="ctr" fontAlgn="b"/>
-                      <a:r>
-                        <a:rPr lang="en-US" sz="2000" b="0" i="0" u="none" strike="noStrike">
-                          <a:solidFill>
-                            <a:srgbClr val="000000"/>
-                          </a:solidFill>
-                          <a:effectLst/>
-                          <a:latin typeface="Calibri" panose="020F0502020204030204" pitchFamily="34" charset="0"/>
-                        </a:rPr>
-                        <a:t>lost</a:t>
-                      </a:r>
-                    </a:p>
-                  </a:txBody>
-                  <a:tcPr marL="6350" marR="6350" marT="6350" anchor="ctr"/>
-                </a:tc>
-                <a:extLst>
-                  <a:ext uri="{0D108BD9-81ED-4DB2-BD59-A6C34878D82A}">
-                    <a16:rowId xmlns:a16="http://schemas.microsoft.com/office/drawing/2014/main" val="1878148851"/>
-                  </a:ext>
-                </a:extLst>
-              </a:tr>
-              <a:tr h="370840">
-                <a:tc>
-                  <a:txBody>
-                    <a:bodyPr/>
-                    <a:lstStyle/>
-                    <a:p>
-                      <a:pPr algn="ctr" fontAlgn="b"/>
-                      <a:r>
-                        <a:rPr lang="en-US" sz="2000" b="0" i="0" u="none" strike="noStrike">
-                          <a:solidFill>
-                            <a:srgbClr val="000000"/>
-                          </a:solidFill>
-                          <a:effectLst/>
-                          <a:latin typeface="Calibri" panose="020F0502020204030204" pitchFamily="34" charset="0"/>
-                        </a:rPr>
-                        <a:t>1</a:t>
-                      </a:r>
-                    </a:p>
-                  </a:txBody>
-                  <a:tcPr marL="6350" marR="6350" marT="6350" anchor="ctr"/>
-                </a:tc>
-                <a:tc>
-                  <a:txBody>
-                    <a:bodyPr/>
-                    <a:lstStyle/>
-                    <a:p>
-                      <a:pPr algn="ctr" fontAlgn="b"/>
-                      <a:r>
-                        <a:rPr lang="en-US" sz="2000" b="0" i="0" u="none" strike="noStrike">
-                          <a:solidFill>
-                            <a:srgbClr val="000000"/>
-                          </a:solidFill>
-                          <a:effectLst/>
-                          <a:latin typeface="Calibri" panose="020F0502020204030204" pitchFamily="34" charset="0"/>
-                        </a:rPr>
-                        <a:t>122813</a:t>
-                      </a:r>
-                    </a:p>
-                  </a:txBody>
-                  <a:tcPr marL="6350" marR="6350" marT="6350" anchor="ctr"/>
-                </a:tc>
-                <a:tc>
-                  <a:txBody>
-                    <a:bodyPr/>
-                    <a:lstStyle/>
-                    <a:p>
-                      <a:pPr algn="ctr" fontAlgn="b"/>
-                      <a:r>
-                        <a:rPr lang="en-US" sz="2000" b="0" i="0" u="none" strike="noStrike">
-                          <a:solidFill>
-                            <a:srgbClr val="000000"/>
-                          </a:solidFill>
-                          <a:effectLst/>
-                          <a:latin typeface="Calibri" panose="020F0502020204030204" pitchFamily="34" charset="0"/>
-                        </a:rPr>
-                        <a:t>gained</a:t>
-                      </a:r>
-                    </a:p>
-                  </a:txBody>
-                  <a:tcPr marL="6350" marR="6350" marT="6350" anchor="ctr"/>
-                </a:tc>
-                <a:tc>
-                  <a:txBody>
-                    <a:bodyPr/>
-                    <a:lstStyle/>
-                    <a:p>
-                      <a:pPr algn="ctr" fontAlgn="b"/>
-                      <a:r>
-                        <a:rPr lang="en-US" sz="2000" b="0" i="0" u="none" strike="noStrike">
-                          <a:solidFill>
-                            <a:srgbClr val="000000"/>
-                          </a:solidFill>
-                          <a:effectLst/>
-                          <a:latin typeface="Calibri" panose="020F0502020204030204" pitchFamily="34" charset="0"/>
-                        </a:rPr>
-                        <a:t>1</a:t>
-                      </a:r>
-                    </a:p>
-                  </a:txBody>
-                  <a:tcPr marL="6350" marR="6350" marT="6350" anchor="ctr"/>
-                </a:tc>
-                <a:tc>
-                  <a:txBody>
-                    <a:bodyPr/>
-                    <a:lstStyle/>
-                    <a:p>
-                      <a:pPr algn="ctr" fontAlgn="b"/>
-                      <a:r>
-                        <a:rPr lang="en-US" sz="2000" b="0" i="0" u="none" strike="noStrike">
-                          <a:solidFill>
-                            <a:srgbClr val="000000"/>
-                          </a:solidFill>
-                          <a:effectLst/>
-                          <a:latin typeface="Calibri" panose="020F0502020204030204" pitchFamily="34" charset="0"/>
-                        </a:rPr>
-                        <a:t>91474</a:t>
-                      </a:r>
-                    </a:p>
-                  </a:txBody>
-                  <a:tcPr marL="6350" marR="6350" marT="6350" anchor="ctr"/>
-                </a:tc>
-                <a:tc>
-                  <a:txBody>
-                    <a:bodyPr/>
-                    <a:lstStyle/>
-                    <a:p>
-                      <a:pPr algn="ctr" fontAlgn="b"/>
-                      <a:r>
-                        <a:rPr lang="en-US" sz="2000" b="0" i="0" u="none" strike="noStrike">
-                          <a:solidFill>
-                            <a:srgbClr val="000000"/>
-                          </a:solidFill>
-                          <a:effectLst/>
-                          <a:latin typeface="Calibri" panose="020F0502020204030204" pitchFamily="34" charset="0"/>
-                        </a:rPr>
-                        <a:t>lost</a:t>
-                      </a:r>
-                    </a:p>
-                  </a:txBody>
-                  <a:tcPr marL="6350" marR="6350" marT="6350" anchor="ctr"/>
-                </a:tc>
-                <a:extLst>
-                  <a:ext uri="{0D108BD9-81ED-4DB2-BD59-A6C34878D82A}">
-                    <a16:rowId xmlns:a16="http://schemas.microsoft.com/office/drawing/2014/main" val="3652647779"/>
-                  </a:ext>
-                </a:extLst>
-              </a:tr>
-              <a:tr h="370840">
-                <a:tc>
-                  <a:txBody>
-                    <a:bodyPr/>
-                    <a:lstStyle/>
-                    <a:p>
-                      <a:pPr algn="ctr" fontAlgn="b"/>
-                      <a:r>
-                        <a:rPr lang="en-US" sz="2000" b="0" i="0" u="none" strike="noStrike">
-                          <a:solidFill>
-                            <a:srgbClr val="000000"/>
-                          </a:solidFill>
-                          <a:effectLst/>
-                          <a:latin typeface="Calibri" panose="020F0502020204030204" pitchFamily="34" charset="0"/>
-                        </a:rPr>
-                        <a:t>1</a:t>
-                      </a:r>
-                    </a:p>
-                  </a:txBody>
-                  <a:tcPr marL="6350" marR="6350" marT="6350" anchor="ctr"/>
-                </a:tc>
-                <a:tc>
-                  <a:txBody>
-                    <a:bodyPr/>
-                    <a:lstStyle/>
-                    <a:p>
-                      <a:pPr algn="ctr" fontAlgn="b"/>
-                      <a:r>
-                        <a:rPr lang="en-US" sz="2000" b="0" i="0" u="none" strike="noStrike">
-                          <a:solidFill>
-                            <a:srgbClr val="000000"/>
-                          </a:solidFill>
-                          <a:effectLst/>
-                          <a:latin typeface="Calibri" panose="020F0502020204030204" pitchFamily="34" charset="0"/>
-                        </a:rPr>
-                        <a:t>127489</a:t>
-                      </a:r>
-                    </a:p>
-                  </a:txBody>
-                  <a:tcPr marL="6350" marR="6350" marT="6350" anchor="ctr"/>
-                </a:tc>
-                <a:tc>
-                  <a:txBody>
-                    <a:bodyPr/>
-                    <a:lstStyle/>
-                    <a:p>
-                      <a:pPr algn="ctr" fontAlgn="b"/>
-                      <a:r>
-                        <a:rPr lang="en-US" sz="2000" b="0" i="0" u="none" strike="noStrike">
-                          <a:solidFill>
-                            <a:srgbClr val="000000"/>
-                          </a:solidFill>
-                          <a:effectLst/>
-                          <a:latin typeface="Calibri" panose="020F0502020204030204" pitchFamily="34" charset="0"/>
-                        </a:rPr>
-                        <a:t>gained</a:t>
-                      </a:r>
-                    </a:p>
-                  </a:txBody>
-                  <a:tcPr marL="6350" marR="6350" marT="6350" anchor="ctr"/>
-                </a:tc>
-                <a:tc>
-                  <a:txBody>
-                    <a:bodyPr/>
-                    <a:lstStyle/>
-                    <a:p>
-                      <a:pPr algn="ctr" fontAlgn="b"/>
-                      <a:r>
-                        <a:rPr lang="en-US" sz="2000" b="0" i="0" u="none" strike="noStrike">
-                          <a:solidFill>
-                            <a:srgbClr val="000000"/>
-                          </a:solidFill>
-                          <a:effectLst/>
-                          <a:latin typeface="Calibri" panose="020F0502020204030204" pitchFamily="34" charset="0"/>
-                        </a:rPr>
-                        <a:t>1</a:t>
-                      </a:r>
-                    </a:p>
-                  </a:txBody>
-                  <a:tcPr marL="6350" marR="6350" marT="6350" anchor="ctr"/>
-                </a:tc>
-                <a:tc>
-                  <a:txBody>
-                    <a:bodyPr/>
-                    <a:lstStyle/>
-                    <a:p>
-                      <a:pPr algn="ctr" fontAlgn="b"/>
-                      <a:r>
-                        <a:rPr lang="en-US" sz="2000" b="0" i="0" u="none" strike="noStrike">
-                          <a:solidFill>
-                            <a:srgbClr val="000000"/>
-                          </a:solidFill>
-                          <a:effectLst/>
-                          <a:latin typeface="Calibri" panose="020F0502020204030204" pitchFamily="34" charset="0"/>
-                        </a:rPr>
-                        <a:t>101266</a:t>
-                      </a:r>
-                    </a:p>
-                  </a:txBody>
-                  <a:tcPr marL="6350" marR="6350" marT="6350" anchor="ctr"/>
-                </a:tc>
-                <a:tc>
-                  <a:txBody>
-                    <a:bodyPr/>
-                    <a:lstStyle/>
-                    <a:p>
-                      <a:pPr algn="ctr" fontAlgn="b"/>
-                      <a:r>
-                        <a:rPr lang="en-US" sz="2000" b="0" i="0" u="none" strike="noStrike">
-                          <a:solidFill>
-                            <a:srgbClr val="000000"/>
-                          </a:solidFill>
-                          <a:effectLst/>
-                          <a:latin typeface="Calibri" panose="020F0502020204030204" pitchFamily="34" charset="0"/>
-                        </a:rPr>
-                        <a:t>lost</a:t>
-                      </a:r>
-                    </a:p>
-                  </a:txBody>
-                  <a:tcPr marL="6350" marR="6350" marT="6350" anchor="ctr"/>
-                </a:tc>
-                <a:extLst>
-                  <a:ext uri="{0D108BD9-81ED-4DB2-BD59-A6C34878D82A}">
-                    <a16:rowId xmlns:a16="http://schemas.microsoft.com/office/drawing/2014/main" val="1996098709"/>
-                  </a:ext>
-                </a:extLst>
-              </a:tr>
-              <a:tr h="370840">
-                <a:tc>
-                  <a:txBody>
-                    <a:bodyPr/>
-                    <a:lstStyle/>
-                    <a:p>
-                      <a:pPr algn="ctr" fontAlgn="b"/>
-                      <a:r>
-                        <a:rPr lang="en-US" sz="2000" b="0" i="0" u="none" strike="noStrike">
-                          <a:solidFill>
-                            <a:srgbClr val="000000"/>
-                          </a:solidFill>
-                          <a:effectLst/>
-                          <a:latin typeface="Calibri" panose="020F0502020204030204" pitchFamily="34" charset="0"/>
-                        </a:rPr>
-                        <a:t>1</a:t>
-                      </a:r>
-                    </a:p>
-                  </a:txBody>
-                  <a:tcPr marL="6350" marR="6350" marT="6350" anchor="ctr"/>
-                </a:tc>
-                <a:tc>
-                  <a:txBody>
-                    <a:bodyPr/>
-                    <a:lstStyle/>
-                    <a:p>
-                      <a:pPr algn="ctr" fontAlgn="b"/>
-                      <a:r>
-                        <a:rPr lang="en-US" sz="2000" b="0" i="0" u="none" strike="noStrike">
-                          <a:solidFill>
-                            <a:srgbClr val="000000"/>
-                          </a:solidFill>
-                          <a:effectLst/>
-                          <a:latin typeface="Calibri" panose="020F0502020204030204" pitchFamily="34" charset="0"/>
-                        </a:rPr>
-                        <a:t>230057</a:t>
-                      </a:r>
-                    </a:p>
-                  </a:txBody>
-                  <a:tcPr marL="6350" marR="6350" marT="6350" anchor="ctr"/>
-                </a:tc>
-                <a:tc>
-                  <a:txBody>
-                    <a:bodyPr/>
-                    <a:lstStyle/>
-                    <a:p>
-                      <a:pPr algn="ctr" fontAlgn="b"/>
-                      <a:r>
-                        <a:rPr lang="en-US" sz="2000" b="0" i="0" u="none" strike="noStrike">
-                          <a:solidFill>
-                            <a:srgbClr val="000000"/>
-                          </a:solidFill>
-                          <a:effectLst/>
-                          <a:latin typeface="Calibri" panose="020F0502020204030204" pitchFamily="34" charset="0"/>
-                        </a:rPr>
-                        <a:t>gained</a:t>
-                      </a:r>
-                    </a:p>
-                  </a:txBody>
-                  <a:tcPr marL="6350" marR="6350" marT="6350" anchor="ctr"/>
-                </a:tc>
-                <a:tc>
-                  <a:txBody>
-                    <a:bodyPr/>
-                    <a:lstStyle/>
-                    <a:p>
-                      <a:pPr algn="ctr" fontAlgn="b"/>
-                      <a:r>
-                        <a:rPr lang="en-US" sz="2000" b="0" i="0" u="none" strike="noStrike">
-                          <a:solidFill>
-                            <a:srgbClr val="000000"/>
-                          </a:solidFill>
-                          <a:effectLst/>
-                          <a:latin typeface="Calibri" panose="020F0502020204030204" pitchFamily="34" charset="0"/>
-                        </a:rPr>
-                        <a:t>1</a:t>
-                      </a:r>
-                    </a:p>
-                  </a:txBody>
-                  <a:tcPr marL="6350" marR="6350" marT="6350" anchor="ctr"/>
-                </a:tc>
-                <a:tc>
-                  <a:txBody>
-                    <a:bodyPr/>
-                    <a:lstStyle/>
-                    <a:p>
-                      <a:pPr algn="ctr" fontAlgn="b"/>
-                      <a:r>
-                        <a:rPr lang="en-US" sz="2000" b="0" i="0" u="none" strike="noStrike">
-                          <a:solidFill>
-                            <a:srgbClr val="000000"/>
-                          </a:solidFill>
-                          <a:effectLst/>
-                          <a:latin typeface="Calibri" panose="020F0502020204030204" pitchFamily="34" charset="0"/>
-                        </a:rPr>
-                        <a:t>133482</a:t>
-                      </a:r>
-                    </a:p>
-                  </a:txBody>
-                  <a:tcPr marL="6350" marR="6350" marT="6350" anchor="ctr"/>
-                </a:tc>
-                <a:tc>
-                  <a:txBody>
-                    <a:bodyPr/>
-                    <a:lstStyle/>
-                    <a:p>
-                      <a:pPr algn="ctr" fontAlgn="b"/>
-                      <a:r>
-                        <a:rPr lang="en-US" sz="2000" b="0" i="0" u="none" strike="noStrike">
-                          <a:solidFill>
-                            <a:srgbClr val="000000"/>
-                          </a:solidFill>
-                          <a:effectLst/>
-                          <a:latin typeface="Calibri" panose="020F0502020204030204" pitchFamily="34" charset="0"/>
-                        </a:rPr>
-                        <a:t>lost</a:t>
-                      </a:r>
-                    </a:p>
-                  </a:txBody>
-                  <a:tcPr marL="6350" marR="6350" marT="6350" anchor="ctr"/>
-                </a:tc>
-                <a:extLst>
-                  <a:ext uri="{0D108BD9-81ED-4DB2-BD59-A6C34878D82A}">
-                    <a16:rowId xmlns:a16="http://schemas.microsoft.com/office/drawing/2014/main" val="750388046"/>
-                  </a:ext>
-                </a:extLst>
-              </a:tr>
-              <a:tr h="370840">
-                <a:tc>
-                  <a:txBody>
-                    <a:bodyPr/>
-                    <a:lstStyle/>
-                    <a:p>
-                      <a:pPr algn="ctr" fontAlgn="b"/>
-                      <a:r>
-                        <a:rPr lang="en-US" sz="2000" b="0" i="0" u="none" strike="noStrike">
-                          <a:solidFill>
-                            <a:srgbClr val="000000"/>
-                          </a:solidFill>
-                          <a:effectLst/>
-                          <a:latin typeface="Calibri" panose="020F0502020204030204" pitchFamily="34" charset="0"/>
-                        </a:rPr>
-                        <a:t>1</a:t>
-                      </a:r>
-                    </a:p>
-                  </a:txBody>
-                  <a:tcPr marL="6350" marR="6350" marT="6350" anchor="ctr"/>
-                </a:tc>
-                <a:tc>
-                  <a:txBody>
-                    <a:bodyPr/>
-                    <a:lstStyle/>
-                    <a:p>
-                      <a:pPr algn="ctr" fontAlgn="b"/>
-                      <a:r>
-                        <a:rPr lang="en-US" sz="2000" b="0" i="0" u="none" strike="noStrike">
-                          <a:solidFill>
-                            <a:srgbClr val="000000"/>
-                          </a:solidFill>
-                          <a:effectLst/>
-                          <a:latin typeface="Calibri" panose="020F0502020204030204" pitchFamily="34" charset="0"/>
-                        </a:rPr>
-                        <a:t>250232</a:t>
-                      </a:r>
-                    </a:p>
-                  </a:txBody>
-                  <a:tcPr marL="6350" marR="6350" marT="6350" anchor="ctr"/>
-                </a:tc>
-                <a:tc>
-                  <a:txBody>
-                    <a:bodyPr/>
-                    <a:lstStyle/>
-                    <a:p>
-                      <a:pPr algn="ctr" fontAlgn="b"/>
-                      <a:r>
-                        <a:rPr lang="en-US" sz="2000" b="0" i="0" u="none" strike="noStrike">
-                          <a:solidFill>
-                            <a:srgbClr val="000000"/>
-                          </a:solidFill>
-                          <a:effectLst/>
-                          <a:latin typeface="Calibri" panose="020F0502020204030204" pitchFamily="34" charset="0"/>
-                        </a:rPr>
-                        <a:t>gained</a:t>
-                      </a:r>
-                    </a:p>
-                  </a:txBody>
-                  <a:tcPr marL="6350" marR="6350" marT="6350" anchor="ctr"/>
-                </a:tc>
-                <a:tc>
-                  <a:txBody>
-                    <a:bodyPr/>
-                    <a:lstStyle/>
-                    <a:p>
-                      <a:pPr algn="ctr" fontAlgn="b"/>
-                      <a:r>
-                        <a:rPr lang="en-US" sz="2000" b="0" i="0" u="none" strike="noStrike">
-                          <a:solidFill>
-                            <a:srgbClr val="000000"/>
-                          </a:solidFill>
-                          <a:effectLst/>
-                          <a:latin typeface="Calibri" panose="020F0502020204030204" pitchFamily="34" charset="0"/>
-                        </a:rPr>
-                        <a:t>1</a:t>
-                      </a:r>
-                    </a:p>
-                  </a:txBody>
-                  <a:tcPr marL="6350" marR="6350" marT="6350" anchor="ctr"/>
-                </a:tc>
-                <a:tc>
-                  <a:txBody>
-                    <a:bodyPr/>
-                    <a:lstStyle/>
-                    <a:p>
-                      <a:pPr algn="ctr" fontAlgn="b"/>
-                      <a:r>
-                        <a:rPr lang="en-US" sz="2000" b="0" i="0" u="none" strike="noStrike">
-                          <a:solidFill>
-                            <a:srgbClr val="000000"/>
-                          </a:solidFill>
-                          <a:effectLst/>
-                          <a:latin typeface="Calibri" panose="020F0502020204030204" pitchFamily="34" charset="0"/>
-                        </a:rPr>
-                        <a:t>239162</a:t>
-                      </a:r>
-                    </a:p>
-                  </a:txBody>
-                  <a:tcPr marL="6350" marR="6350" marT="6350" anchor="ctr"/>
-                </a:tc>
-                <a:tc>
-                  <a:txBody>
-                    <a:bodyPr/>
-                    <a:lstStyle/>
-                    <a:p>
-                      <a:pPr algn="ctr" fontAlgn="b"/>
-                      <a:r>
-                        <a:rPr lang="en-US" sz="2000" b="0" i="0" u="none" strike="noStrike" dirty="0">
-                          <a:solidFill>
-                            <a:srgbClr val="000000"/>
-                          </a:solidFill>
-                          <a:effectLst/>
-                          <a:latin typeface="Calibri" panose="020F0502020204030204" pitchFamily="34" charset="0"/>
-                        </a:rPr>
-                        <a:t>lost</a:t>
-                      </a:r>
-                    </a:p>
-                  </a:txBody>
-                  <a:tcPr marL="6350" marR="6350" marT="6350" anchor="ctr"/>
-                </a:tc>
-                <a:extLst>
-                  <a:ext uri="{0D108BD9-81ED-4DB2-BD59-A6C34878D82A}">
-                    <a16:rowId xmlns:a16="http://schemas.microsoft.com/office/drawing/2014/main" val="217637448"/>
-                  </a:ext>
-                </a:extLst>
-              </a:tr>
-              <a:tr h="370840">
-                <a:tc>
-                  <a:txBody>
-                    <a:bodyPr/>
-                    <a:lstStyle/>
-                    <a:p>
-                      <a:pPr algn="ctr" fontAlgn="b"/>
-                      <a:r>
-                        <a:rPr lang="en-US" sz="2000" b="0" i="0" u="none" strike="noStrike">
-                          <a:solidFill>
-                            <a:srgbClr val="000000"/>
-                          </a:solidFill>
-                          <a:effectLst/>
-                          <a:latin typeface="Calibri" panose="020F0502020204030204" pitchFamily="34" charset="0"/>
-                        </a:rPr>
-                        <a:t>1</a:t>
-                      </a:r>
-                    </a:p>
-                  </a:txBody>
-                  <a:tcPr marL="6350" marR="6350" marT="6350" anchor="ctr"/>
-                </a:tc>
-                <a:tc>
-                  <a:txBody>
-                    <a:bodyPr/>
-                    <a:lstStyle/>
-                    <a:p>
-                      <a:pPr algn="ctr" fontAlgn="b"/>
-                      <a:r>
-                        <a:rPr lang="en-US" sz="2000" b="0" i="0" u="none" strike="noStrike">
-                          <a:solidFill>
-                            <a:srgbClr val="000000"/>
-                          </a:solidFill>
-                          <a:effectLst/>
-                          <a:latin typeface="Calibri" panose="020F0502020204030204" pitchFamily="34" charset="0"/>
-                        </a:rPr>
-                        <a:t>537535</a:t>
-                      </a:r>
-                    </a:p>
-                  </a:txBody>
-                  <a:tcPr marL="6350" marR="6350" marT="6350" anchor="ctr"/>
-                </a:tc>
-                <a:tc>
-                  <a:txBody>
-                    <a:bodyPr/>
-                    <a:lstStyle/>
-                    <a:p>
-                      <a:pPr algn="ctr" fontAlgn="b"/>
-                      <a:r>
-                        <a:rPr lang="en-US" sz="2000" b="0" i="0" u="none" strike="noStrike">
-                          <a:solidFill>
-                            <a:srgbClr val="000000"/>
-                          </a:solidFill>
-                          <a:effectLst/>
-                          <a:latin typeface="Calibri" panose="020F0502020204030204" pitchFamily="34" charset="0"/>
-                        </a:rPr>
-                        <a:t>gained</a:t>
-                      </a:r>
-                    </a:p>
-                  </a:txBody>
-                  <a:tcPr marL="6350" marR="6350" marT="6350" anchor="ctr"/>
-                </a:tc>
-                <a:tc>
-                  <a:txBody>
-                    <a:bodyPr/>
-                    <a:lstStyle/>
-                    <a:p>
-                      <a:pPr algn="ctr" fontAlgn="b"/>
-                      <a:r>
-                        <a:rPr lang="en-US" sz="2000" b="0" i="0" u="none" strike="noStrike">
-                          <a:solidFill>
-                            <a:srgbClr val="000000"/>
-                          </a:solidFill>
-                          <a:effectLst/>
-                          <a:latin typeface="Calibri" panose="020F0502020204030204" pitchFamily="34" charset="0"/>
-                        </a:rPr>
-                        <a:t>1</a:t>
-                      </a:r>
-                    </a:p>
-                  </a:txBody>
-                  <a:tcPr marL="6350" marR="6350" marT="6350" anchor="ctr"/>
-                </a:tc>
-                <a:tc>
-                  <a:txBody>
-                    <a:bodyPr/>
-                    <a:lstStyle/>
-                    <a:p>
-                      <a:pPr algn="ctr" fontAlgn="b"/>
-                      <a:r>
-                        <a:rPr lang="en-US" sz="2000" b="0" i="0" u="none" strike="noStrike">
-                          <a:solidFill>
-                            <a:srgbClr val="000000"/>
-                          </a:solidFill>
-                          <a:effectLst/>
-                          <a:latin typeface="Calibri" panose="020F0502020204030204" pitchFamily="34" charset="0"/>
-                        </a:rPr>
-                        <a:t>239163</a:t>
-                      </a:r>
-                    </a:p>
-                  </a:txBody>
-                  <a:tcPr marL="6350" marR="6350" marT="6350" anchor="ctr"/>
-                </a:tc>
-                <a:tc>
-                  <a:txBody>
-                    <a:bodyPr/>
-                    <a:lstStyle/>
-                    <a:p>
-                      <a:pPr algn="ctr" fontAlgn="b"/>
-                      <a:r>
-                        <a:rPr lang="en-US" sz="2000" b="0" i="0" u="none" strike="noStrike">
-                          <a:solidFill>
-                            <a:srgbClr val="000000"/>
-                          </a:solidFill>
-                          <a:effectLst/>
-                          <a:latin typeface="Calibri" panose="020F0502020204030204" pitchFamily="34" charset="0"/>
-                        </a:rPr>
-                        <a:t>lost</a:t>
-                      </a:r>
-                    </a:p>
-                  </a:txBody>
-                  <a:tcPr marL="6350" marR="6350" marT="6350" anchor="ctr"/>
-                </a:tc>
-                <a:extLst>
-                  <a:ext uri="{0D108BD9-81ED-4DB2-BD59-A6C34878D82A}">
-                    <a16:rowId xmlns:a16="http://schemas.microsoft.com/office/drawing/2014/main" val="3143308900"/>
-                  </a:ext>
-                </a:extLst>
-              </a:tr>
-              <a:tr h="370840">
-                <a:tc>
-                  <a:txBody>
-                    <a:bodyPr/>
-                    <a:lstStyle/>
-                    <a:p>
-                      <a:pPr algn="ctr" fontAlgn="b"/>
-                      <a:r>
-                        <a:rPr lang="en-US" sz="2000" b="0" i="0" u="none" strike="noStrike">
-                          <a:solidFill>
-                            <a:srgbClr val="000000"/>
-                          </a:solidFill>
-                          <a:effectLst/>
-                          <a:latin typeface="Calibri" panose="020F0502020204030204" pitchFamily="34" charset="0"/>
-                        </a:rPr>
-                        <a:t>1</a:t>
-                      </a:r>
-                    </a:p>
-                  </a:txBody>
-                  <a:tcPr marL="6350" marR="6350" marT="6350" anchor="ctr"/>
-                </a:tc>
-                <a:tc>
-                  <a:txBody>
-                    <a:bodyPr/>
-                    <a:lstStyle/>
-                    <a:p>
-                      <a:pPr algn="ctr" fontAlgn="b"/>
-                      <a:r>
-                        <a:rPr lang="en-US" sz="2000" b="0" i="0" u="none" strike="noStrike">
-                          <a:solidFill>
-                            <a:srgbClr val="000000"/>
-                          </a:solidFill>
-                          <a:effectLst/>
-                          <a:latin typeface="Calibri" panose="020F0502020204030204" pitchFamily="34" charset="0"/>
-                        </a:rPr>
-                        <a:t>537536</a:t>
-                      </a:r>
-                    </a:p>
-                  </a:txBody>
-                  <a:tcPr marL="6350" marR="6350" marT="6350" anchor="ctr"/>
-                </a:tc>
-                <a:tc>
-                  <a:txBody>
-                    <a:bodyPr/>
-                    <a:lstStyle/>
-                    <a:p>
-                      <a:pPr algn="ctr" fontAlgn="b"/>
-                      <a:r>
-                        <a:rPr lang="en-US" sz="2000" b="0" i="0" u="none" strike="noStrike" dirty="0">
-                          <a:solidFill>
-                            <a:srgbClr val="000000"/>
-                          </a:solidFill>
-                          <a:effectLst/>
-                          <a:latin typeface="Calibri" panose="020F0502020204030204" pitchFamily="34" charset="0"/>
-                        </a:rPr>
-                        <a:t>gained</a:t>
-                      </a:r>
-                    </a:p>
-                  </a:txBody>
-                  <a:tcPr marL="6350" marR="6350" marT="6350" anchor="ctr"/>
-                </a:tc>
-                <a:tc>
-                  <a:txBody>
-                    <a:bodyPr/>
-                    <a:lstStyle/>
-                    <a:p>
-                      <a:pPr algn="ctr" fontAlgn="b"/>
-                      <a:r>
-                        <a:rPr lang="en-US" sz="2000" b="0" i="0" u="none" strike="noStrike">
-                          <a:solidFill>
-                            <a:srgbClr val="000000"/>
-                          </a:solidFill>
-                          <a:effectLst/>
-                          <a:latin typeface="Calibri" panose="020F0502020204030204" pitchFamily="34" charset="0"/>
-                        </a:rPr>
-                        <a:t>1</a:t>
-                      </a:r>
-                    </a:p>
-                  </a:txBody>
-                  <a:tcPr marL="6350" marR="6350" marT="6350" anchor="ctr"/>
-                </a:tc>
-                <a:tc>
-                  <a:txBody>
-                    <a:bodyPr/>
-                    <a:lstStyle/>
-                    <a:p>
-                      <a:pPr algn="ctr" fontAlgn="b"/>
-                      <a:r>
-                        <a:rPr lang="en-US" sz="2000" b="0" i="0" u="none" strike="noStrike">
-                          <a:solidFill>
-                            <a:srgbClr val="000000"/>
-                          </a:solidFill>
-                          <a:effectLst/>
-                          <a:latin typeface="Calibri" panose="020F0502020204030204" pitchFamily="34" charset="0"/>
-                        </a:rPr>
-                        <a:t>242424</a:t>
-                      </a:r>
-                    </a:p>
-                  </a:txBody>
-                  <a:tcPr marL="6350" marR="6350" marT="6350" anchor="ctr"/>
-                </a:tc>
-                <a:tc>
-                  <a:txBody>
-                    <a:bodyPr/>
-                    <a:lstStyle/>
-                    <a:p>
-                      <a:pPr algn="ctr" fontAlgn="b"/>
-                      <a:r>
-                        <a:rPr lang="en-US" sz="2000" b="0" i="0" u="none" strike="noStrike" dirty="0">
-                          <a:solidFill>
-                            <a:srgbClr val="000000"/>
-                          </a:solidFill>
-                          <a:effectLst/>
-                          <a:latin typeface="Calibri" panose="020F0502020204030204" pitchFamily="34" charset="0"/>
-                        </a:rPr>
-                        <a:t>lost</a:t>
-                      </a:r>
-                    </a:p>
-                  </a:txBody>
-                  <a:tcPr marL="6350" marR="6350" marT="6350" anchor="ctr"/>
-                </a:tc>
-                <a:extLst>
-                  <a:ext uri="{0D108BD9-81ED-4DB2-BD59-A6C34878D82A}">
-                    <a16:rowId xmlns:a16="http://schemas.microsoft.com/office/drawing/2014/main" val="3677157615"/>
-                  </a:ext>
-                </a:extLst>
-              </a:tr>
-            </a:tbl>
-          </a:graphicData>
-        </a:graphic>
-      </p:graphicFrame>
-    </p:spTree>
-    <p:extLst>
-      <p:ext uri="{BB962C8B-B14F-4D97-AF65-F5344CB8AC3E}">
-        <p14:creationId xmlns:p14="http://schemas.microsoft.com/office/powerpoint/2010/main" val="1567057692"/>
-      </p:ext>
-    </p:extLst>
-  </p:cSld>
-  <p:clrMapOvr>
-    <a:masterClrMapping/>
-  </p:clrMapOvr>
-</p:sld>
-</file>
-
-<file path=ppt/slides/slide9.xml><?xml version="1.0" encoding="utf-8"?>
-<p:sld xmlns:a="http://schemas.openxmlformats.org/drawingml/2006/main" xmlns:r="http://schemas.openxmlformats.org/officeDocument/2006/relationships" xmlns:p="http://schemas.openxmlformats.org/presentationml/2006/main">
-  <p:cSld>
-    <p:spTree>
-      <p:nvGrpSpPr>
-        <p:cNvPr id="1" name=""/>
-        <p:cNvGrpSpPr/>
-        <p:nvPr/>
-      </p:nvGrpSpPr>
-      <p:grpSpPr>
-        <a:xfrm>
-          <a:off x="0" y="0"/>
-          <a:ext cx="0" cy="0"/>
-          <a:chOff x="0" y="0"/>
-          <a:chExt cx="0" cy="0"/>
-        </a:xfrm>
-      </p:grpSpPr>
-      <p:sp>
-        <p:nvSpPr>
-          <p:cNvPr id="2" name="Title 1"/>
-          <p:cNvSpPr>
-            <a:spLocks noGrp="1"/>
-          </p:cNvSpPr>
-          <p:nvPr>
-            <p:ph type="title"/>
-          </p:nvPr>
-        </p:nvSpPr>
-        <p:spPr/>
-        <p:txBody>
-          <a:bodyPr/>
-          <a:lstStyle/>
-          <a:p>
-            <a:r>
-              <a:rPr lang="en-US" dirty="0"/>
-              <a:t>Summary statistics</a:t>
-            </a:r>
-          </a:p>
-        </p:txBody>
-      </p:sp>
-      <p:graphicFrame>
-        <p:nvGraphicFramePr>
-          <p:cNvPr id="4" name="Content Placeholder 3"/>
-          <p:cNvGraphicFramePr>
-            <a:graphicFrameLocks noGrp="1"/>
-          </p:cNvGraphicFramePr>
-          <p:nvPr>
-            <p:ph idx="1"/>
-            <p:extLst>
-              <p:ext uri="{D42A27DB-BD31-4B8C-83A1-F6EECF244321}">
-                <p14:modId xmlns:p14="http://schemas.microsoft.com/office/powerpoint/2010/main" val="1443165214"/>
-              </p:ext>
-            </p:extLst>
-          </p:nvPr>
-        </p:nvGraphicFramePr>
-        <p:xfrm>
-          <a:off x="838200" y="1547330"/>
-          <a:ext cx="10515603" cy="4820920"/>
-        </p:xfrm>
-        <a:graphic>
-          <a:graphicData uri="http://schemas.openxmlformats.org/drawingml/2006/table">
-            <a:tbl>
-              <a:tblPr firstRow="1" bandRow="1">
-                <a:tableStyleId>{7E9639D4-E3E2-4D34-9284-5A2195B3D0D7}</a:tableStyleId>
-              </a:tblPr>
-              <a:tblGrid>
-                <a:gridCol w="1502229">
-                  <a:extLst>
-                    <a:ext uri="{9D8B030D-6E8A-4147-A177-3AD203B41FA5}">
-                      <a16:colId xmlns:a16="http://schemas.microsoft.com/office/drawing/2014/main" val="1257842814"/>
-                    </a:ext>
-                  </a:extLst>
-                </a:gridCol>
-                <a:gridCol w="1502229">
-                  <a:extLst>
-                    <a:ext uri="{9D8B030D-6E8A-4147-A177-3AD203B41FA5}">
-                      <a16:colId xmlns:a16="http://schemas.microsoft.com/office/drawing/2014/main" val="2902716218"/>
-                    </a:ext>
-                  </a:extLst>
-                </a:gridCol>
-                <a:gridCol w="1502229">
-                  <a:extLst>
-                    <a:ext uri="{9D8B030D-6E8A-4147-A177-3AD203B41FA5}">
-                      <a16:colId xmlns:a16="http://schemas.microsoft.com/office/drawing/2014/main" val="123718429"/>
-                    </a:ext>
-                  </a:extLst>
-                </a:gridCol>
-                <a:gridCol w="1502229">
-                  <a:extLst>
-                    <a:ext uri="{9D8B030D-6E8A-4147-A177-3AD203B41FA5}">
-                      <a16:colId xmlns:a16="http://schemas.microsoft.com/office/drawing/2014/main" val="810632241"/>
-                    </a:ext>
-                  </a:extLst>
-                </a:gridCol>
-                <a:gridCol w="1502229">
-                  <a:extLst>
-                    <a:ext uri="{9D8B030D-6E8A-4147-A177-3AD203B41FA5}">
-                      <a16:colId xmlns:a16="http://schemas.microsoft.com/office/drawing/2014/main" val="255943226"/>
-                    </a:ext>
-                  </a:extLst>
-                </a:gridCol>
-                <a:gridCol w="1502229">
-                  <a:extLst>
-                    <a:ext uri="{9D8B030D-6E8A-4147-A177-3AD203B41FA5}">
-                      <a16:colId xmlns:a16="http://schemas.microsoft.com/office/drawing/2014/main" val="693276055"/>
-                    </a:ext>
-                  </a:extLst>
-                </a:gridCol>
-                <a:gridCol w="1502229">
-                  <a:extLst>
-                    <a:ext uri="{9D8B030D-6E8A-4147-A177-3AD203B41FA5}">
-                      <a16:colId xmlns:a16="http://schemas.microsoft.com/office/drawing/2014/main" val="1468744975"/>
-                    </a:ext>
-                  </a:extLst>
-                </a:gridCol>
-              </a:tblGrid>
-              <a:tr h="370840">
-                <a:tc>
-                  <a:txBody>
-                    <a:bodyPr/>
-                    <a:lstStyle/>
-                    <a:p>
-                      <a:pPr algn="ctr" fontAlgn="b"/>
-                      <a:r>
-                        <a:rPr lang="en-US" sz="1800" u="none" strike="noStrike" dirty="0" err="1">
-                          <a:effectLst/>
-                        </a:rPr>
-                        <a:t>chr</a:t>
-                      </a:r>
-                      <a:endParaRPr lang="en-US" sz="1800" b="0" i="0" u="none" strike="noStrike" dirty="0">
-                        <a:solidFill>
-                          <a:srgbClr val="000000"/>
-                        </a:solidFill>
-                        <a:effectLst/>
-                        <a:latin typeface="Calibri" panose="020F0502020204030204" pitchFamily="34" charset="0"/>
-                      </a:endParaRPr>
-                    </a:p>
-                  </a:txBody>
-                  <a:tcPr marL="6350" marR="6350" marT="6350" anchor="ctr"/>
-                </a:tc>
-                <a:tc>
-                  <a:txBody>
-                    <a:bodyPr/>
-                    <a:lstStyle/>
-                    <a:p>
-                      <a:pPr algn="ctr" fontAlgn="b"/>
-                      <a:r>
-                        <a:rPr lang="en-US" sz="1800" u="none" strike="noStrike" dirty="0">
-                          <a:effectLst/>
-                        </a:rPr>
-                        <a:t>reference</a:t>
-                      </a:r>
-                      <a:endParaRPr lang="en-US" sz="1800" b="0" i="0" u="none" strike="noStrike" dirty="0">
-                        <a:solidFill>
-                          <a:srgbClr val="000000"/>
-                        </a:solidFill>
-                        <a:effectLst/>
-                        <a:latin typeface="Calibri" panose="020F0502020204030204" pitchFamily="34" charset="0"/>
-                      </a:endParaRPr>
-                    </a:p>
-                  </a:txBody>
-                  <a:tcPr marL="6350" marR="6350" marT="6350" anchor="ctr"/>
-                </a:tc>
-                <a:tc>
-                  <a:txBody>
-                    <a:bodyPr/>
-                    <a:lstStyle/>
-                    <a:p>
-                      <a:pPr algn="ctr" fontAlgn="b"/>
-                      <a:r>
-                        <a:rPr lang="en-US" sz="1800" u="none" strike="noStrike" dirty="0" err="1">
-                          <a:effectLst/>
-                        </a:rPr>
-                        <a:t>Zimmerome</a:t>
-                      </a:r>
-                      <a:endParaRPr lang="en-US" sz="1800" b="0" i="0" u="none" strike="noStrike" dirty="0">
-                        <a:solidFill>
-                          <a:srgbClr val="000000"/>
-                        </a:solidFill>
-                        <a:effectLst/>
-                        <a:latin typeface="Calibri" panose="020F0502020204030204" pitchFamily="34" charset="0"/>
-                      </a:endParaRPr>
-                    </a:p>
-                  </a:txBody>
-                  <a:tcPr marL="6350" marR="6350" marT="6350" anchor="ctr"/>
-                </a:tc>
-                <a:tc>
-                  <a:txBody>
-                    <a:bodyPr/>
-                    <a:lstStyle/>
-                    <a:p>
-                      <a:pPr algn="ctr" fontAlgn="b"/>
-                      <a:r>
-                        <a:rPr lang="en-US" sz="1800" u="none" strike="noStrike">
-                          <a:effectLst/>
-                        </a:rPr>
-                        <a:t>gained</a:t>
-                      </a:r>
-                      <a:endParaRPr lang="en-US" sz="1800" b="0" i="0" u="none" strike="noStrike">
-                        <a:solidFill>
-                          <a:srgbClr val="000000"/>
-                        </a:solidFill>
-                        <a:effectLst/>
-                        <a:latin typeface="Calibri" panose="020F0502020204030204" pitchFamily="34" charset="0"/>
-                      </a:endParaRPr>
-                    </a:p>
-                  </a:txBody>
-                  <a:tcPr marL="6350" marR="6350" marT="6350" anchor="ctr"/>
-                </a:tc>
-                <a:tc>
-                  <a:txBody>
-                    <a:bodyPr/>
-                    <a:lstStyle/>
-                    <a:p>
-                      <a:pPr algn="ctr" fontAlgn="b"/>
-                      <a:r>
-                        <a:rPr lang="en-US" sz="1800" u="none" strike="noStrike">
-                          <a:effectLst/>
-                        </a:rPr>
-                        <a:t>%gained</a:t>
-                      </a:r>
-                      <a:endParaRPr lang="en-US" sz="1800" b="0" i="0" u="none" strike="noStrike">
-                        <a:solidFill>
-                          <a:srgbClr val="000000"/>
-                        </a:solidFill>
-                        <a:effectLst/>
-                        <a:latin typeface="Calibri" panose="020F0502020204030204" pitchFamily="34" charset="0"/>
-                      </a:endParaRPr>
-                    </a:p>
-                  </a:txBody>
-                  <a:tcPr marL="6350" marR="6350" marT="6350" anchor="ctr"/>
-                </a:tc>
-                <a:tc>
-                  <a:txBody>
-                    <a:bodyPr/>
-                    <a:lstStyle/>
-                    <a:p>
-                      <a:pPr algn="ctr" fontAlgn="b"/>
-                      <a:r>
-                        <a:rPr lang="en-US" sz="1800" u="none" strike="noStrike">
-                          <a:effectLst/>
-                        </a:rPr>
-                        <a:t>lost</a:t>
-                      </a:r>
-                      <a:endParaRPr lang="en-US" sz="1800" b="0" i="0" u="none" strike="noStrike">
-                        <a:solidFill>
-                          <a:srgbClr val="000000"/>
-                        </a:solidFill>
-                        <a:effectLst/>
-                        <a:latin typeface="Calibri" panose="020F0502020204030204" pitchFamily="34" charset="0"/>
-                      </a:endParaRPr>
-                    </a:p>
-                  </a:txBody>
-                  <a:tcPr marL="6350" marR="6350" marT="6350" anchor="ctr"/>
-                </a:tc>
-                <a:tc>
-                  <a:txBody>
-                    <a:bodyPr/>
-                    <a:lstStyle/>
-                    <a:p>
-                      <a:pPr algn="ctr" fontAlgn="b"/>
-                      <a:r>
-                        <a:rPr lang="en-US" sz="1800" u="none" strike="noStrike">
-                          <a:effectLst/>
-                        </a:rPr>
-                        <a:t>%lost</a:t>
-                      </a:r>
-                      <a:endParaRPr lang="en-US" sz="1800" b="0" i="0" u="none" strike="noStrike">
-                        <a:solidFill>
-                          <a:srgbClr val="000000"/>
-                        </a:solidFill>
-                        <a:effectLst/>
-                        <a:latin typeface="Calibri" panose="020F0502020204030204" pitchFamily="34" charset="0"/>
-                      </a:endParaRPr>
-                    </a:p>
-                  </a:txBody>
-                  <a:tcPr marL="6350" marR="6350" marT="6350" anchor="ctr"/>
-                </a:tc>
-                <a:extLst>
-                  <a:ext uri="{0D108BD9-81ED-4DB2-BD59-A6C34878D82A}">
-                    <a16:rowId xmlns:a16="http://schemas.microsoft.com/office/drawing/2014/main" val="1918795807"/>
-                  </a:ext>
-                </a:extLst>
-              </a:tr>
-              <a:tr h="370840">
-                <a:tc>
-                  <a:txBody>
-                    <a:bodyPr/>
-                    <a:lstStyle/>
-                    <a:p>
-                      <a:pPr algn="ctr" fontAlgn="b"/>
-                      <a:r>
-                        <a:rPr lang="en-US" sz="1800" u="none" strike="noStrike">
-                          <a:effectLst/>
-                        </a:rPr>
-                        <a:t>1</a:t>
-                      </a:r>
-                      <a:endParaRPr lang="en-US" sz="1800" b="0" i="0" u="none" strike="noStrike">
-                        <a:solidFill>
-                          <a:srgbClr val="000000"/>
-                        </a:solidFill>
-                        <a:effectLst/>
-                        <a:latin typeface="Calibri" panose="020F0502020204030204" pitchFamily="34" charset="0"/>
-                      </a:endParaRPr>
-                    </a:p>
-                  </a:txBody>
-                  <a:tcPr marL="6350" marR="6350" marT="6350" anchor="ctr"/>
-                </a:tc>
-                <a:tc>
-                  <a:txBody>
-                    <a:bodyPr/>
-                    <a:lstStyle/>
-                    <a:p>
-                      <a:pPr algn="ctr" fontAlgn="b"/>
-                      <a:r>
-                        <a:rPr lang="en-US" sz="1800" u="none" strike="noStrike">
-                          <a:effectLst/>
-                        </a:rPr>
-                        <a:t>12264104</a:t>
-                      </a:r>
-                      <a:endParaRPr lang="en-US" sz="1800" b="0" i="0" u="none" strike="noStrike">
-                        <a:solidFill>
-                          <a:srgbClr val="000000"/>
-                        </a:solidFill>
-                        <a:effectLst/>
-                        <a:latin typeface="Calibri" panose="020F0502020204030204" pitchFamily="34" charset="0"/>
-                      </a:endParaRPr>
-                    </a:p>
-                  </a:txBody>
-                  <a:tcPr marL="6350" marR="6350" marT="6350" anchor="ctr"/>
-                </a:tc>
-                <a:tc>
-                  <a:txBody>
-                    <a:bodyPr/>
-                    <a:lstStyle/>
-                    <a:p>
-                      <a:pPr algn="ctr" fontAlgn="b"/>
-                      <a:r>
-                        <a:rPr lang="en-US" sz="1800" u="none" strike="noStrike">
-                          <a:effectLst/>
-                        </a:rPr>
-                        <a:t>12261798</a:t>
-                      </a:r>
-                      <a:endParaRPr lang="en-US" sz="1800" b="0" i="0" u="none" strike="noStrike">
-                        <a:solidFill>
-                          <a:srgbClr val="000000"/>
-                        </a:solidFill>
-                        <a:effectLst/>
-                        <a:latin typeface="Calibri" panose="020F0502020204030204" pitchFamily="34" charset="0"/>
-                      </a:endParaRPr>
-                    </a:p>
-                  </a:txBody>
-                  <a:tcPr marL="6350" marR="6350" marT="6350" anchor="ctr"/>
-                </a:tc>
-                <a:tc>
-                  <a:txBody>
-                    <a:bodyPr/>
-                    <a:lstStyle/>
-                    <a:p>
-                      <a:pPr algn="ctr" fontAlgn="b"/>
-                      <a:r>
-                        <a:rPr lang="en-US" sz="1800" u="none" strike="noStrike">
-                          <a:effectLst/>
-                        </a:rPr>
-                        <a:t>27176</a:t>
-                      </a:r>
-                      <a:endParaRPr lang="en-US" sz="1800" b="0" i="0" u="none" strike="noStrike">
-                        <a:solidFill>
-                          <a:srgbClr val="000000"/>
-                        </a:solidFill>
-                        <a:effectLst/>
-                        <a:latin typeface="Calibri" panose="020F0502020204030204" pitchFamily="34" charset="0"/>
-                      </a:endParaRPr>
-                    </a:p>
-                  </a:txBody>
-                  <a:tcPr marL="6350" marR="6350" marT="6350" anchor="ctr"/>
-                </a:tc>
-                <a:tc>
-                  <a:txBody>
-                    <a:bodyPr/>
-                    <a:lstStyle/>
-                    <a:p>
-                      <a:pPr algn="ctr" fontAlgn="b"/>
-                      <a:r>
-                        <a:rPr lang="en-US" sz="1800" u="none" strike="noStrike">
-                          <a:effectLst/>
-                        </a:rPr>
-                        <a:t>0.221589771</a:t>
-                      </a:r>
-                      <a:endParaRPr lang="en-US" sz="1800" b="0" i="0" u="none" strike="noStrike">
-                        <a:solidFill>
-                          <a:srgbClr val="000000"/>
-                        </a:solidFill>
-                        <a:effectLst/>
-                        <a:latin typeface="Calibri" panose="020F0502020204030204" pitchFamily="34" charset="0"/>
-                      </a:endParaRPr>
-                    </a:p>
-                  </a:txBody>
-                  <a:tcPr marL="6350" marR="6350" marT="6350" anchor="ctr"/>
-                </a:tc>
-                <a:tc>
-                  <a:txBody>
-                    <a:bodyPr/>
-                    <a:lstStyle/>
-                    <a:p>
-                      <a:pPr algn="ctr" fontAlgn="b"/>
-                      <a:r>
-                        <a:rPr lang="en-US" sz="1800" u="none" strike="noStrike">
-                          <a:effectLst/>
-                        </a:rPr>
-                        <a:t>29482</a:t>
-                      </a:r>
-                      <a:endParaRPr lang="en-US" sz="1800" b="0" i="0" u="none" strike="noStrike">
-                        <a:solidFill>
-                          <a:srgbClr val="000000"/>
-                        </a:solidFill>
-                        <a:effectLst/>
-                        <a:latin typeface="Calibri" panose="020F0502020204030204" pitchFamily="34" charset="0"/>
-                      </a:endParaRPr>
-                    </a:p>
-                  </a:txBody>
-                  <a:tcPr marL="6350" marR="6350" marT="6350" anchor="ctr"/>
-                </a:tc>
-                <a:tc>
-                  <a:txBody>
-                    <a:bodyPr/>
-                    <a:lstStyle/>
-                    <a:p>
-                      <a:pPr algn="ctr" fontAlgn="b"/>
-                      <a:r>
-                        <a:rPr lang="en-US" sz="1800" u="none" strike="noStrike">
-                          <a:effectLst/>
-                        </a:rPr>
-                        <a:t>0.240392612</a:t>
-                      </a:r>
-                      <a:endParaRPr lang="en-US" sz="1800" b="0" i="0" u="none" strike="noStrike">
-                        <a:solidFill>
-                          <a:srgbClr val="000000"/>
-                        </a:solidFill>
-                        <a:effectLst/>
-                        <a:latin typeface="Calibri" panose="020F0502020204030204" pitchFamily="34" charset="0"/>
-                      </a:endParaRPr>
-                    </a:p>
-                  </a:txBody>
-                  <a:tcPr marL="6350" marR="6350" marT="6350" anchor="ctr"/>
-                </a:tc>
-                <a:extLst>
-                  <a:ext uri="{0D108BD9-81ED-4DB2-BD59-A6C34878D82A}">
-                    <a16:rowId xmlns:a16="http://schemas.microsoft.com/office/drawing/2014/main" val="700742704"/>
-                  </a:ext>
-                </a:extLst>
-              </a:tr>
-              <a:tr h="370840">
-                <a:tc>
-                  <a:txBody>
-                    <a:bodyPr/>
-                    <a:lstStyle/>
-                    <a:p>
-                      <a:pPr algn="ctr" fontAlgn="b"/>
-                      <a:r>
-                        <a:rPr lang="en-US" sz="1800" u="none" strike="noStrike">
-                          <a:effectLst/>
-                        </a:rPr>
-                        <a:t>2</a:t>
-                      </a:r>
-                      <a:endParaRPr lang="en-US" sz="1800" b="0" i="0" u="none" strike="noStrike">
-                        <a:solidFill>
-                          <a:srgbClr val="000000"/>
-                        </a:solidFill>
-                        <a:effectLst/>
-                        <a:latin typeface="Calibri" panose="020F0502020204030204" pitchFamily="34" charset="0"/>
-                      </a:endParaRPr>
-                    </a:p>
-                  </a:txBody>
-                  <a:tcPr marL="6350" marR="6350" marT="6350" anchor="ctr"/>
-                </a:tc>
-                <a:tc>
-                  <a:txBody>
-                    <a:bodyPr/>
-                    <a:lstStyle/>
-                    <a:p>
-                      <a:pPr algn="ctr" fontAlgn="b"/>
-                      <a:r>
-                        <a:rPr lang="en-US" sz="1800" u="none" strike="noStrike">
-                          <a:effectLst/>
-                        </a:rPr>
-                        <a:t>11987524</a:t>
-                      </a:r>
-                      <a:endParaRPr lang="en-US" sz="1800" b="0" i="0" u="none" strike="noStrike">
-                        <a:solidFill>
-                          <a:srgbClr val="000000"/>
-                        </a:solidFill>
-                        <a:effectLst/>
-                        <a:latin typeface="Calibri" panose="020F0502020204030204" pitchFamily="34" charset="0"/>
-                      </a:endParaRPr>
-                    </a:p>
-                  </a:txBody>
-                  <a:tcPr marL="6350" marR="6350" marT="6350" anchor="ctr"/>
-                </a:tc>
-                <a:tc>
-                  <a:txBody>
-                    <a:bodyPr/>
-                    <a:lstStyle/>
-                    <a:p>
-                      <a:pPr algn="ctr" fontAlgn="b"/>
-                      <a:r>
-                        <a:rPr lang="en-US" sz="1800" u="none" strike="noStrike">
-                          <a:effectLst/>
-                        </a:rPr>
-                        <a:t>11985172</a:t>
-                      </a:r>
-                      <a:endParaRPr lang="en-US" sz="1800" b="0" i="0" u="none" strike="noStrike">
-                        <a:solidFill>
-                          <a:srgbClr val="000000"/>
-                        </a:solidFill>
-                        <a:effectLst/>
-                        <a:latin typeface="Calibri" panose="020F0502020204030204" pitchFamily="34" charset="0"/>
-                      </a:endParaRPr>
-                    </a:p>
-                  </a:txBody>
-                  <a:tcPr marL="6350" marR="6350" marT="6350" anchor="ctr"/>
-                </a:tc>
-                <a:tc>
-                  <a:txBody>
-                    <a:bodyPr/>
-                    <a:lstStyle/>
-                    <a:p>
-                      <a:pPr algn="ctr" fontAlgn="b"/>
-                      <a:r>
-                        <a:rPr lang="en-US" sz="1800" u="none" strike="noStrike">
-                          <a:effectLst/>
-                        </a:rPr>
-                        <a:t>27521</a:t>
-                      </a:r>
-                      <a:endParaRPr lang="en-US" sz="1800" b="0" i="0" u="none" strike="noStrike">
-                        <a:solidFill>
-                          <a:srgbClr val="000000"/>
-                        </a:solidFill>
-                        <a:effectLst/>
-                        <a:latin typeface="Calibri" panose="020F0502020204030204" pitchFamily="34" charset="0"/>
-                      </a:endParaRPr>
-                    </a:p>
-                  </a:txBody>
-                  <a:tcPr marL="6350" marR="6350" marT="6350" anchor="ctr"/>
-                </a:tc>
-                <a:tc>
-                  <a:txBody>
-                    <a:bodyPr/>
-                    <a:lstStyle/>
-                    <a:p>
-                      <a:pPr algn="ctr" fontAlgn="b"/>
-                      <a:r>
-                        <a:rPr lang="en-US" sz="1800" u="none" strike="noStrike">
-                          <a:effectLst/>
-                        </a:rPr>
-                        <a:t>0.229580354</a:t>
-                      </a:r>
-                      <a:endParaRPr lang="en-US" sz="1800" b="0" i="0" u="none" strike="noStrike">
-                        <a:solidFill>
-                          <a:srgbClr val="000000"/>
-                        </a:solidFill>
-                        <a:effectLst/>
-                        <a:latin typeface="Calibri" panose="020F0502020204030204" pitchFamily="34" charset="0"/>
-                      </a:endParaRPr>
-                    </a:p>
-                  </a:txBody>
-                  <a:tcPr marL="6350" marR="6350" marT="6350" anchor="ctr"/>
-                </a:tc>
-                <a:tc>
-                  <a:txBody>
-                    <a:bodyPr/>
-                    <a:lstStyle/>
-                    <a:p>
-                      <a:pPr algn="ctr" fontAlgn="b"/>
-                      <a:r>
-                        <a:rPr lang="en-US" sz="1800" u="none" strike="noStrike">
-                          <a:effectLst/>
-                        </a:rPr>
-                        <a:t>29873</a:t>
-                      </a:r>
-                      <a:endParaRPr lang="en-US" sz="1800" b="0" i="0" u="none" strike="noStrike">
-                        <a:solidFill>
-                          <a:srgbClr val="000000"/>
-                        </a:solidFill>
-                        <a:effectLst/>
-                        <a:latin typeface="Calibri" panose="020F0502020204030204" pitchFamily="34" charset="0"/>
-                      </a:endParaRPr>
-                    </a:p>
-                  </a:txBody>
-                  <a:tcPr marL="6350" marR="6350" marT="6350" anchor="ctr"/>
-                </a:tc>
-                <a:tc>
-                  <a:txBody>
-                    <a:bodyPr/>
-                    <a:lstStyle/>
-                    <a:p>
-                      <a:pPr algn="ctr" fontAlgn="b"/>
-                      <a:r>
-                        <a:rPr lang="en-US" sz="1800" u="none" strike="noStrike">
-                          <a:effectLst/>
-                        </a:rPr>
-                        <a:t>0.249200752</a:t>
-                      </a:r>
-                      <a:endParaRPr lang="en-US" sz="1800" b="0" i="0" u="none" strike="noStrike">
-                        <a:solidFill>
-                          <a:srgbClr val="000000"/>
-                        </a:solidFill>
-                        <a:effectLst/>
-                        <a:latin typeface="Calibri" panose="020F0502020204030204" pitchFamily="34" charset="0"/>
-                      </a:endParaRPr>
-                    </a:p>
-                  </a:txBody>
-                  <a:tcPr marL="6350" marR="6350" marT="6350" anchor="ctr"/>
-                </a:tc>
-                <a:extLst>
-                  <a:ext uri="{0D108BD9-81ED-4DB2-BD59-A6C34878D82A}">
-                    <a16:rowId xmlns:a16="http://schemas.microsoft.com/office/drawing/2014/main" val="857195667"/>
-                  </a:ext>
-                </a:extLst>
-              </a:tr>
-              <a:tr h="370840">
-                <a:tc>
-                  <a:txBody>
-                    <a:bodyPr/>
-                    <a:lstStyle/>
-                    <a:p>
-                      <a:pPr algn="ctr" fontAlgn="b"/>
-                      <a:r>
-                        <a:rPr lang="en-US" sz="1800" u="none" strike="noStrike">
-                          <a:effectLst/>
-                        </a:rPr>
-                        <a:t>3</a:t>
-                      </a:r>
-                      <a:endParaRPr lang="en-US" sz="1800" b="0" i="0" u="none" strike="noStrike">
-                        <a:solidFill>
-                          <a:srgbClr val="000000"/>
-                        </a:solidFill>
-                        <a:effectLst/>
-                        <a:latin typeface="Calibri" panose="020F0502020204030204" pitchFamily="34" charset="0"/>
-                      </a:endParaRPr>
-                    </a:p>
-                  </a:txBody>
-                  <a:tcPr marL="6350" marR="6350" marT="6350" anchor="ctr"/>
-                </a:tc>
-                <a:tc>
-                  <a:txBody>
-                    <a:bodyPr/>
-                    <a:lstStyle/>
-                    <a:p>
-                      <a:pPr algn="ctr" fontAlgn="b"/>
-                      <a:r>
-                        <a:rPr lang="en-US" sz="1800" u="none" strike="noStrike">
-                          <a:effectLst/>
-                        </a:rPr>
-                        <a:t>9540307</a:t>
-                      </a:r>
-                      <a:endParaRPr lang="en-US" sz="1800" b="0" i="0" u="none" strike="noStrike">
-                        <a:solidFill>
-                          <a:srgbClr val="000000"/>
-                        </a:solidFill>
-                        <a:effectLst/>
-                        <a:latin typeface="Calibri" panose="020F0502020204030204" pitchFamily="34" charset="0"/>
-                      </a:endParaRPr>
-                    </a:p>
-                  </a:txBody>
-                  <a:tcPr marL="6350" marR="6350" marT="6350" anchor="ctr"/>
-                </a:tc>
-                <a:tc>
-                  <a:txBody>
-                    <a:bodyPr/>
-                    <a:lstStyle/>
-                    <a:p>
-                      <a:pPr algn="ctr" fontAlgn="b"/>
-                      <a:r>
-                        <a:rPr lang="en-US" sz="1800" u="none" strike="noStrike">
-                          <a:effectLst/>
-                        </a:rPr>
-                        <a:t>9538887</a:t>
-                      </a:r>
-                      <a:endParaRPr lang="en-US" sz="1800" b="0" i="0" u="none" strike="noStrike">
-                        <a:solidFill>
-                          <a:srgbClr val="000000"/>
-                        </a:solidFill>
-                        <a:effectLst/>
-                        <a:latin typeface="Calibri" panose="020F0502020204030204" pitchFamily="34" charset="0"/>
-                      </a:endParaRPr>
-                    </a:p>
-                  </a:txBody>
-                  <a:tcPr marL="6350" marR="6350" marT="6350" anchor="ctr"/>
-                </a:tc>
-                <a:tc>
-                  <a:txBody>
-                    <a:bodyPr/>
-                    <a:lstStyle/>
-                    <a:p>
-                      <a:pPr algn="ctr" fontAlgn="b"/>
-                      <a:r>
-                        <a:rPr lang="en-US" sz="1800" u="none" strike="noStrike">
-                          <a:effectLst/>
-                        </a:rPr>
-                        <a:t>23103</a:t>
-                      </a:r>
-                      <a:endParaRPr lang="en-US" sz="1800" b="0" i="0" u="none" strike="noStrike">
-                        <a:solidFill>
-                          <a:srgbClr val="000000"/>
-                        </a:solidFill>
-                        <a:effectLst/>
-                        <a:latin typeface="Calibri" panose="020F0502020204030204" pitchFamily="34" charset="0"/>
-                      </a:endParaRPr>
-                    </a:p>
-                  </a:txBody>
-                  <a:tcPr marL="6350" marR="6350" marT="6350" anchor="ctr"/>
-                </a:tc>
-                <a:tc>
-                  <a:txBody>
-                    <a:bodyPr/>
-                    <a:lstStyle/>
-                    <a:p>
-                      <a:pPr algn="ctr" fontAlgn="b"/>
-                      <a:r>
-                        <a:rPr lang="en-US" sz="1800" u="none" strike="noStrike">
-                          <a:effectLst/>
-                        </a:rPr>
-                        <a:t>0.242162018</a:t>
-                      </a:r>
-                      <a:endParaRPr lang="en-US" sz="1800" b="0" i="0" u="none" strike="noStrike">
-                        <a:solidFill>
-                          <a:srgbClr val="000000"/>
-                        </a:solidFill>
-                        <a:effectLst/>
-                        <a:latin typeface="Calibri" panose="020F0502020204030204" pitchFamily="34" charset="0"/>
-                      </a:endParaRPr>
-                    </a:p>
-                  </a:txBody>
-                  <a:tcPr marL="6350" marR="6350" marT="6350" anchor="ctr"/>
-                </a:tc>
-                <a:tc>
-                  <a:txBody>
-                    <a:bodyPr/>
-                    <a:lstStyle/>
-                    <a:p>
-                      <a:pPr algn="ctr" fontAlgn="b"/>
-                      <a:r>
-                        <a:rPr lang="en-US" sz="1800" u="none" strike="noStrike">
-                          <a:effectLst/>
-                        </a:rPr>
-                        <a:t>24523</a:t>
-                      </a:r>
-                      <a:endParaRPr lang="en-US" sz="1800" b="0" i="0" u="none" strike="noStrike">
-                        <a:solidFill>
-                          <a:srgbClr val="000000"/>
-                        </a:solidFill>
-                        <a:effectLst/>
-                        <a:latin typeface="Calibri" panose="020F0502020204030204" pitchFamily="34" charset="0"/>
-                      </a:endParaRPr>
-                    </a:p>
-                  </a:txBody>
-                  <a:tcPr marL="6350" marR="6350" marT="6350" anchor="ctr"/>
-                </a:tc>
-                <a:tc>
-                  <a:txBody>
-                    <a:bodyPr/>
-                    <a:lstStyle/>
-                    <a:p>
-                      <a:pPr algn="ctr" fontAlgn="b"/>
-                      <a:r>
-                        <a:rPr lang="en-US" sz="1800" u="none" strike="noStrike">
-                          <a:effectLst/>
-                        </a:rPr>
-                        <a:t>0.257046236</a:t>
-                      </a:r>
-                      <a:endParaRPr lang="en-US" sz="1800" b="0" i="0" u="none" strike="noStrike">
-                        <a:solidFill>
-                          <a:srgbClr val="000000"/>
-                        </a:solidFill>
-                        <a:effectLst/>
-                        <a:latin typeface="Calibri" panose="020F0502020204030204" pitchFamily="34" charset="0"/>
-                      </a:endParaRPr>
-                    </a:p>
-                  </a:txBody>
-                  <a:tcPr marL="6350" marR="6350" marT="6350" anchor="ctr"/>
-                </a:tc>
-                <a:extLst>
-                  <a:ext uri="{0D108BD9-81ED-4DB2-BD59-A6C34878D82A}">
-                    <a16:rowId xmlns:a16="http://schemas.microsoft.com/office/drawing/2014/main" val="1139402494"/>
-                  </a:ext>
-                </a:extLst>
-              </a:tr>
-              <a:tr h="370840">
-                <a:tc>
-                  <a:txBody>
-                    <a:bodyPr/>
-                    <a:lstStyle/>
-                    <a:p>
-                      <a:pPr algn="ctr" fontAlgn="b"/>
-                      <a:r>
-                        <a:rPr lang="en-US" sz="1800" u="none" strike="noStrike">
-                          <a:effectLst/>
-                        </a:rPr>
-                        <a:t>4</a:t>
-                      </a:r>
-                      <a:endParaRPr lang="en-US" sz="1800" b="0" i="0" u="none" strike="noStrike">
-                        <a:solidFill>
-                          <a:srgbClr val="000000"/>
-                        </a:solidFill>
-                        <a:effectLst/>
-                        <a:latin typeface="Calibri" panose="020F0502020204030204" pitchFamily="34" charset="0"/>
-                      </a:endParaRPr>
-                    </a:p>
-                  </a:txBody>
-                  <a:tcPr marL="6350" marR="6350" marT="6350" anchor="ctr"/>
-                </a:tc>
-                <a:tc>
-                  <a:txBody>
-                    <a:bodyPr/>
-                    <a:lstStyle/>
-                    <a:p>
-                      <a:pPr algn="ctr" fontAlgn="b"/>
-                      <a:r>
-                        <a:rPr lang="en-US" sz="1800" u="none" strike="noStrike">
-                          <a:effectLst/>
-                        </a:rPr>
-                        <a:t>8480633</a:t>
-                      </a:r>
-                      <a:endParaRPr lang="en-US" sz="1800" b="0" i="0" u="none" strike="noStrike">
-                        <a:solidFill>
-                          <a:srgbClr val="000000"/>
-                        </a:solidFill>
-                        <a:effectLst/>
-                        <a:latin typeface="Calibri" panose="020F0502020204030204" pitchFamily="34" charset="0"/>
-                      </a:endParaRPr>
-                    </a:p>
-                  </a:txBody>
-                  <a:tcPr marL="6350" marR="6350" marT="6350" anchor="ctr"/>
-                </a:tc>
-                <a:tc>
-                  <a:txBody>
-                    <a:bodyPr/>
-                    <a:lstStyle/>
-                    <a:p>
-                      <a:pPr algn="ctr" fontAlgn="b"/>
-                      <a:r>
-                        <a:rPr lang="en-US" sz="1800" u="none" strike="noStrike" dirty="0">
-                          <a:effectLst/>
-                        </a:rPr>
-                        <a:t>8478943</a:t>
-                      </a:r>
-                      <a:endParaRPr lang="en-US" sz="1800" b="0" i="0" u="none" strike="noStrike" dirty="0">
-                        <a:solidFill>
-                          <a:srgbClr val="000000"/>
-                        </a:solidFill>
-                        <a:effectLst/>
-                        <a:latin typeface="Calibri" panose="020F0502020204030204" pitchFamily="34" charset="0"/>
-                      </a:endParaRPr>
-                    </a:p>
-                  </a:txBody>
-                  <a:tcPr marL="6350" marR="6350" marT="6350" anchor="ctr"/>
-                </a:tc>
-                <a:tc>
-                  <a:txBody>
-                    <a:bodyPr/>
-                    <a:lstStyle/>
-                    <a:p>
-                      <a:pPr algn="ctr" fontAlgn="b"/>
-                      <a:r>
-                        <a:rPr lang="en-US" sz="1800" u="none" strike="noStrike">
-                          <a:effectLst/>
-                        </a:rPr>
-                        <a:t>23941</a:t>
-                      </a:r>
-                      <a:endParaRPr lang="en-US" sz="1800" b="0" i="0" u="none" strike="noStrike">
-                        <a:solidFill>
-                          <a:srgbClr val="000000"/>
-                        </a:solidFill>
-                        <a:effectLst/>
-                        <a:latin typeface="Calibri" panose="020F0502020204030204" pitchFamily="34" charset="0"/>
-                      </a:endParaRPr>
-                    </a:p>
-                  </a:txBody>
-                  <a:tcPr marL="6350" marR="6350" marT="6350" anchor="ctr"/>
-                </a:tc>
-                <a:tc>
-                  <a:txBody>
-                    <a:bodyPr/>
-                    <a:lstStyle/>
-                    <a:p>
-                      <a:pPr algn="ctr" fontAlgn="b"/>
-                      <a:r>
-                        <a:rPr lang="en-US" sz="1800" u="none" strike="noStrike">
-                          <a:effectLst/>
-                        </a:rPr>
-                        <a:t>0.28230204</a:t>
-                      </a:r>
-                      <a:endParaRPr lang="en-US" sz="1800" b="0" i="0" u="none" strike="noStrike">
-                        <a:solidFill>
-                          <a:srgbClr val="000000"/>
-                        </a:solidFill>
-                        <a:effectLst/>
-                        <a:latin typeface="Calibri" panose="020F0502020204030204" pitchFamily="34" charset="0"/>
-                      </a:endParaRPr>
-                    </a:p>
-                  </a:txBody>
-                  <a:tcPr marL="6350" marR="6350" marT="6350" anchor="ctr"/>
-                </a:tc>
-                <a:tc>
-                  <a:txBody>
-                    <a:bodyPr/>
-                    <a:lstStyle/>
-                    <a:p>
-                      <a:pPr algn="ctr" fontAlgn="b"/>
-                      <a:r>
-                        <a:rPr lang="en-US" sz="1800" u="none" strike="noStrike">
-                          <a:effectLst/>
-                        </a:rPr>
-                        <a:t>25631</a:t>
-                      </a:r>
-                      <a:endParaRPr lang="en-US" sz="1800" b="0" i="0" u="none" strike="noStrike">
-                        <a:solidFill>
-                          <a:srgbClr val="000000"/>
-                        </a:solidFill>
-                        <a:effectLst/>
-                        <a:latin typeface="Calibri" panose="020F0502020204030204" pitchFamily="34" charset="0"/>
-                      </a:endParaRPr>
-                    </a:p>
-                  </a:txBody>
-                  <a:tcPr marL="6350" marR="6350" marT="6350" anchor="ctr"/>
-                </a:tc>
-                <a:tc>
-                  <a:txBody>
-                    <a:bodyPr/>
-                    <a:lstStyle/>
-                    <a:p>
-                      <a:pPr algn="ctr" fontAlgn="b"/>
-                      <a:r>
-                        <a:rPr lang="en-US" sz="1800" u="none" strike="noStrike">
-                          <a:effectLst/>
-                        </a:rPr>
-                        <a:t>0.302229798</a:t>
-                      </a:r>
-                      <a:endParaRPr lang="en-US" sz="1800" b="0" i="0" u="none" strike="noStrike">
-                        <a:solidFill>
-                          <a:srgbClr val="000000"/>
-                        </a:solidFill>
-                        <a:effectLst/>
-                        <a:latin typeface="Calibri" panose="020F0502020204030204" pitchFamily="34" charset="0"/>
-                      </a:endParaRPr>
-                    </a:p>
-                  </a:txBody>
-                  <a:tcPr marL="6350" marR="6350" marT="6350" anchor="ctr"/>
-                </a:tc>
-                <a:extLst>
-                  <a:ext uri="{0D108BD9-81ED-4DB2-BD59-A6C34878D82A}">
-                    <a16:rowId xmlns:a16="http://schemas.microsoft.com/office/drawing/2014/main" val="2227784199"/>
-                  </a:ext>
-                </a:extLst>
-              </a:tr>
-              <a:tr h="370840">
-                <a:tc>
-                  <a:txBody>
-                    <a:bodyPr/>
-                    <a:lstStyle/>
-                    <a:p>
-                      <a:pPr algn="ctr" fontAlgn="b"/>
-                      <a:r>
-                        <a:rPr lang="en-US" sz="1800" u="none" strike="noStrike">
-                          <a:effectLst/>
-                        </a:rPr>
-                        <a:t>5</a:t>
-                      </a:r>
-                      <a:endParaRPr lang="en-US" sz="1800" b="0" i="0" u="none" strike="noStrike">
-                        <a:solidFill>
-                          <a:srgbClr val="000000"/>
-                        </a:solidFill>
-                        <a:effectLst/>
-                        <a:latin typeface="Calibri" panose="020F0502020204030204" pitchFamily="34" charset="0"/>
-                      </a:endParaRPr>
-                    </a:p>
-                  </a:txBody>
-                  <a:tcPr marL="6350" marR="6350" marT="6350" anchor="ctr"/>
-                </a:tc>
-                <a:tc>
-                  <a:txBody>
-                    <a:bodyPr/>
-                    <a:lstStyle/>
-                    <a:p>
-                      <a:pPr algn="ctr" fontAlgn="b"/>
-                      <a:r>
-                        <a:rPr lang="en-US" sz="1800" u="none" strike="noStrike">
-                          <a:effectLst/>
-                        </a:rPr>
-                        <a:t>8601743</a:t>
-                      </a:r>
-                      <a:endParaRPr lang="en-US" sz="1800" b="0" i="0" u="none" strike="noStrike">
-                        <a:solidFill>
-                          <a:srgbClr val="000000"/>
-                        </a:solidFill>
-                        <a:effectLst/>
-                        <a:latin typeface="Calibri" panose="020F0502020204030204" pitchFamily="34" charset="0"/>
-                      </a:endParaRPr>
-                    </a:p>
-                  </a:txBody>
-                  <a:tcPr marL="6350" marR="6350" marT="6350" anchor="ctr"/>
-                </a:tc>
-                <a:tc>
-                  <a:txBody>
-                    <a:bodyPr/>
-                    <a:lstStyle/>
-                    <a:p>
-                      <a:pPr algn="ctr" fontAlgn="b"/>
-                      <a:r>
-                        <a:rPr lang="en-US" sz="1800" u="none" strike="noStrike">
-                          <a:effectLst/>
-                        </a:rPr>
-                        <a:t>8600170</a:t>
-                      </a:r>
-                      <a:endParaRPr lang="en-US" sz="1800" b="0" i="0" u="none" strike="noStrike">
-                        <a:solidFill>
-                          <a:srgbClr val="000000"/>
-                        </a:solidFill>
-                        <a:effectLst/>
-                        <a:latin typeface="Calibri" panose="020F0502020204030204" pitchFamily="34" charset="0"/>
-                      </a:endParaRPr>
-                    </a:p>
-                  </a:txBody>
-                  <a:tcPr marL="6350" marR="6350" marT="6350" anchor="ctr"/>
-                </a:tc>
-                <a:tc>
-                  <a:txBody>
-                    <a:bodyPr/>
-                    <a:lstStyle/>
-                    <a:p>
-                      <a:pPr algn="ctr" fontAlgn="b"/>
-                      <a:r>
-                        <a:rPr lang="en-US" sz="1800" u="none" strike="noStrike">
-                          <a:effectLst/>
-                        </a:rPr>
-                        <a:t>20683</a:t>
-                      </a:r>
-                      <a:endParaRPr lang="en-US" sz="1800" b="0" i="0" u="none" strike="noStrike">
-                        <a:solidFill>
-                          <a:srgbClr val="000000"/>
-                        </a:solidFill>
-                        <a:effectLst/>
-                        <a:latin typeface="Calibri" panose="020F0502020204030204" pitchFamily="34" charset="0"/>
-                      </a:endParaRPr>
-                    </a:p>
-                  </a:txBody>
-                  <a:tcPr marL="6350" marR="6350" marT="6350" anchor="ctr"/>
-                </a:tc>
-                <a:tc>
-                  <a:txBody>
-                    <a:bodyPr/>
-                    <a:lstStyle/>
-                    <a:p>
-                      <a:pPr algn="ctr" fontAlgn="b"/>
-                      <a:r>
-                        <a:rPr lang="en-US" sz="1800" u="none" strike="noStrike">
-                          <a:effectLst/>
-                        </a:rPr>
-                        <a:t>0.240451267</a:t>
-                      </a:r>
-                      <a:endParaRPr lang="en-US" sz="1800" b="0" i="0" u="none" strike="noStrike">
-                        <a:solidFill>
-                          <a:srgbClr val="000000"/>
-                        </a:solidFill>
-                        <a:effectLst/>
-                        <a:latin typeface="Calibri" panose="020F0502020204030204" pitchFamily="34" charset="0"/>
-                      </a:endParaRPr>
-                    </a:p>
-                  </a:txBody>
-                  <a:tcPr marL="6350" marR="6350" marT="6350" anchor="ctr"/>
-                </a:tc>
-                <a:tc>
-                  <a:txBody>
-                    <a:bodyPr/>
-                    <a:lstStyle/>
-                    <a:p>
-                      <a:pPr algn="ctr" fontAlgn="b"/>
-                      <a:r>
-                        <a:rPr lang="en-US" sz="1800" u="none" strike="noStrike">
-                          <a:effectLst/>
-                        </a:rPr>
-                        <a:t>22256</a:t>
-                      </a:r>
-                      <a:endParaRPr lang="en-US" sz="1800" b="0" i="0" u="none" strike="noStrike">
-                        <a:solidFill>
-                          <a:srgbClr val="000000"/>
-                        </a:solidFill>
-                        <a:effectLst/>
-                        <a:latin typeface="Calibri" panose="020F0502020204030204" pitchFamily="34" charset="0"/>
-                      </a:endParaRPr>
-                    </a:p>
-                  </a:txBody>
-                  <a:tcPr marL="6350" marR="6350" marT="6350" anchor="ctr"/>
-                </a:tc>
-                <a:tc>
-                  <a:txBody>
-                    <a:bodyPr/>
-                    <a:lstStyle/>
-                    <a:p>
-                      <a:pPr algn="ctr" fontAlgn="b"/>
-                      <a:r>
-                        <a:rPr lang="en-US" sz="1800" u="none" strike="noStrike">
-                          <a:effectLst/>
-                        </a:rPr>
-                        <a:t>0.258738258</a:t>
-                      </a:r>
-                      <a:endParaRPr lang="en-US" sz="1800" b="0" i="0" u="none" strike="noStrike">
-                        <a:solidFill>
-                          <a:srgbClr val="000000"/>
-                        </a:solidFill>
-                        <a:effectLst/>
-                        <a:latin typeface="Calibri" panose="020F0502020204030204" pitchFamily="34" charset="0"/>
-                      </a:endParaRPr>
-                    </a:p>
-                  </a:txBody>
-                  <a:tcPr marL="6350" marR="6350" marT="6350" anchor="ctr"/>
-                </a:tc>
-                <a:extLst>
-                  <a:ext uri="{0D108BD9-81ED-4DB2-BD59-A6C34878D82A}">
-                    <a16:rowId xmlns:a16="http://schemas.microsoft.com/office/drawing/2014/main" val="3162097595"/>
-                  </a:ext>
-                </a:extLst>
-              </a:tr>
-              <a:tr h="370840">
-                <a:tc>
-                  <a:txBody>
-                    <a:bodyPr/>
-                    <a:lstStyle/>
-                    <a:p>
-                      <a:pPr algn="ctr" fontAlgn="b"/>
-                      <a:r>
-                        <a:rPr lang="en-US" sz="1800" u="none" strike="noStrike">
-                          <a:effectLst/>
-                        </a:rPr>
-                        <a:t>6</a:t>
-                      </a:r>
-                      <a:endParaRPr lang="en-US" sz="1800" b="0" i="0" u="none" strike="noStrike">
-                        <a:solidFill>
-                          <a:srgbClr val="000000"/>
-                        </a:solidFill>
-                        <a:effectLst/>
-                        <a:latin typeface="Calibri" panose="020F0502020204030204" pitchFamily="34" charset="0"/>
-                      </a:endParaRPr>
-                    </a:p>
-                  </a:txBody>
-                  <a:tcPr marL="6350" marR="6350" marT="6350" anchor="ctr"/>
-                </a:tc>
-                <a:tc>
-                  <a:txBody>
-                    <a:bodyPr/>
-                    <a:lstStyle/>
-                    <a:p>
-                      <a:pPr algn="ctr" fontAlgn="b"/>
-                      <a:r>
-                        <a:rPr lang="en-US" sz="1800" u="none" strike="noStrike">
-                          <a:effectLst/>
-                        </a:rPr>
-                        <a:t>8148515</a:t>
-                      </a:r>
-                      <a:endParaRPr lang="en-US" sz="1800" b="0" i="0" u="none" strike="noStrike">
-                        <a:solidFill>
-                          <a:srgbClr val="000000"/>
-                        </a:solidFill>
-                        <a:effectLst/>
-                        <a:latin typeface="Calibri" panose="020F0502020204030204" pitchFamily="34" charset="0"/>
-                      </a:endParaRPr>
-                    </a:p>
-                  </a:txBody>
-                  <a:tcPr marL="6350" marR="6350" marT="6350" anchor="ctr"/>
-                </a:tc>
-                <a:tc>
-                  <a:txBody>
-                    <a:bodyPr/>
-                    <a:lstStyle/>
-                    <a:p>
-                      <a:pPr algn="ctr" fontAlgn="b"/>
-                      <a:r>
-                        <a:rPr lang="en-US" sz="1800" u="none" strike="noStrike">
-                          <a:effectLst/>
-                        </a:rPr>
-                        <a:t>8147001</a:t>
-                      </a:r>
-                      <a:endParaRPr lang="en-US" sz="1800" b="0" i="0" u="none" strike="noStrike">
-                        <a:solidFill>
-                          <a:srgbClr val="000000"/>
-                        </a:solidFill>
-                        <a:effectLst/>
-                        <a:latin typeface="Calibri" panose="020F0502020204030204" pitchFamily="34" charset="0"/>
-                      </a:endParaRPr>
-                    </a:p>
-                  </a:txBody>
-                  <a:tcPr marL="6350" marR="6350" marT="6350" anchor="ctr"/>
-                </a:tc>
-                <a:tc>
-                  <a:txBody>
-                    <a:bodyPr/>
-                    <a:lstStyle/>
-                    <a:p>
-                      <a:pPr algn="ctr" fontAlgn="b"/>
-                      <a:r>
-                        <a:rPr lang="en-US" sz="1800" u="none" strike="noStrike">
-                          <a:effectLst/>
-                        </a:rPr>
-                        <a:t>21947</a:t>
-                      </a:r>
-                      <a:endParaRPr lang="en-US" sz="1800" b="0" i="0" u="none" strike="noStrike">
-                        <a:solidFill>
-                          <a:srgbClr val="000000"/>
-                        </a:solidFill>
-                        <a:effectLst/>
-                        <a:latin typeface="Calibri" panose="020F0502020204030204" pitchFamily="34" charset="0"/>
-                      </a:endParaRPr>
-                    </a:p>
-                  </a:txBody>
-                  <a:tcPr marL="6350" marR="6350" marT="6350" anchor="ctr"/>
-                </a:tc>
-                <a:tc>
-                  <a:txBody>
-                    <a:bodyPr/>
-                    <a:lstStyle/>
-                    <a:p>
-                      <a:pPr algn="ctr" fontAlgn="b"/>
-                      <a:r>
-                        <a:rPr lang="en-US" sz="1800" u="none" strike="noStrike">
-                          <a:effectLst/>
-                        </a:rPr>
-                        <a:t>0.269337419</a:t>
-                      </a:r>
-                      <a:endParaRPr lang="en-US" sz="1800" b="0" i="0" u="none" strike="noStrike">
-                        <a:solidFill>
-                          <a:srgbClr val="000000"/>
-                        </a:solidFill>
-                        <a:effectLst/>
-                        <a:latin typeface="Calibri" panose="020F0502020204030204" pitchFamily="34" charset="0"/>
-                      </a:endParaRPr>
-                    </a:p>
-                  </a:txBody>
-                  <a:tcPr marL="6350" marR="6350" marT="6350" anchor="ctr"/>
-                </a:tc>
-                <a:tc>
-                  <a:txBody>
-                    <a:bodyPr/>
-                    <a:lstStyle/>
-                    <a:p>
-                      <a:pPr algn="ctr" fontAlgn="b"/>
-                      <a:r>
-                        <a:rPr lang="en-US" sz="1800" u="none" strike="noStrike">
-                          <a:effectLst/>
-                        </a:rPr>
-                        <a:t>23461</a:t>
-                      </a:r>
-                      <a:endParaRPr lang="en-US" sz="1800" b="0" i="0" u="none" strike="noStrike">
-                        <a:solidFill>
-                          <a:srgbClr val="000000"/>
-                        </a:solidFill>
-                        <a:effectLst/>
-                        <a:latin typeface="Calibri" panose="020F0502020204030204" pitchFamily="34" charset="0"/>
-                      </a:endParaRPr>
-                    </a:p>
-                  </a:txBody>
-                  <a:tcPr marL="6350" marR="6350" marT="6350" anchor="ctr"/>
-                </a:tc>
-                <a:tc>
-                  <a:txBody>
-                    <a:bodyPr/>
-                    <a:lstStyle/>
-                    <a:p>
-                      <a:pPr algn="ctr" fontAlgn="b"/>
-                      <a:r>
-                        <a:rPr lang="en-US" sz="1800" u="none" strike="noStrike">
-                          <a:effectLst/>
-                        </a:rPr>
-                        <a:t>0.287917492</a:t>
-                      </a:r>
-                      <a:endParaRPr lang="en-US" sz="1800" b="0" i="0" u="none" strike="noStrike">
-                        <a:solidFill>
-                          <a:srgbClr val="000000"/>
-                        </a:solidFill>
-                        <a:effectLst/>
-                        <a:latin typeface="Calibri" panose="020F0502020204030204" pitchFamily="34" charset="0"/>
-                      </a:endParaRPr>
-                    </a:p>
-                  </a:txBody>
-                  <a:tcPr marL="6350" marR="6350" marT="6350" anchor="ctr"/>
-                </a:tc>
-                <a:extLst>
-                  <a:ext uri="{0D108BD9-81ED-4DB2-BD59-A6C34878D82A}">
-                    <a16:rowId xmlns:a16="http://schemas.microsoft.com/office/drawing/2014/main" val="1349148553"/>
-                  </a:ext>
-                </a:extLst>
-              </a:tr>
-              <a:tr h="370840">
-                <a:tc>
-                  <a:txBody>
-                    <a:bodyPr/>
-                    <a:lstStyle/>
-                    <a:p>
-                      <a:pPr algn="ctr" fontAlgn="b"/>
-                      <a:r>
-                        <a:rPr lang="en-US" sz="1800" u="none" strike="noStrike">
-                          <a:effectLst/>
-                        </a:rPr>
-                        <a:t>7</a:t>
-                      </a:r>
-                      <a:endParaRPr lang="en-US" sz="1800" b="0" i="0" u="none" strike="noStrike">
-                        <a:solidFill>
-                          <a:srgbClr val="000000"/>
-                        </a:solidFill>
-                        <a:effectLst/>
-                        <a:latin typeface="Calibri" panose="020F0502020204030204" pitchFamily="34" charset="0"/>
-                      </a:endParaRPr>
-                    </a:p>
-                  </a:txBody>
-                  <a:tcPr marL="6350" marR="6350" marT="6350" anchor="ctr"/>
-                </a:tc>
-                <a:tc>
-                  <a:txBody>
-                    <a:bodyPr/>
-                    <a:lstStyle/>
-                    <a:p>
-                      <a:pPr algn="ctr" fontAlgn="b"/>
-                      <a:r>
-                        <a:rPr lang="en-US" sz="1800" u="none" strike="noStrike">
-                          <a:effectLst/>
-                        </a:rPr>
-                        <a:t>8004650</a:t>
-                      </a:r>
-                      <a:endParaRPr lang="en-US" sz="1800" b="0" i="0" u="none" strike="noStrike">
-                        <a:solidFill>
-                          <a:srgbClr val="000000"/>
-                        </a:solidFill>
-                        <a:effectLst/>
-                        <a:latin typeface="Calibri" panose="020F0502020204030204" pitchFamily="34" charset="0"/>
-                      </a:endParaRPr>
-                    </a:p>
-                  </a:txBody>
-                  <a:tcPr marL="6350" marR="6350" marT="6350" anchor="ctr"/>
-                </a:tc>
-                <a:tc>
-                  <a:txBody>
-                    <a:bodyPr/>
-                    <a:lstStyle/>
-                    <a:p>
-                      <a:pPr algn="ctr" fontAlgn="b"/>
-                      <a:r>
-                        <a:rPr lang="en-US" sz="1800" u="none" strike="noStrike">
-                          <a:effectLst/>
-                        </a:rPr>
-                        <a:t>8003284</a:t>
-                      </a:r>
-                      <a:endParaRPr lang="en-US" sz="1800" b="0" i="0" u="none" strike="noStrike">
-                        <a:solidFill>
-                          <a:srgbClr val="000000"/>
-                        </a:solidFill>
-                        <a:effectLst/>
-                        <a:latin typeface="Calibri" panose="020F0502020204030204" pitchFamily="34" charset="0"/>
-                      </a:endParaRPr>
-                    </a:p>
-                  </a:txBody>
-                  <a:tcPr marL="6350" marR="6350" marT="6350" anchor="ctr"/>
-                </a:tc>
-                <a:tc>
-                  <a:txBody>
-                    <a:bodyPr/>
-                    <a:lstStyle/>
-                    <a:p>
-                      <a:pPr algn="ctr" fontAlgn="b"/>
-                      <a:r>
-                        <a:rPr lang="en-US" sz="1800" u="none" strike="noStrike">
-                          <a:effectLst/>
-                        </a:rPr>
-                        <a:t>19381</a:t>
-                      </a:r>
-                      <a:endParaRPr lang="en-US" sz="1800" b="0" i="0" u="none" strike="noStrike">
-                        <a:solidFill>
-                          <a:srgbClr val="000000"/>
-                        </a:solidFill>
-                        <a:effectLst/>
-                        <a:latin typeface="Calibri" panose="020F0502020204030204" pitchFamily="34" charset="0"/>
-                      </a:endParaRPr>
-                    </a:p>
-                  </a:txBody>
-                  <a:tcPr marL="6350" marR="6350" marT="6350" anchor="ctr"/>
-                </a:tc>
-                <a:tc>
-                  <a:txBody>
-                    <a:bodyPr/>
-                    <a:lstStyle/>
-                    <a:p>
-                      <a:pPr algn="ctr" fontAlgn="b"/>
-                      <a:r>
-                        <a:rPr lang="en-US" sz="1800" u="none" strike="noStrike">
-                          <a:effectLst/>
-                        </a:rPr>
-                        <a:t>0.242121767</a:t>
-                      </a:r>
-                      <a:endParaRPr lang="en-US" sz="1800" b="0" i="0" u="none" strike="noStrike">
-                        <a:solidFill>
-                          <a:srgbClr val="000000"/>
-                        </a:solidFill>
-                        <a:effectLst/>
-                        <a:latin typeface="Calibri" panose="020F0502020204030204" pitchFamily="34" charset="0"/>
-                      </a:endParaRPr>
-                    </a:p>
-                  </a:txBody>
-                  <a:tcPr marL="6350" marR="6350" marT="6350" anchor="ctr"/>
-                </a:tc>
-                <a:tc>
-                  <a:txBody>
-                    <a:bodyPr/>
-                    <a:lstStyle/>
-                    <a:p>
-                      <a:pPr algn="ctr" fontAlgn="b"/>
-                      <a:r>
-                        <a:rPr lang="en-US" sz="1800" u="none" strike="noStrike">
-                          <a:effectLst/>
-                        </a:rPr>
-                        <a:t>20747</a:t>
-                      </a:r>
-                      <a:endParaRPr lang="en-US" sz="1800" b="0" i="0" u="none" strike="noStrike">
-                        <a:solidFill>
-                          <a:srgbClr val="000000"/>
-                        </a:solidFill>
-                        <a:effectLst/>
-                        <a:latin typeface="Calibri" panose="020F0502020204030204" pitchFamily="34" charset="0"/>
-                      </a:endParaRPr>
-                    </a:p>
-                  </a:txBody>
-                  <a:tcPr marL="6350" marR="6350" marT="6350" anchor="ctr"/>
-                </a:tc>
-                <a:tc>
-                  <a:txBody>
-                    <a:bodyPr/>
-                    <a:lstStyle/>
-                    <a:p>
-                      <a:pPr algn="ctr" fontAlgn="b"/>
-                      <a:r>
-                        <a:rPr lang="en-US" sz="1800" u="none" strike="noStrike">
-                          <a:effectLst/>
-                        </a:rPr>
-                        <a:t>0.259186848</a:t>
-                      </a:r>
-                      <a:endParaRPr lang="en-US" sz="1800" b="0" i="0" u="none" strike="noStrike">
-                        <a:solidFill>
-                          <a:srgbClr val="000000"/>
-                        </a:solidFill>
-                        <a:effectLst/>
-                        <a:latin typeface="Calibri" panose="020F0502020204030204" pitchFamily="34" charset="0"/>
-                      </a:endParaRPr>
-                    </a:p>
-                  </a:txBody>
-                  <a:tcPr marL="6350" marR="6350" marT="6350" anchor="ctr"/>
-                </a:tc>
-                <a:extLst>
-                  <a:ext uri="{0D108BD9-81ED-4DB2-BD59-A6C34878D82A}">
-                    <a16:rowId xmlns:a16="http://schemas.microsoft.com/office/drawing/2014/main" val="897330522"/>
-                  </a:ext>
-                </a:extLst>
-              </a:tr>
-              <a:tr h="370840">
-                <a:tc>
-                  <a:txBody>
-                    <a:bodyPr/>
-                    <a:lstStyle/>
-                    <a:p>
-                      <a:pPr algn="ctr" fontAlgn="b"/>
-                      <a:r>
-                        <a:rPr lang="en-US" sz="1800" u="none" strike="noStrike">
-                          <a:effectLst/>
-                        </a:rPr>
-                        <a:t>8</a:t>
-                      </a:r>
-                      <a:endParaRPr lang="en-US" sz="1800" b="0" i="0" u="none" strike="noStrike">
-                        <a:solidFill>
-                          <a:srgbClr val="000000"/>
-                        </a:solidFill>
-                        <a:effectLst/>
-                        <a:latin typeface="Calibri" panose="020F0502020204030204" pitchFamily="34" charset="0"/>
-                      </a:endParaRPr>
-                    </a:p>
-                  </a:txBody>
-                  <a:tcPr marL="6350" marR="6350" marT="6350" anchor="ctr"/>
-                </a:tc>
-                <a:tc>
-                  <a:txBody>
-                    <a:bodyPr/>
-                    <a:lstStyle/>
-                    <a:p>
-                      <a:pPr algn="ctr" fontAlgn="b"/>
-                      <a:r>
-                        <a:rPr lang="en-US" sz="1800" u="none" strike="noStrike">
-                          <a:effectLst/>
-                        </a:rPr>
-                        <a:t>7132394</a:t>
-                      </a:r>
-                      <a:endParaRPr lang="en-US" sz="1800" b="0" i="0" u="none" strike="noStrike">
-                        <a:solidFill>
-                          <a:srgbClr val="000000"/>
-                        </a:solidFill>
-                        <a:effectLst/>
-                        <a:latin typeface="Calibri" panose="020F0502020204030204" pitchFamily="34" charset="0"/>
-                      </a:endParaRPr>
-                    </a:p>
-                  </a:txBody>
-                  <a:tcPr marL="6350" marR="6350" marT="6350" anchor="ctr"/>
-                </a:tc>
-                <a:tc>
-                  <a:txBody>
-                    <a:bodyPr/>
-                    <a:lstStyle/>
-                    <a:p>
-                      <a:pPr algn="ctr" fontAlgn="b"/>
-                      <a:r>
-                        <a:rPr lang="en-US" sz="1800" u="none" strike="noStrike">
-                          <a:effectLst/>
-                        </a:rPr>
-                        <a:t>7130922</a:t>
-                      </a:r>
-                      <a:endParaRPr lang="en-US" sz="1800" b="0" i="0" u="none" strike="noStrike">
-                        <a:solidFill>
-                          <a:srgbClr val="000000"/>
-                        </a:solidFill>
-                        <a:effectLst/>
-                        <a:latin typeface="Calibri" panose="020F0502020204030204" pitchFamily="34" charset="0"/>
-                      </a:endParaRPr>
-                    </a:p>
-                  </a:txBody>
-                  <a:tcPr marL="6350" marR="6350" marT="6350" anchor="ctr"/>
-                </a:tc>
-                <a:tc>
-                  <a:txBody>
-                    <a:bodyPr/>
-                    <a:lstStyle/>
-                    <a:p>
-                      <a:pPr algn="ctr" fontAlgn="b"/>
-                      <a:r>
-                        <a:rPr lang="en-US" sz="1800" u="none" strike="noStrike">
-                          <a:effectLst/>
-                        </a:rPr>
-                        <a:t>18268</a:t>
-                      </a:r>
-                      <a:endParaRPr lang="en-US" sz="1800" b="0" i="0" u="none" strike="noStrike">
-                        <a:solidFill>
-                          <a:srgbClr val="000000"/>
-                        </a:solidFill>
-                        <a:effectLst/>
-                        <a:latin typeface="Calibri" panose="020F0502020204030204" pitchFamily="34" charset="0"/>
-                      </a:endParaRPr>
-                    </a:p>
-                  </a:txBody>
-                  <a:tcPr marL="6350" marR="6350" marT="6350" anchor="ctr"/>
-                </a:tc>
-                <a:tc>
-                  <a:txBody>
-                    <a:bodyPr/>
-                    <a:lstStyle/>
-                    <a:p>
-                      <a:pPr algn="ctr" fontAlgn="b"/>
-                      <a:r>
-                        <a:rPr lang="en-US" sz="1800" u="none" strike="noStrike">
-                          <a:effectLst/>
-                        </a:rPr>
-                        <a:t>0.256127185</a:t>
-                      </a:r>
-                      <a:endParaRPr lang="en-US" sz="1800" b="0" i="0" u="none" strike="noStrike">
-                        <a:solidFill>
-                          <a:srgbClr val="000000"/>
-                        </a:solidFill>
-                        <a:effectLst/>
-                        <a:latin typeface="Calibri" panose="020F0502020204030204" pitchFamily="34" charset="0"/>
-                      </a:endParaRPr>
-                    </a:p>
-                  </a:txBody>
-                  <a:tcPr marL="6350" marR="6350" marT="6350" anchor="ctr"/>
-                </a:tc>
-                <a:tc>
-                  <a:txBody>
-                    <a:bodyPr/>
-                    <a:lstStyle/>
-                    <a:p>
-                      <a:pPr algn="ctr" fontAlgn="b"/>
-                      <a:r>
-                        <a:rPr lang="en-US" sz="1800" u="none" strike="noStrike">
-                          <a:effectLst/>
-                        </a:rPr>
-                        <a:t>19740</a:t>
-                      </a:r>
-                      <a:endParaRPr lang="en-US" sz="1800" b="0" i="0" u="none" strike="noStrike">
-                        <a:solidFill>
-                          <a:srgbClr val="000000"/>
-                        </a:solidFill>
-                        <a:effectLst/>
-                        <a:latin typeface="Calibri" panose="020F0502020204030204" pitchFamily="34" charset="0"/>
-                      </a:endParaRPr>
-                    </a:p>
-                  </a:txBody>
-                  <a:tcPr marL="6350" marR="6350" marT="6350" anchor="ctr"/>
-                </a:tc>
-                <a:tc>
-                  <a:txBody>
-                    <a:bodyPr/>
-                    <a:lstStyle/>
-                    <a:p>
-                      <a:pPr algn="ctr" fontAlgn="b"/>
-                      <a:r>
-                        <a:rPr lang="en-US" sz="1800" u="none" strike="noStrike">
-                          <a:effectLst/>
-                        </a:rPr>
-                        <a:t>0.276765417</a:t>
-                      </a:r>
-                      <a:endParaRPr lang="en-US" sz="1800" b="0" i="0" u="none" strike="noStrike">
-                        <a:solidFill>
-                          <a:srgbClr val="000000"/>
-                        </a:solidFill>
-                        <a:effectLst/>
-                        <a:latin typeface="Calibri" panose="020F0502020204030204" pitchFamily="34" charset="0"/>
-                      </a:endParaRPr>
-                    </a:p>
-                  </a:txBody>
-                  <a:tcPr marL="6350" marR="6350" marT="6350" anchor="ctr"/>
-                </a:tc>
-                <a:extLst>
-                  <a:ext uri="{0D108BD9-81ED-4DB2-BD59-A6C34878D82A}">
-                    <a16:rowId xmlns:a16="http://schemas.microsoft.com/office/drawing/2014/main" val="1416132245"/>
-                  </a:ext>
-                </a:extLst>
-              </a:tr>
-              <a:tr h="370840">
-                <a:tc>
-                  <a:txBody>
-                    <a:bodyPr/>
-                    <a:lstStyle/>
-                    <a:p>
-                      <a:pPr algn="ctr" fontAlgn="b"/>
-                      <a:r>
-                        <a:rPr lang="en-US" sz="1800" u="none" strike="noStrike">
-                          <a:effectLst/>
-                        </a:rPr>
-                        <a:t>9</a:t>
-                      </a:r>
-                      <a:endParaRPr lang="en-US" sz="1800" b="0" i="0" u="none" strike="noStrike">
-                        <a:solidFill>
-                          <a:srgbClr val="000000"/>
-                        </a:solidFill>
-                        <a:effectLst/>
-                        <a:latin typeface="Calibri" panose="020F0502020204030204" pitchFamily="34" charset="0"/>
-                      </a:endParaRPr>
-                    </a:p>
-                  </a:txBody>
-                  <a:tcPr marL="6350" marR="6350" marT="6350" anchor="ctr"/>
-                </a:tc>
-                <a:tc>
-                  <a:txBody>
-                    <a:bodyPr/>
-                    <a:lstStyle/>
-                    <a:p>
-                      <a:pPr algn="ctr" fontAlgn="b"/>
-                      <a:r>
-                        <a:rPr lang="en-US" sz="1800" u="none" strike="noStrike">
-                          <a:effectLst/>
-                        </a:rPr>
-                        <a:t>6395239</a:t>
-                      </a:r>
-                      <a:endParaRPr lang="en-US" sz="1800" b="0" i="0" u="none" strike="noStrike">
-                        <a:solidFill>
-                          <a:srgbClr val="000000"/>
-                        </a:solidFill>
-                        <a:effectLst/>
-                        <a:latin typeface="Calibri" panose="020F0502020204030204" pitchFamily="34" charset="0"/>
-                      </a:endParaRPr>
-                    </a:p>
-                  </a:txBody>
-                  <a:tcPr marL="6350" marR="6350" marT="6350" anchor="ctr"/>
-                </a:tc>
-                <a:tc>
-                  <a:txBody>
-                    <a:bodyPr/>
-                    <a:lstStyle/>
-                    <a:p>
-                      <a:pPr algn="ctr" fontAlgn="b"/>
-                      <a:r>
-                        <a:rPr lang="en-US" sz="1800" u="none" strike="noStrike">
-                          <a:effectLst/>
-                        </a:rPr>
-                        <a:t>6394260</a:t>
-                      </a:r>
-                      <a:endParaRPr lang="en-US" sz="1800" b="0" i="0" u="none" strike="noStrike">
-                        <a:solidFill>
-                          <a:srgbClr val="000000"/>
-                        </a:solidFill>
-                        <a:effectLst/>
-                        <a:latin typeface="Calibri" panose="020F0502020204030204" pitchFamily="34" charset="0"/>
-                      </a:endParaRPr>
-                    </a:p>
-                  </a:txBody>
-                  <a:tcPr marL="6350" marR="6350" marT="6350" anchor="ctr"/>
-                </a:tc>
-                <a:tc>
-                  <a:txBody>
-                    <a:bodyPr/>
-                    <a:lstStyle/>
-                    <a:p>
-                      <a:pPr algn="ctr" fontAlgn="b"/>
-                      <a:r>
-                        <a:rPr lang="en-US" sz="1800" u="none" strike="noStrike">
-                          <a:effectLst/>
-                        </a:rPr>
-                        <a:t>14755</a:t>
-                      </a:r>
-                      <a:endParaRPr lang="en-US" sz="1800" b="0" i="0" u="none" strike="noStrike">
-                        <a:solidFill>
-                          <a:srgbClr val="000000"/>
-                        </a:solidFill>
-                        <a:effectLst/>
-                        <a:latin typeface="Calibri" panose="020F0502020204030204" pitchFamily="34" charset="0"/>
-                      </a:endParaRPr>
-                    </a:p>
-                  </a:txBody>
-                  <a:tcPr marL="6350" marR="6350" marT="6350" anchor="ctr"/>
-                </a:tc>
-                <a:tc>
-                  <a:txBody>
-                    <a:bodyPr/>
-                    <a:lstStyle/>
-                    <a:p>
-                      <a:pPr algn="ctr" fontAlgn="b"/>
-                      <a:r>
-                        <a:rPr lang="en-US" sz="1800" u="none" strike="noStrike">
-                          <a:effectLst/>
-                        </a:rPr>
-                        <a:t>0.230718508</a:t>
-                      </a:r>
-                      <a:endParaRPr lang="en-US" sz="1800" b="0" i="0" u="none" strike="noStrike">
-                        <a:solidFill>
-                          <a:srgbClr val="000000"/>
-                        </a:solidFill>
-                        <a:effectLst/>
-                        <a:latin typeface="Calibri" panose="020F0502020204030204" pitchFamily="34" charset="0"/>
-                      </a:endParaRPr>
-                    </a:p>
-                  </a:txBody>
-                  <a:tcPr marL="6350" marR="6350" marT="6350" anchor="ctr"/>
-                </a:tc>
-                <a:tc>
-                  <a:txBody>
-                    <a:bodyPr/>
-                    <a:lstStyle/>
-                    <a:p>
-                      <a:pPr algn="ctr" fontAlgn="b"/>
-                      <a:r>
-                        <a:rPr lang="en-US" sz="1800" u="none" strike="noStrike">
-                          <a:effectLst/>
-                        </a:rPr>
-                        <a:t>15734</a:t>
-                      </a:r>
-                      <a:endParaRPr lang="en-US" sz="1800" b="0" i="0" u="none" strike="noStrike">
-                        <a:solidFill>
-                          <a:srgbClr val="000000"/>
-                        </a:solidFill>
-                        <a:effectLst/>
-                        <a:latin typeface="Calibri" panose="020F0502020204030204" pitchFamily="34" charset="0"/>
-                      </a:endParaRPr>
-                    </a:p>
-                  </a:txBody>
-                  <a:tcPr marL="6350" marR="6350" marT="6350" anchor="ctr"/>
-                </a:tc>
-                <a:tc>
-                  <a:txBody>
-                    <a:bodyPr/>
-                    <a:lstStyle/>
-                    <a:p>
-                      <a:pPr algn="ctr" fontAlgn="b"/>
-                      <a:r>
-                        <a:rPr lang="en-US" sz="1800" u="none" strike="noStrike">
-                          <a:effectLst/>
-                        </a:rPr>
-                        <a:t>0.246026771</a:t>
-                      </a:r>
-                      <a:endParaRPr lang="en-US" sz="1800" b="0" i="0" u="none" strike="noStrike">
-                        <a:solidFill>
-                          <a:srgbClr val="000000"/>
-                        </a:solidFill>
-                        <a:effectLst/>
-                        <a:latin typeface="Calibri" panose="020F0502020204030204" pitchFamily="34" charset="0"/>
-                      </a:endParaRPr>
-                    </a:p>
-                  </a:txBody>
-                  <a:tcPr marL="6350" marR="6350" marT="6350" anchor="ctr"/>
-                </a:tc>
-                <a:extLst>
-                  <a:ext uri="{0D108BD9-81ED-4DB2-BD59-A6C34878D82A}">
-                    <a16:rowId xmlns:a16="http://schemas.microsoft.com/office/drawing/2014/main" val="136380929"/>
-                  </a:ext>
-                </a:extLst>
-              </a:tr>
-              <a:tr h="370840">
-                <a:tc>
-                  <a:txBody>
-                    <a:bodyPr/>
-                    <a:lstStyle/>
-                    <a:p>
-                      <a:pPr algn="ctr" fontAlgn="b"/>
-                      <a:r>
-                        <a:rPr lang="en-US" sz="1800" u="none" strike="noStrike">
-                          <a:effectLst/>
-                        </a:rPr>
-                        <a:t>10</a:t>
-                      </a:r>
-                      <a:endParaRPr lang="en-US" sz="1800" b="0" i="0" u="none" strike="noStrike">
-                        <a:solidFill>
-                          <a:srgbClr val="000000"/>
-                        </a:solidFill>
-                        <a:effectLst/>
-                        <a:latin typeface="Calibri" panose="020F0502020204030204" pitchFamily="34" charset="0"/>
-                      </a:endParaRPr>
-                    </a:p>
-                  </a:txBody>
-                  <a:tcPr marL="6350" marR="6350" marT="6350" anchor="ctr"/>
-                </a:tc>
-                <a:tc>
-                  <a:txBody>
-                    <a:bodyPr/>
-                    <a:lstStyle/>
-                    <a:p>
-                      <a:pPr algn="ctr" fontAlgn="b"/>
-                      <a:r>
-                        <a:rPr lang="en-US" sz="1800" u="none" strike="noStrike">
-                          <a:effectLst/>
-                        </a:rPr>
-                        <a:t>7046754</a:t>
-                      </a:r>
-                      <a:endParaRPr lang="en-US" sz="1800" b="0" i="0" u="none" strike="noStrike">
-                        <a:solidFill>
-                          <a:srgbClr val="000000"/>
-                        </a:solidFill>
-                        <a:effectLst/>
-                        <a:latin typeface="Calibri" panose="020F0502020204030204" pitchFamily="34" charset="0"/>
-                      </a:endParaRPr>
-                    </a:p>
-                  </a:txBody>
-                  <a:tcPr marL="6350" marR="6350" marT="6350" anchor="ctr"/>
-                </a:tc>
-                <a:tc>
-                  <a:txBody>
-                    <a:bodyPr/>
-                    <a:lstStyle/>
-                    <a:p>
-                      <a:pPr algn="ctr" fontAlgn="b"/>
-                      <a:r>
-                        <a:rPr lang="en-US" sz="1800" u="none" strike="noStrike">
-                          <a:effectLst/>
-                        </a:rPr>
-                        <a:t>7045331</a:t>
-                      </a:r>
-                      <a:endParaRPr lang="en-US" sz="1800" b="0" i="0" u="none" strike="noStrike">
-                        <a:solidFill>
-                          <a:srgbClr val="000000"/>
-                        </a:solidFill>
-                        <a:effectLst/>
-                        <a:latin typeface="Calibri" panose="020F0502020204030204" pitchFamily="34" charset="0"/>
-                      </a:endParaRPr>
-                    </a:p>
-                  </a:txBody>
-                  <a:tcPr marL="6350" marR="6350" marT="6350" anchor="ctr"/>
-                </a:tc>
-                <a:tc>
-                  <a:txBody>
-                    <a:bodyPr/>
-                    <a:lstStyle/>
-                    <a:p>
-                      <a:pPr algn="ctr" fontAlgn="b"/>
-                      <a:r>
-                        <a:rPr lang="en-US" sz="1800" u="none" strike="noStrike">
-                          <a:effectLst/>
-                        </a:rPr>
-                        <a:t>18080</a:t>
-                      </a:r>
-                      <a:endParaRPr lang="en-US" sz="1800" b="0" i="0" u="none" strike="noStrike">
-                        <a:solidFill>
-                          <a:srgbClr val="000000"/>
-                        </a:solidFill>
-                        <a:effectLst/>
-                        <a:latin typeface="Calibri" panose="020F0502020204030204" pitchFamily="34" charset="0"/>
-                      </a:endParaRPr>
-                    </a:p>
-                  </a:txBody>
-                  <a:tcPr marL="6350" marR="6350" marT="6350" anchor="ctr"/>
-                </a:tc>
-                <a:tc>
-                  <a:txBody>
-                    <a:bodyPr/>
-                    <a:lstStyle/>
-                    <a:p>
-                      <a:pPr algn="ctr" fontAlgn="b"/>
-                      <a:r>
-                        <a:rPr lang="en-US" sz="1800" u="none" strike="noStrike">
-                          <a:effectLst/>
-                        </a:rPr>
-                        <a:t>0.256572033</a:t>
-                      </a:r>
-                      <a:endParaRPr lang="en-US" sz="1800" b="0" i="0" u="none" strike="noStrike">
-                        <a:solidFill>
-                          <a:srgbClr val="000000"/>
-                        </a:solidFill>
-                        <a:effectLst/>
-                        <a:latin typeface="Calibri" panose="020F0502020204030204" pitchFamily="34" charset="0"/>
-                      </a:endParaRPr>
-                    </a:p>
-                  </a:txBody>
-                  <a:tcPr marL="6350" marR="6350" marT="6350" anchor="ctr"/>
-                </a:tc>
-                <a:tc>
-                  <a:txBody>
-                    <a:bodyPr/>
-                    <a:lstStyle/>
-                    <a:p>
-                      <a:pPr algn="ctr" fontAlgn="b"/>
-                      <a:r>
-                        <a:rPr lang="en-US" sz="1800" u="none" strike="noStrike">
-                          <a:effectLst/>
-                        </a:rPr>
-                        <a:t>19503</a:t>
-                      </a:r>
-                      <a:endParaRPr lang="en-US" sz="1800" b="0" i="0" u="none" strike="noStrike">
-                        <a:solidFill>
-                          <a:srgbClr val="000000"/>
-                        </a:solidFill>
-                        <a:effectLst/>
-                        <a:latin typeface="Calibri" panose="020F0502020204030204" pitchFamily="34" charset="0"/>
-                      </a:endParaRPr>
-                    </a:p>
-                  </a:txBody>
-                  <a:tcPr marL="6350" marR="6350" marT="6350" anchor="ctr"/>
-                </a:tc>
-                <a:tc>
-                  <a:txBody>
-                    <a:bodyPr/>
-                    <a:lstStyle/>
-                    <a:p>
-                      <a:pPr algn="ctr" fontAlgn="b"/>
-                      <a:r>
-                        <a:rPr lang="en-US" sz="1800" u="none" strike="noStrike">
-                          <a:effectLst/>
-                        </a:rPr>
-                        <a:t>0.276765728</a:t>
-                      </a:r>
-                      <a:endParaRPr lang="en-US" sz="1800" b="0" i="0" u="none" strike="noStrike">
-                        <a:solidFill>
-                          <a:srgbClr val="000000"/>
-                        </a:solidFill>
-                        <a:effectLst/>
-                        <a:latin typeface="Calibri" panose="020F0502020204030204" pitchFamily="34" charset="0"/>
-                      </a:endParaRPr>
-                    </a:p>
-                  </a:txBody>
-                  <a:tcPr marL="6350" marR="6350" marT="6350" anchor="ctr"/>
-                </a:tc>
-                <a:extLst>
-                  <a:ext uri="{0D108BD9-81ED-4DB2-BD59-A6C34878D82A}">
-                    <a16:rowId xmlns:a16="http://schemas.microsoft.com/office/drawing/2014/main" val="2549045811"/>
-                  </a:ext>
-                </a:extLst>
-              </a:tr>
-              <a:tr h="370840">
-                <a:tc>
-                  <a:txBody>
-                    <a:bodyPr/>
-                    <a:lstStyle/>
-                    <a:p>
-                      <a:pPr algn="ctr" fontAlgn="b"/>
-                      <a:r>
-                        <a:rPr lang="en-US" sz="1800" u="none" strike="noStrike">
-                          <a:effectLst/>
-                        </a:rPr>
-                        <a:t>11</a:t>
-                      </a:r>
-                      <a:endParaRPr lang="en-US" sz="1800" b="0" i="0" u="none" strike="noStrike">
-                        <a:solidFill>
-                          <a:srgbClr val="000000"/>
-                        </a:solidFill>
-                        <a:effectLst/>
-                        <a:latin typeface="Calibri" panose="020F0502020204030204" pitchFamily="34" charset="0"/>
-                      </a:endParaRPr>
-                    </a:p>
-                  </a:txBody>
-                  <a:tcPr marL="6350" marR="6350" marT="6350" anchor="ctr"/>
-                </a:tc>
-                <a:tc>
-                  <a:txBody>
-                    <a:bodyPr/>
-                    <a:lstStyle/>
-                    <a:p>
-                      <a:pPr algn="ctr" fontAlgn="b"/>
-                      <a:r>
-                        <a:rPr lang="en-US" sz="1800" u="none" strike="noStrike">
-                          <a:effectLst/>
-                        </a:rPr>
-                        <a:t>7091678</a:t>
-                      </a:r>
-                      <a:endParaRPr lang="en-US" sz="1800" b="0" i="0" u="none" strike="noStrike">
-                        <a:solidFill>
-                          <a:srgbClr val="000000"/>
-                        </a:solidFill>
-                        <a:effectLst/>
-                        <a:latin typeface="Calibri" panose="020F0502020204030204" pitchFamily="34" charset="0"/>
-                      </a:endParaRPr>
-                    </a:p>
-                  </a:txBody>
-                  <a:tcPr marL="6350" marR="6350" marT="6350" anchor="ctr"/>
-                </a:tc>
-                <a:tc>
-                  <a:txBody>
-                    <a:bodyPr/>
-                    <a:lstStyle/>
-                    <a:p>
-                      <a:pPr algn="ctr" fontAlgn="b"/>
-                      <a:r>
-                        <a:rPr lang="en-US" sz="1800" u="none" strike="noStrike">
-                          <a:effectLst/>
-                        </a:rPr>
-                        <a:t>7090700</a:t>
-                      </a:r>
-                      <a:endParaRPr lang="en-US" sz="1800" b="0" i="0" u="none" strike="noStrike">
-                        <a:solidFill>
-                          <a:srgbClr val="000000"/>
-                        </a:solidFill>
-                        <a:effectLst/>
-                        <a:latin typeface="Calibri" panose="020F0502020204030204" pitchFamily="34" charset="0"/>
-                      </a:endParaRPr>
-                    </a:p>
-                  </a:txBody>
-                  <a:tcPr marL="6350" marR="6350" marT="6350" anchor="ctr"/>
-                </a:tc>
-                <a:tc>
-                  <a:txBody>
-                    <a:bodyPr/>
-                    <a:lstStyle/>
-                    <a:p>
-                      <a:pPr algn="ctr" fontAlgn="b"/>
-                      <a:r>
-                        <a:rPr lang="en-US" sz="1800" u="none" strike="noStrike">
-                          <a:effectLst/>
-                        </a:rPr>
-                        <a:t>18156</a:t>
-                      </a:r>
-                      <a:endParaRPr lang="en-US" sz="1800" b="0" i="0" u="none" strike="noStrike">
-                        <a:solidFill>
-                          <a:srgbClr val="000000"/>
-                        </a:solidFill>
-                        <a:effectLst/>
-                        <a:latin typeface="Calibri" panose="020F0502020204030204" pitchFamily="34" charset="0"/>
-                      </a:endParaRPr>
-                    </a:p>
-                  </a:txBody>
-                  <a:tcPr marL="6350" marR="6350" marT="6350" anchor="ctr"/>
-                </a:tc>
-                <a:tc>
-                  <a:txBody>
-                    <a:bodyPr/>
-                    <a:lstStyle/>
-                    <a:p>
-                      <a:pPr algn="ctr" fontAlgn="b"/>
-                      <a:r>
-                        <a:rPr lang="en-US" sz="1800" u="none" strike="noStrike">
-                          <a:effectLst/>
-                        </a:rPr>
-                        <a:t>0.256018392</a:t>
-                      </a:r>
-                      <a:endParaRPr lang="en-US" sz="1800" b="0" i="0" u="none" strike="noStrike">
-                        <a:solidFill>
-                          <a:srgbClr val="000000"/>
-                        </a:solidFill>
-                        <a:effectLst/>
-                        <a:latin typeface="Calibri" panose="020F0502020204030204" pitchFamily="34" charset="0"/>
-                      </a:endParaRPr>
-                    </a:p>
-                  </a:txBody>
-                  <a:tcPr marL="6350" marR="6350" marT="6350" anchor="ctr"/>
-                </a:tc>
-                <a:tc>
-                  <a:txBody>
-                    <a:bodyPr/>
-                    <a:lstStyle/>
-                    <a:p>
-                      <a:pPr algn="ctr" fontAlgn="b"/>
-                      <a:r>
-                        <a:rPr lang="en-US" sz="1800" u="none" strike="noStrike">
-                          <a:effectLst/>
-                        </a:rPr>
-                        <a:t>19134</a:t>
-                      </a:r>
-                      <a:endParaRPr lang="en-US" sz="1800" b="0" i="0" u="none" strike="noStrike">
-                        <a:solidFill>
-                          <a:srgbClr val="000000"/>
-                        </a:solidFill>
-                        <a:effectLst/>
-                        <a:latin typeface="Calibri" panose="020F0502020204030204" pitchFamily="34" charset="0"/>
-                      </a:endParaRPr>
-                    </a:p>
-                  </a:txBody>
-                  <a:tcPr marL="6350" marR="6350" marT="6350" anchor="ctr"/>
-                </a:tc>
-                <a:tc>
-                  <a:txBody>
-                    <a:bodyPr/>
-                    <a:lstStyle/>
-                    <a:p>
-                      <a:pPr algn="ctr" fontAlgn="b"/>
-                      <a:r>
-                        <a:rPr lang="en-US" sz="1800" u="none" strike="noStrike">
-                          <a:effectLst/>
-                        </a:rPr>
-                        <a:t>0.269809205</a:t>
-                      </a:r>
-                      <a:endParaRPr lang="en-US" sz="1800" b="0" i="0" u="none" strike="noStrike">
-                        <a:solidFill>
-                          <a:srgbClr val="000000"/>
-                        </a:solidFill>
-                        <a:effectLst/>
-                        <a:latin typeface="Calibri" panose="020F0502020204030204" pitchFamily="34" charset="0"/>
-                      </a:endParaRPr>
-                    </a:p>
-                  </a:txBody>
-                  <a:tcPr marL="6350" marR="6350" marT="6350" anchor="ctr"/>
-                </a:tc>
-                <a:extLst>
-                  <a:ext uri="{0D108BD9-81ED-4DB2-BD59-A6C34878D82A}">
-                    <a16:rowId xmlns:a16="http://schemas.microsoft.com/office/drawing/2014/main" val="2153182266"/>
-                  </a:ext>
-                </a:extLst>
-              </a:tr>
-              <a:tr h="370840">
-                <a:tc>
-                  <a:txBody>
-                    <a:bodyPr/>
-                    <a:lstStyle/>
-                    <a:p>
-                      <a:pPr algn="ctr" fontAlgn="b"/>
-                      <a:r>
-                        <a:rPr lang="en-US" sz="1800" u="none" strike="noStrike">
-                          <a:effectLst/>
-                        </a:rPr>
-                        <a:t>12</a:t>
-                      </a:r>
-                      <a:endParaRPr lang="en-US" sz="1800" b="0" i="0" u="none" strike="noStrike">
-                        <a:solidFill>
-                          <a:srgbClr val="000000"/>
-                        </a:solidFill>
-                        <a:effectLst/>
-                        <a:latin typeface="Calibri" panose="020F0502020204030204" pitchFamily="34" charset="0"/>
-                      </a:endParaRPr>
-                    </a:p>
-                  </a:txBody>
-                  <a:tcPr marL="6350" marR="6350" marT="6350" anchor="ctr"/>
-                </a:tc>
-                <a:tc>
-                  <a:txBody>
-                    <a:bodyPr/>
-                    <a:lstStyle/>
-                    <a:p>
-                      <a:pPr algn="ctr" fontAlgn="b"/>
-                      <a:r>
-                        <a:rPr lang="en-US" sz="1800" u="none" strike="noStrike">
-                          <a:effectLst/>
-                        </a:rPr>
-                        <a:t>6762794</a:t>
-                      </a:r>
-                      <a:endParaRPr lang="en-US" sz="1800" b="0" i="0" u="none" strike="noStrike">
-                        <a:solidFill>
-                          <a:srgbClr val="000000"/>
-                        </a:solidFill>
-                        <a:effectLst/>
-                        <a:latin typeface="Calibri" panose="020F0502020204030204" pitchFamily="34" charset="0"/>
-                      </a:endParaRPr>
-                    </a:p>
-                  </a:txBody>
-                  <a:tcPr marL="6350" marR="6350" marT="6350" anchor="ctr"/>
-                </a:tc>
-                <a:tc>
-                  <a:txBody>
-                    <a:bodyPr/>
-                    <a:lstStyle/>
-                    <a:p>
-                      <a:pPr algn="ctr" fontAlgn="b"/>
-                      <a:r>
-                        <a:rPr lang="en-US" sz="1800" u="none" strike="noStrike">
-                          <a:effectLst/>
-                        </a:rPr>
-                        <a:t>6761892</a:t>
-                      </a:r>
-                      <a:endParaRPr lang="en-US" sz="1800" b="0" i="0" u="none" strike="noStrike">
-                        <a:solidFill>
-                          <a:srgbClr val="000000"/>
-                        </a:solidFill>
-                        <a:effectLst/>
-                        <a:latin typeface="Calibri" panose="020F0502020204030204" pitchFamily="34" charset="0"/>
-                      </a:endParaRPr>
-                    </a:p>
-                  </a:txBody>
-                  <a:tcPr marL="6350" marR="6350" marT="6350" anchor="ctr"/>
-                </a:tc>
-                <a:tc>
-                  <a:txBody>
-                    <a:bodyPr/>
-                    <a:lstStyle/>
-                    <a:p>
-                      <a:pPr algn="ctr" fontAlgn="b"/>
-                      <a:r>
-                        <a:rPr lang="en-US" sz="1800" u="none" strike="noStrike">
-                          <a:effectLst/>
-                        </a:rPr>
-                        <a:t>16542</a:t>
-                      </a:r>
-                      <a:endParaRPr lang="en-US" sz="1800" b="0" i="0" u="none" strike="noStrike">
-                        <a:solidFill>
-                          <a:srgbClr val="000000"/>
-                        </a:solidFill>
-                        <a:effectLst/>
-                        <a:latin typeface="Calibri" panose="020F0502020204030204" pitchFamily="34" charset="0"/>
-                      </a:endParaRPr>
-                    </a:p>
-                  </a:txBody>
-                  <a:tcPr marL="6350" marR="6350" marT="6350" anchor="ctr"/>
-                </a:tc>
-                <a:tc>
-                  <a:txBody>
-                    <a:bodyPr/>
-                    <a:lstStyle/>
-                    <a:p>
-                      <a:pPr algn="ctr" fontAlgn="b"/>
-                      <a:r>
-                        <a:rPr lang="en-US" sz="1800" u="none" strike="noStrike">
-                          <a:effectLst/>
-                        </a:rPr>
-                        <a:t>0.244603044</a:t>
-                      </a:r>
-                      <a:endParaRPr lang="en-US" sz="1800" b="0" i="0" u="none" strike="noStrike">
-                        <a:solidFill>
-                          <a:srgbClr val="000000"/>
-                        </a:solidFill>
-                        <a:effectLst/>
-                        <a:latin typeface="Calibri" panose="020F0502020204030204" pitchFamily="34" charset="0"/>
-                      </a:endParaRPr>
-                    </a:p>
-                  </a:txBody>
-                  <a:tcPr marL="6350" marR="6350" marT="6350" anchor="ctr"/>
-                </a:tc>
-                <a:tc>
-                  <a:txBody>
-                    <a:bodyPr/>
-                    <a:lstStyle/>
-                    <a:p>
-                      <a:pPr algn="ctr" fontAlgn="b"/>
-                      <a:r>
-                        <a:rPr lang="en-US" sz="1800" u="none" strike="noStrike">
-                          <a:effectLst/>
-                        </a:rPr>
-                        <a:t>17444</a:t>
-                      </a:r>
-                      <a:endParaRPr lang="en-US" sz="1800" b="0" i="0" u="none" strike="noStrike">
-                        <a:solidFill>
-                          <a:srgbClr val="000000"/>
-                        </a:solidFill>
-                        <a:effectLst/>
-                        <a:latin typeface="Calibri" panose="020F0502020204030204" pitchFamily="34" charset="0"/>
-                      </a:endParaRPr>
-                    </a:p>
-                  </a:txBody>
-                  <a:tcPr marL="6350" marR="6350" marT="6350" anchor="ctr"/>
-                </a:tc>
-                <a:tc>
-                  <a:txBody>
-                    <a:bodyPr/>
-                    <a:lstStyle/>
-                    <a:p>
-                      <a:pPr algn="ctr" fontAlgn="b"/>
-                      <a:r>
-                        <a:rPr lang="en-US" sz="1800" u="none" strike="noStrike" dirty="0">
-                          <a:effectLst/>
-                        </a:rPr>
-                        <a:t>0.257940727</a:t>
-                      </a:r>
-                      <a:endParaRPr lang="en-US" sz="1800" b="0" i="0" u="none" strike="noStrike" dirty="0">
-                        <a:solidFill>
-                          <a:srgbClr val="000000"/>
-                        </a:solidFill>
-                        <a:effectLst/>
-                        <a:latin typeface="Calibri" panose="020F0502020204030204" pitchFamily="34" charset="0"/>
-                      </a:endParaRPr>
-                    </a:p>
-                  </a:txBody>
-                  <a:tcPr marL="6350" marR="6350" marT="6350" anchor="ctr"/>
-                </a:tc>
-                <a:extLst>
-                  <a:ext uri="{0D108BD9-81ED-4DB2-BD59-A6C34878D82A}">
-                    <a16:rowId xmlns:a16="http://schemas.microsoft.com/office/drawing/2014/main" val="3398105316"/>
-                  </a:ext>
-                </a:extLst>
-              </a:tr>
-            </a:tbl>
-          </a:graphicData>
-        </a:graphic>
-      </p:graphicFrame>
-    </p:spTree>
-    <p:extLst>
-      <p:ext uri="{BB962C8B-B14F-4D97-AF65-F5344CB8AC3E}">
-        <p14:creationId xmlns:p14="http://schemas.microsoft.com/office/powerpoint/2010/main" val="2416189655"/>
       </p:ext>
     </p:extLst>
   </p:cSld>
